--- a/teoricas/acite2019-05-web_bd.pptx
+++ b/teoricas/acite2019-05-web_bd.pptx
@@ -790,70 +790,141 @@
       </p:grpSpPr>
       <p:sp>
         <p:nvSpPr>
-          <p:cNvPr id="31746" name="Rectangle 2"/>
-          <p:cNvSpPr>
-            <a:spLocks noGrp="1" noRot="1" noChangeAspect="1" noChangeArrowheads="1" noTextEdit="1"/>
+          <p:cNvPr id="2" name="Slide Image Placeholder 1"/>
+          <p:cNvSpPr>
+            <a:spLocks noGrp="1" noRot="1" noChangeAspect="1"/>
           </p:cNvSpPr>
           <p:nvPr>
             <p:ph type="sldImg"/>
           </p:nvPr>
         </p:nvSpPr>
-        <p:spPr bwMode="auto">
-          <a:xfrm>
-            <a:off x="992188" y="768350"/>
-            <a:ext cx="5114925" cy="3836988"/>
-          </a:xfrm>
-          <a:prstGeom prst="rect">
-            <a:avLst/>
-          </a:prstGeom>
-          <a:noFill/>
-          <a:ln>
-            <a:solidFill>
-              <a:srgbClr val="000000"/>
-            </a:solidFill>
-            <a:miter lim="800000"/>
-            <a:headEnd/>
-            <a:tailEnd/>
-          </a:ln>
-        </p:spPr>
-      </p:sp>
-      <p:sp>
-        <p:nvSpPr>
-          <p:cNvPr id="31747" name="Rectangle 3"/>
-          <p:cNvSpPr>
-            <a:spLocks noGrp="1" noChangeArrowheads="1"/>
+        <p:spPr/>
+      </p:sp>
+      <p:sp>
+        <p:nvSpPr>
+          <p:cNvPr id="3" name="Notes Placeholder 2"/>
+          <p:cNvSpPr>
+            <a:spLocks noGrp="1"/>
           </p:cNvSpPr>
           <p:nvPr>
             <p:ph type="body" idx="1"/>
           </p:nvPr>
         </p:nvSpPr>
-        <p:spPr bwMode="auto">
-          <a:xfrm>
-            <a:off x="711200" y="4862513"/>
-            <a:ext cx="5676900" cy="4603750"/>
-          </a:xfrm>
-          <a:prstGeom prst="rect">
-            <a:avLst/>
-          </a:prstGeom>
-          <a:noFill/>
-          <a:ln>
-            <a:miter lim="800000"/>
-            <a:headEnd/>
-            <a:tailEnd/>
-          </a:ln>
-        </p:spPr>
-        <p:txBody>
-          <a:bodyPr lIns="96498" tIns="48249" rIns="96498" bIns="48249"/>
+        <p:spPr/>
+        <p:txBody>
+          <a:bodyPr/>
           <a:lstStyle/>
           <a:p>
-            <a:endParaRPr lang="en-US"/>
+            <a:r>
+              <a:rPr lang="en-US" sz="1200" b="1" i="0" kern="1200" dirty="0">
+                <a:solidFill>
+                  <a:schemeClr val="tx1"/>
+                </a:solidFill>
+                <a:effectLst/>
+                <a:latin typeface="+mn-lt"/>
+                <a:ea typeface="+mn-ea"/>
+                <a:cs typeface="+mn-cs"/>
+              </a:rPr>
+              <a:t>LDAP</a:t>
+            </a:r>
+            <a:r>
+              <a:rPr lang="en-US" sz="1200" b="0" i="0" kern="1200" dirty="0">
+                <a:solidFill>
+                  <a:schemeClr val="tx1"/>
+                </a:solidFill>
+                <a:effectLst/>
+                <a:latin typeface="+mn-lt"/>
+                <a:ea typeface="+mn-ea"/>
+                <a:cs typeface="+mn-cs"/>
+              </a:rPr>
+              <a:t> stands for Lightweight Directory Access Protocol. As the name suggests, it is a lightweight client-server protocol for accessing directory services, specifically X.500-based directory services. </a:t>
+            </a:r>
+            <a:r>
+              <a:rPr lang="en-US" sz="1200" b="1" i="0" kern="1200" dirty="0" err="1">
+                <a:solidFill>
+                  <a:schemeClr val="tx1"/>
+                </a:solidFill>
+                <a:effectLst/>
+                <a:latin typeface="+mn-lt"/>
+                <a:ea typeface="+mn-ea"/>
+                <a:cs typeface="+mn-cs"/>
+              </a:rPr>
+              <a:t>LDAP</a:t>
+            </a:r>
+            <a:r>
+              <a:rPr lang="en-US" sz="1200" b="0" i="0" kern="1200" dirty="0" err="1">
+                <a:solidFill>
+                  <a:schemeClr val="tx1"/>
+                </a:solidFill>
+                <a:effectLst/>
+                <a:latin typeface="+mn-lt"/>
+                <a:ea typeface="+mn-ea"/>
+                <a:cs typeface="+mn-cs"/>
+              </a:rPr>
+              <a:t>runs</a:t>
+            </a:r>
+            <a:r>
+              <a:rPr lang="en-US" sz="1200" b="0" i="0" kern="1200" dirty="0">
+                <a:solidFill>
+                  <a:schemeClr val="tx1"/>
+                </a:solidFill>
+                <a:effectLst/>
+                <a:latin typeface="+mn-lt"/>
+                <a:ea typeface="+mn-ea"/>
+                <a:cs typeface="+mn-cs"/>
+              </a:rPr>
+              <a:t> over TCP/IP or other connection oriented transfer services.</a:t>
+            </a:r>
+            <a:endParaRPr lang="en-US" dirty="0"/>
+          </a:p>
+        </p:txBody>
+      </p:sp>
+      <p:sp>
+        <p:nvSpPr>
+          <p:cNvPr id="4" name="Date Placeholder 3"/>
+          <p:cNvSpPr>
+            <a:spLocks noGrp="1"/>
+          </p:cNvSpPr>
+          <p:nvPr>
+            <p:ph type="dt" idx="1"/>
+          </p:nvPr>
+        </p:nvSpPr>
+        <p:spPr/>
+        <p:txBody>
+          <a:bodyPr/>
+          <a:lstStyle/>
+          <a:p>
+            <a:endParaRPr lang="en-US" dirty="0"/>
+          </a:p>
+        </p:txBody>
+      </p:sp>
+      <p:sp>
+        <p:nvSpPr>
+          <p:cNvPr id="5" name="Slide Number Placeholder 4"/>
+          <p:cNvSpPr>
+            <a:spLocks noGrp="1"/>
+          </p:cNvSpPr>
+          <p:nvPr>
+            <p:ph type="sldNum" sz="quarter" idx="5"/>
+          </p:nvPr>
+        </p:nvSpPr>
+        <p:spPr/>
+        <p:txBody>
+          <a:bodyPr/>
+          <a:lstStyle/>
+          <a:p>
+            <a:fld id="{3990217E-CD0F-B146-A013-B9F5B8025669}" type="slidenum">
+              <a:rPr lang="en-US" smtClean="0"/>
+              <a:t>13</a:t>
+            </a:fld>
+            <a:endParaRPr lang="en-US" dirty="0"/>
           </a:p>
         </p:txBody>
       </p:sp>
     </p:spTree>
     <p:extLst>
       <p:ext uri="{BB962C8B-B14F-4D97-AF65-F5344CB8AC3E}">
-        <p14:creationId xmlns:p14="http://schemas.microsoft.com/office/powerpoint/2010/main" val="2351634708"/>
+        <p14:creationId xmlns:p14="http://schemas.microsoft.com/office/powerpoint/2010/main" val="1618411571"/>
       </p:ext>
     </p:extLst>
   </p:cSld>
@@ -882,6 +953,98 @@
       </p:grpSpPr>
       <p:sp>
         <p:nvSpPr>
+          <p:cNvPr id="31746" name="Rectangle 2"/>
+          <p:cNvSpPr>
+            <a:spLocks noGrp="1" noRot="1" noChangeAspect="1" noChangeArrowheads="1" noTextEdit="1"/>
+          </p:cNvSpPr>
+          <p:nvPr>
+            <p:ph type="sldImg"/>
+          </p:nvPr>
+        </p:nvSpPr>
+        <p:spPr bwMode="auto">
+          <a:xfrm>
+            <a:off x="992188" y="768350"/>
+            <a:ext cx="5114925" cy="3836988"/>
+          </a:xfrm>
+          <a:prstGeom prst="rect">
+            <a:avLst/>
+          </a:prstGeom>
+          <a:noFill/>
+          <a:ln>
+            <a:solidFill>
+              <a:srgbClr val="000000"/>
+            </a:solidFill>
+            <a:miter lim="800000"/>
+            <a:headEnd/>
+            <a:tailEnd/>
+          </a:ln>
+        </p:spPr>
+      </p:sp>
+      <p:sp>
+        <p:nvSpPr>
+          <p:cNvPr id="31747" name="Rectangle 3"/>
+          <p:cNvSpPr>
+            <a:spLocks noGrp="1" noChangeArrowheads="1"/>
+          </p:cNvSpPr>
+          <p:nvPr>
+            <p:ph type="body" idx="1"/>
+          </p:nvPr>
+        </p:nvSpPr>
+        <p:spPr bwMode="auto">
+          <a:xfrm>
+            <a:off x="711200" y="4862513"/>
+            <a:ext cx="5676900" cy="4603750"/>
+          </a:xfrm>
+          <a:prstGeom prst="rect">
+            <a:avLst/>
+          </a:prstGeom>
+          <a:noFill/>
+          <a:ln>
+            <a:miter lim="800000"/>
+            <a:headEnd/>
+            <a:tailEnd/>
+          </a:ln>
+        </p:spPr>
+        <p:txBody>
+          <a:bodyPr lIns="96498" tIns="48249" rIns="96498" bIns="48249"/>
+          <a:lstStyle/>
+          <a:p>
+            <a:endParaRPr lang="en-US"/>
+          </a:p>
+        </p:txBody>
+      </p:sp>
+    </p:spTree>
+    <p:extLst>
+      <p:ext uri="{BB962C8B-B14F-4D97-AF65-F5344CB8AC3E}">
+        <p14:creationId xmlns:p14="http://schemas.microsoft.com/office/powerpoint/2010/main" val="2351634708"/>
+      </p:ext>
+    </p:extLst>
+  </p:cSld>
+  <p:clrMapOvr>
+    <a:masterClrMapping/>
+  </p:clrMapOvr>
+</p:notes>
+</file>
+
+<file path=ppt/notesSlides/notesSlide4.xml><?xml version="1.0" encoding="utf-8"?>
+<p:notes xmlns:a="http://schemas.openxmlformats.org/drawingml/2006/main" xmlns:r="http://schemas.openxmlformats.org/officeDocument/2006/relationships" xmlns:p="http://schemas.openxmlformats.org/presentationml/2006/main">
+  <p:cSld>
+    <p:spTree>
+      <p:nvGrpSpPr>
+        <p:cNvPr id="1" name=""/>
+        <p:cNvGrpSpPr/>
+        <p:nvPr/>
+      </p:nvGrpSpPr>
+      <p:grpSpPr>
+        <a:xfrm>
+          <a:off x="0" y="0"/>
+          <a:ext cx="0" cy="0"/>
+          <a:chOff x="0" y="0"/>
+          <a:chExt cx="0" cy="0"/>
+        </a:xfrm>
+      </p:grpSpPr>
+      <p:sp>
+        <p:nvSpPr>
           <p:cNvPr id="2" name="Slide Image Placeholder 1"/>
           <p:cNvSpPr>
             <a:spLocks noGrp="1" noRot="1" noChangeAspect="1"/>
@@ -972,7 +1135,7 @@
 </p:notes>
 </file>
 
-<file path=ppt/notesSlides/notesSlide4.xml><?xml version="1.0" encoding="utf-8"?>
+<file path=ppt/notesSlides/notesSlide5.xml><?xml version="1.0" encoding="utf-8"?>
 <p:notes xmlns:a="http://schemas.openxmlformats.org/drawingml/2006/main" xmlns:r="http://schemas.openxmlformats.org/officeDocument/2006/relationships" xmlns:p="http://schemas.openxmlformats.org/presentationml/2006/main">
   <p:cSld>
     <p:spTree>
@@ -5370,32 +5533,194 @@
             <p:ph sz="quarter" idx="1"/>
           </p:nvPr>
         </p:nvSpPr>
-        <p:spPr/>
-        <p:txBody>
-          <a:bodyPr/>
+        <p:spPr>
+          <a:xfrm>
+            <a:off x="457200" y="1219200"/>
+            <a:ext cx="8382000" cy="4937760"/>
+          </a:xfrm>
+        </p:spPr>
+        <p:txBody>
+          <a:bodyPr>
+            <a:normAutofit lnSpcReduction="10000"/>
+          </a:bodyPr>
           <a:lstStyle/>
           <a:p>
             <a:r>
               <a:rPr lang="en-US" dirty="0"/>
-              <a:t>Basic model is stateless…</a:t>
+              <a:t>O </a:t>
+            </a:r>
+            <a:r>
+              <a:rPr lang="en-US" dirty="0" err="1"/>
+              <a:t>modelo</a:t>
+            </a:r>
+            <a:r>
+              <a:rPr lang="en-US" dirty="0"/>
+              <a:t> base </a:t>
+            </a:r>
+            <a:r>
+              <a:rPr lang="en-US" dirty="0" err="1"/>
+              <a:t>é</a:t>
+            </a:r>
+            <a:r>
+              <a:rPr lang="en-US" dirty="0"/>
+              <a:t> </a:t>
+            </a:r>
+            <a:r>
+              <a:rPr lang="en-US" i="1" dirty="0"/>
+              <a:t>stateless </a:t>
+            </a:r>
+            <a:r>
+              <a:rPr lang="en-US" dirty="0"/>
+              <a:t>(</a:t>
+            </a:r>
+            <a:r>
+              <a:rPr lang="en-US" dirty="0" err="1"/>
+              <a:t>sem</a:t>
+            </a:r>
+            <a:r>
+              <a:rPr lang="en-US" dirty="0"/>
+              <a:t> </a:t>
+            </a:r>
+            <a:r>
+              <a:rPr lang="en-US" dirty="0" err="1"/>
+              <a:t>estado</a:t>
+            </a:r>
+            <a:r>
+              <a:rPr lang="en-US" dirty="0"/>
+              <a:t>)…</a:t>
             </a:r>
           </a:p>
           <a:p>
             <a:pPr lvl="1"/>
             <a:r>
               <a:rPr lang="en-US" dirty="0"/>
-              <a:t>…but state is needed in all but basic Web applications</a:t>
+              <a:t>…mas as </a:t>
+            </a:r>
+            <a:r>
+              <a:rPr lang="en-US" dirty="0" err="1"/>
+              <a:t>aplicações</a:t>
+            </a:r>
+            <a:r>
+              <a:rPr lang="en-US" dirty="0"/>
+              <a:t> Web </a:t>
+            </a:r>
+            <a:r>
+              <a:rPr lang="en-US" dirty="0" err="1"/>
+              <a:t>não</a:t>
+            </a:r>
+            <a:r>
+              <a:rPr lang="en-US" dirty="0"/>
+              <a:t> </a:t>
+            </a:r>
+            <a:r>
+              <a:rPr lang="en-US" dirty="0" err="1"/>
+              <a:t>triviais</a:t>
+            </a:r>
+            <a:r>
+              <a:rPr lang="en-US" dirty="0"/>
+              <a:t> </a:t>
+            </a:r>
+            <a:r>
+              <a:rPr lang="en-US" dirty="0" err="1"/>
+              <a:t>precisam</a:t>
+            </a:r>
+            <a:r>
+              <a:rPr lang="en-US" dirty="0"/>
+              <a:t> </a:t>
+            </a:r>
+            <a:r>
+              <a:rPr lang="en-US" dirty="0" err="1"/>
+              <a:t>manter</a:t>
+            </a:r>
+            <a:r>
+              <a:rPr lang="en-US" dirty="0"/>
+              <a:t> </a:t>
+            </a:r>
+            <a:r>
+              <a:rPr lang="en-US" dirty="0" err="1"/>
+              <a:t>estado</a:t>
+            </a:r>
+            <a:endParaRPr lang="en-US" dirty="0"/>
+          </a:p>
+          <a:p>
+            <a:endParaRPr lang="en-US" dirty="0"/>
+          </a:p>
+          <a:p>
+            <a:r>
+              <a:rPr lang="en-US" dirty="0" err="1"/>
+              <a:t>Exemplos</a:t>
+            </a:r>
+            <a:r>
+              <a:rPr lang="en-US" dirty="0"/>
+              <a:t> de </a:t>
+            </a:r>
+            <a:r>
+              <a:rPr lang="en-US" dirty="0" err="1"/>
+              <a:t>informação</a:t>
+            </a:r>
+            <a:r>
+              <a:rPr lang="en-US" dirty="0"/>
+              <a:t> de </a:t>
+            </a:r>
+            <a:r>
+              <a:rPr lang="en-US" dirty="0" err="1"/>
+              <a:t>estado</a:t>
+            </a:r>
+            <a:r>
+              <a:rPr lang="en-US" dirty="0"/>
+              <a:t>:</a:t>
             </a:r>
           </a:p>
           <a:p>
             <a:pPr lvl="1"/>
             <a:r>
+              <a:rPr lang="en-US" dirty="0" err="1"/>
+              <a:t>Usuário</a:t>
+            </a:r>
+            <a:r>
               <a:rPr lang="en-US" dirty="0"/>
-              <a:t>State info: is the user logged? Which is the user’s account?…</a:t>
-            </a:r>
-          </a:p>
-          <a:p>
-            <a:endParaRPr lang="en-US" dirty="0"/>
+              <a:t> </a:t>
+            </a:r>
+            <a:r>
+              <a:rPr lang="en-US" dirty="0" err="1"/>
+              <a:t>está</a:t>
+            </a:r>
+            <a:r>
+              <a:rPr lang="en-US" dirty="0"/>
+              <a:t> </a:t>
+            </a:r>
+            <a:r>
+              <a:rPr lang="en-US" dirty="0" err="1"/>
+              <a:t>logado</a:t>
+            </a:r>
+            <a:r>
+              <a:rPr lang="en-US" dirty="0"/>
+              <a:t>? </a:t>
+            </a:r>
+            <a:r>
+              <a:rPr lang="en-US" dirty="0" err="1"/>
+              <a:t>Qual</a:t>
+            </a:r>
+            <a:r>
+              <a:rPr lang="en-US" dirty="0"/>
+              <a:t> a </a:t>
+            </a:r>
+            <a:r>
+              <a:rPr lang="en-US" dirty="0" err="1"/>
+              <a:t>conta</a:t>
+            </a:r>
+            <a:r>
+              <a:rPr lang="en-US" dirty="0"/>
+              <a:t> do </a:t>
+            </a:r>
+            <a:r>
+              <a:rPr lang="en-US" dirty="0" err="1"/>
+              <a:t>usuário</a:t>
+            </a:r>
+            <a:r>
+              <a:rPr lang="en-US" dirty="0"/>
+              <a:t>?…</a:t>
+            </a:r>
           </a:p>
           <a:p>
             <a:endParaRPr lang="en-US" dirty="0"/>
@@ -5409,16 +5734,193 @@
           <a:p>
             <a:pPr lvl="1"/>
             <a:r>
+              <a:rPr lang="en-US" b="1" dirty="0"/>
+              <a:t>Cookie</a:t>
+            </a:r>
+            <a:r>
               <a:rPr lang="en-US" dirty="0"/>
-              <a:t>Basic idea: server gives the client ID that it has to include in every request (server stores info about the state for each ID)</a:t>
+              <a:t>: o </a:t>
+            </a:r>
+            <a:r>
+              <a:rPr lang="en-US" dirty="0" err="1"/>
+              <a:t>servidor</a:t>
+            </a:r>
+            <a:r>
+              <a:rPr lang="en-US" dirty="0"/>
+              <a:t> </a:t>
+            </a:r>
+            <a:r>
+              <a:rPr lang="en-US" dirty="0" err="1"/>
+              <a:t>envia</a:t>
+            </a:r>
+            <a:r>
+              <a:rPr lang="en-US" dirty="0"/>
+              <a:t> um ID </a:t>
+            </a:r>
+            <a:r>
+              <a:rPr lang="en-US" dirty="0" err="1"/>
+              <a:t>ao</a:t>
+            </a:r>
+            <a:r>
+              <a:rPr lang="en-US" dirty="0"/>
+              <a:t> </a:t>
+            </a:r>
+            <a:r>
+              <a:rPr lang="en-US" dirty="0" err="1"/>
+              <a:t>cliente</a:t>
+            </a:r>
+            <a:r>
+              <a:rPr lang="en-US" dirty="0"/>
+              <a:t> que </a:t>
+            </a:r>
+            <a:r>
+              <a:rPr lang="en-US" dirty="0" err="1"/>
+              <a:t>tem</a:t>
+            </a:r>
+            <a:r>
+              <a:rPr lang="en-US" dirty="0"/>
+              <a:t> que </a:t>
+            </a:r>
+            <a:r>
+              <a:rPr lang="en-US" dirty="0" err="1"/>
+              <a:t>incluir</a:t>
+            </a:r>
+            <a:r>
+              <a:rPr lang="en-US" dirty="0"/>
+              <a:t> </a:t>
+            </a:r>
+            <a:r>
+              <a:rPr lang="en-US" dirty="0" err="1"/>
+              <a:t>em</a:t>
+            </a:r>
+            <a:r>
+              <a:rPr lang="en-US" dirty="0"/>
+              <a:t> </a:t>
+            </a:r>
+            <a:r>
+              <a:rPr lang="en-US" dirty="0" err="1"/>
+              <a:t>cada</a:t>
+            </a:r>
+            <a:r>
+              <a:rPr lang="en-US" dirty="0"/>
+              <a:t> </a:t>
+            </a:r>
+            <a:r>
+              <a:rPr lang="en-US" dirty="0" err="1"/>
+              <a:t>pedido</a:t>
+            </a:r>
+            <a:r>
+              <a:rPr lang="en-US" dirty="0"/>
+              <a:t> (</a:t>
+            </a:r>
+            <a:r>
+              <a:rPr lang="en-US" dirty="0" err="1"/>
+              <a:t>servidor</a:t>
+            </a:r>
+            <a:r>
+              <a:rPr lang="en-US" dirty="0"/>
+              <a:t> </a:t>
+            </a:r>
+            <a:r>
+              <a:rPr lang="en-US" dirty="0" err="1"/>
+              <a:t>guarda</a:t>
+            </a:r>
+            <a:r>
+              <a:rPr lang="en-US" dirty="0"/>
+              <a:t> </a:t>
+            </a:r>
+            <a:r>
+              <a:rPr lang="en-US" dirty="0" err="1"/>
+              <a:t>estado</a:t>
+            </a:r>
+            <a:r>
+              <a:rPr lang="en-US" dirty="0"/>
+              <a:t> para </a:t>
+            </a:r>
+            <a:r>
+              <a:rPr lang="en-US" dirty="0" err="1"/>
+              <a:t>cada</a:t>
+            </a:r>
+            <a:r>
+              <a:rPr lang="en-US" dirty="0"/>
+              <a:t> ID)</a:t>
             </a:r>
           </a:p>
           <a:p>
             <a:pPr lvl="1"/>
             <a:r>
               <a:rPr lang="en-US" dirty="0"/>
-              <a:t>In practice this is not so simple and has historically generated many vulnerabilities</a:t>
-            </a:r>
+              <a:t>Na </a:t>
+            </a:r>
+            <a:r>
+              <a:rPr lang="en-US" dirty="0" err="1"/>
+              <a:t>prática</a:t>
+            </a:r>
+            <a:r>
+              <a:rPr lang="en-US" dirty="0"/>
+              <a:t> </a:t>
+            </a:r>
+            <a:r>
+              <a:rPr lang="en-US" dirty="0" err="1"/>
+              <a:t>isto</a:t>
+            </a:r>
+            <a:r>
+              <a:rPr lang="en-US" dirty="0"/>
+              <a:t> </a:t>
+            </a:r>
+            <a:r>
+              <a:rPr lang="en-US" dirty="0" err="1"/>
+              <a:t>não</a:t>
+            </a:r>
+            <a:r>
+              <a:rPr lang="en-US" dirty="0"/>
+              <a:t> </a:t>
+            </a:r>
+            <a:r>
+              <a:rPr lang="en-US" dirty="0" err="1"/>
+              <a:t>é</a:t>
+            </a:r>
+            <a:r>
+              <a:rPr lang="en-US" dirty="0"/>
+              <a:t> </a:t>
+            </a:r>
+            <a:r>
+              <a:rPr lang="en-US" dirty="0" err="1"/>
+              <a:t>tão</a:t>
+            </a:r>
+            <a:r>
+              <a:rPr lang="en-US" dirty="0"/>
+              <a:t> simples e </a:t>
+            </a:r>
+            <a:r>
+              <a:rPr lang="en-US" dirty="0" err="1"/>
+              <a:t>tem</a:t>
+            </a:r>
+            <a:r>
+              <a:rPr lang="en-US" dirty="0"/>
+              <a:t> </a:t>
+            </a:r>
+            <a:r>
+              <a:rPr lang="en-US" dirty="0" err="1"/>
+              <a:t>gerado</a:t>
+            </a:r>
+            <a:r>
+              <a:rPr lang="en-US" dirty="0"/>
+              <a:t> </a:t>
+            </a:r>
+            <a:r>
+              <a:rPr lang="en-US" dirty="0" err="1"/>
+              <a:t>muitas</a:t>
+            </a:r>
+            <a:r>
+              <a:rPr lang="en-US" dirty="0"/>
+              <a:t> </a:t>
+            </a:r>
+            <a:r>
+              <a:rPr lang="en-US" dirty="0" err="1"/>
+              <a:t>vulnerabilidades</a:t>
+            </a:r>
+            <a:endParaRPr lang="en-US" dirty="0"/>
           </a:p>
           <a:p>
             <a:endParaRPr lang="en-US" dirty="0"/>
@@ -5963,26 +6465,56 @@
           <a:p>
             <a:pPr defTabSz="914400"/>
             <a:r>
-              <a:rPr lang="en-US" sz="2000"/>
-              <a:t>Top 10 2013 is similar to 2010’s; </a:t>
-            </a:r>
-            <a:r>
-              <a:rPr lang="en-US" sz="2000" u="sng"/>
-              <a:t>we will follow the 2010 version</a:t>
-            </a:r>
+              <a:rPr lang="en-US" sz="2000" dirty="0"/>
+              <a:t>Top 10 2013 </a:t>
+            </a:r>
+            <a:r>
+              <a:rPr lang="en-US" sz="2000" dirty="0" err="1"/>
+              <a:t>semelhante</a:t>
+            </a:r>
+            <a:r>
+              <a:rPr lang="en-US" sz="2000" dirty="0"/>
+              <a:t> a 2010’s</a:t>
+            </a:r>
+            <a:endParaRPr lang="en-US" sz="2000" u="sng" dirty="0"/>
           </a:p>
           <a:p>
             <a:pPr defTabSz="914400"/>
             <a:r>
-              <a:rPr lang="en-US" sz="2000"/>
-              <a:t>Another classification: Web Application Security Consortium </a:t>
-            </a:r>
-            <a:br>
-              <a:rPr lang="en-US" sz="2000"/>
-            </a:br>
-            <a:r>
-              <a:rPr lang="en-US" sz="2000"/>
-              <a:t>(WASC) but lower granularity</a:t>
+              <a:rPr lang="en-US" sz="2000" dirty="0" err="1"/>
+              <a:t>Outras</a:t>
+            </a:r>
+            <a:r>
+              <a:rPr lang="en-US" sz="2000" dirty="0"/>
+              <a:t> </a:t>
+            </a:r>
+            <a:r>
+              <a:rPr lang="en-US" sz="2000" dirty="0" err="1"/>
+              <a:t>classificações</a:t>
+            </a:r>
+            <a:r>
+              <a:rPr lang="en-US" sz="2000" dirty="0"/>
+              <a:t>: Web Application Security Consortium (WASC) mas </a:t>
+            </a:r>
+            <a:r>
+              <a:rPr lang="en-US" sz="2000" dirty="0" err="1"/>
+              <a:t>têm</a:t>
+            </a:r>
+            <a:r>
+              <a:rPr lang="en-US" sz="2000" dirty="0"/>
+              <a:t> </a:t>
+            </a:r>
+            <a:r>
+              <a:rPr lang="en-US" sz="2000" dirty="0" err="1"/>
+              <a:t>menos</a:t>
+            </a:r>
+            <a:r>
+              <a:rPr lang="en-US" sz="2000" dirty="0"/>
+              <a:t> </a:t>
+            </a:r>
+            <a:r>
+              <a:rPr lang="en-US" sz="2000" dirty="0" err="1"/>
+              <a:t>granularidade</a:t>
             </a:r>
             <a:endParaRPr lang="en-US" sz="2000" dirty="0"/>
           </a:p>
@@ -6171,7 +6703,15 @@
             </a:r>
             <a:r>
               <a:rPr lang="en-US" dirty="0"/>
-              <a:t> de </a:t>
+              <a:t> </a:t>
+            </a:r>
+            <a:r>
+              <a:rPr lang="en-US" dirty="0" err="1"/>
+              <a:t>por</a:t>
+            </a:r>
+            <a:r>
+              <a:rPr lang="en-US" dirty="0"/>
+              <a:t> </a:t>
             </a:r>
             <a:r>
               <a:rPr lang="en-US" dirty="0" err="1"/>
@@ -6293,9 +6833,18 @@
           </a:p>
           <a:p>
             <a:r>
+              <a:rPr lang="en-US" dirty="0" err="1"/>
+              <a:t>Vários</a:t>
+            </a:r>
+            <a:r>
               <a:rPr lang="en-US" dirty="0"/>
-              <a:t>Several kinds:</a:t>
-            </a:r>
+              <a:t> </a:t>
+            </a:r>
+            <a:r>
+              <a:rPr lang="en-US" dirty="0" err="1"/>
+              <a:t>tipos</a:t>
+            </a:r>
+            <a:endParaRPr lang="en-US" dirty="0"/>
           </a:p>
           <a:p>
             <a:pPr lvl="1"/>
@@ -6305,14 +6854,34 @@
             </a:r>
             <a:r>
               <a:rPr lang="en-US" sz="1800" dirty="0"/>
-              <a:t>(most prevalent, but we leave it for next class)</a:t>
+              <a:t>(a </a:t>
+            </a:r>
+            <a:r>
+              <a:rPr lang="en-US" sz="1800" dirty="0" err="1"/>
+              <a:t>mais</a:t>
+            </a:r>
+            <a:r>
+              <a:rPr lang="en-US" sz="1800" dirty="0"/>
+              <a:t> </a:t>
+            </a:r>
+            <a:r>
+              <a:rPr lang="en-US" sz="1800" dirty="0" err="1"/>
+              <a:t>frequente</a:t>
+            </a:r>
+            <a:r>
+              <a:rPr lang="en-US" sz="1800" dirty="0"/>
+              <a:t>)</a:t>
             </a:r>
           </a:p>
           <a:p>
             <a:pPr lvl="1"/>
             <a:r>
+              <a:rPr lang="en-US" dirty="0" err="1"/>
+              <a:t>Outras</a:t>
+            </a:r>
+            <a:r>
               <a:rPr lang="en-US" dirty="0"/>
-              <a:t>Others: XML, LDAP, XPath, XSLT, HTML, OS command injection, </a:t>
+              <a:t>: XML, LDAP, XPath, HTML, OS command injection, </a:t>
             </a:r>
             <a:r>
               <a:rPr lang="en-US" dirty="0" err="1"/>
@@ -6326,15 +6895,76 @@
           </a:p>
           <a:p>
             <a:r>
+              <a:rPr lang="en-US" dirty="0" err="1"/>
+              <a:t>Ideia</a:t>
+            </a:r>
+            <a:r>
               <a:rPr lang="en-US" dirty="0"/>
-              <a:t>Main idea: web server accepts input that is badly interpreted by some interpreter</a:t>
-            </a:r>
+              <a:t> principal: o </a:t>
+            </a:r>
+            <a:r>
+              <a:rPr lang="en-US" dirty="0" err="1"/>
+              <a:t>servidor</a:t>
+            </a:r>
+            <a:r>
+              <a:rPr lang="en-US" dirty="0"/>
+              <a:t> web </a:t>
+            </a:r>
+            <a:r>
+              <a:rPr lang="en-US" dirty="0" err="1"/>
+              <a:t>aceita</a:t>
+            </a:r>
+            <a:r>
+              <a:rPr lang="en-US" dirty="0"/>
+              <a:t> input (entradas) que </a:t>
+            </a:r>
+            <a:r>
+              <a:rPr lang="en-US" dirty="0" err="1"/>
+              <a:t>é</a:t>
+            </a:r>
+            <a:r>
+              <a:rPr lang="en-US" dirty="0"/>
+              <a:t> mal </a:t>
+            </a:r>
+            <a:r>
+              <a:rPr lang="en-US" dirty="0" err="1"/>
+              <a:t>interpretado</a:t>
+            </a:r>
+            <a:r>
+              <a:rPr lang="en-US" dirty="0"/>
+              <a:t> </a:t>
+            </a:r>
+            <a:r>
+              <a:rPr lang="en-US" dirty="0" err="1"/>
+              <a:t>por</a:t>
+            </a:r>
+            <a:r>
+              <a:rPr lang="en-US" dirty="0"/>
+              <a:t> um </a:t>
+            </a:r>
+            <a:r>
+              <a:rPr lang="en-US" dirty="0" err="1"/>
+              <a:t>interpretador</a:t>
+            </a:r>
+            <a:endParaRPr lang="en-US" dirty="0"/>
           </a:p>
           <a:p>
             <a:pPr lvl="1"/>
             <a:r>
+              <a:rPr lang="en-US" dirty="0" err="1"/>
+              <a:t>Exemplos</a:t>
+            </a:r>
+            <a:r>
               <a:rPr lang="en-US" dirty="0"/>
-              <a:t>Examples of interpreters: DBMS, XML, LDAP,…</a:t>
+              <a:t> de </a:t>
+            </a:r>
+            <a:r>
+              <a:rPr lang="en-US" dirty="0" err="1"/>
+              <a:t>interpretadores</a:t>
+            </a:r>
+            <a:r>
+              <a:rPr lang="en-US" dirty="0"/>
+              <a:t>: DBMS, XML, LDAP,…</a:t>
             </a:r>
           </a:p>
           <a:p>
@@ -6534,8 +7164,12 @@
               <a:buNone/>
             </a:pPr>
             <a:r>
+              <a:rPr lang="en-US" sz="2400" dirty="0" err="1"/>
+              <a:t>Ficheiro</a:t>
+            </a:r>
+            <a:r>
               <a:rPr lang="en-US" sz="2400" dirty="0"/>
-              <a:t>A password file:</a:t>
+              <a:t> de passwords:</a:t>
             </a:r>
           </a:p>
           <a:p>
@@ -7211,8 +7845,8 @@
         </p:nvSpPr>
         <p:spPr bwMode="auto">
           <a:xfrm>
-            <a:off x="7844952" y="2384583"/>
-            <a:ext cx="1375248" cy="369332"/>
+            <a:off x="7994384" y="2384583"/>
+            <a:ext cx="1076384" cy="646331"/>
           </a:xfrm>
           <a:prstGeom prst="rect">
             <a:avLst/>
@@ -7236,9 +7870,18 @@
               <a:rPr lang="pt-PT" sz="1800" dirty="0">
                 <a:latin typeface="Tahoma" pitchFamily="34" charset="0"/>
               </a:rPr>
-              <a:t>Base Dados</a:t>
-            </a:r>
-            <a:endParaRPr lang="pt-PT" sz="1800" i="1" dirty="0">
+              <a:t>Ficheiros</a:t>
+            </a:r>
+          </a:p>
+          <a:p>
+            <a:pPr algn="ctr"/>
+            <a:r>
+              <a:rPr lang="pt-PT" dirty="0">
+                <a:latin typeface="Tahoma" pitchFamily="34" charset="0"/>
+              </a:rPr>
+              <a:t>XML</a:t>
+            </a:r>
+            <a:endParaRPr lang="pt-PT" sz="1800" dirty="0">
               <a:latin typeface="Tahoma" pitchFamily="34" charset="0"/>
             </a:endParaRPr>
           </a:p>
@@ -8911,7 +9554,7 @@
         </p:nvSpPr>
         <p:spPr bwMode="auto">
           <a:xfrm>
-            <a:off x="2127250" y="2759075"/>
+            <a:off x="1593850" y="3048000"/>
             <a:ext cx="3327400" cy="1708150"/>
           </a:xfrm>
           <a:custGeom>
@@ -8991,7 +9634,7 @@
         </p:nvSpPr>
         <p:spPr bwMode="auto">
           <a:xfrm>
-            <a:off x="4429125" y="3633788"/>
+            <a:off x="3895725" y="3922713"/>
             <a:ext cx="1133475" cy="823912"/>
           </a:xfrm>
           <a:custGeom>
@@ -9071,7 +9714,7 @@
         </p:nvGrpSpPr>
         <p:grpSpPr bwMode="auto">
           <a:xfrm>
-            <a:off x="4884737" y="3900488"/>
+            <a:off x="4724400" y="4064000"/>
             <a:ext cx="4259263" cy="2641600"/>
             <a:chOff x="3010" y="2457"/>
             <a:chExt cx="2683" cy="1664"/>
@@ -9365,56 +10008,126 @@
         </p:spPr>
         <p:txBody>
           <a:bodyPr>
-            <a:normAutofit lnSpcReduction="10000"/>
+            <a:normAutofit/>
           </a:bodyPr>
           <a:lstStyle/>
           <a:p>
             <a:r>
-              <a:rPr lang="en-US" dirty="0"/>
-              <a:t>Causes of these vulnerabilities:</a:t>
-            </a:r>
+              <a:rPr lang="en-US" sz="2400" dirty="0" err="1"/>
+              <a:t>Causas</a:t>
+            </a:r>
+            <a:r>
+              <a:rPr lang="en-US" sz="2400" dirty="0"/>
+              <a:t> </a:t>
+            </a:r>
+            <a:r>
+              <a:rPr lang="en-US" sz="2400" dirty="0" err="1"/>
+              <a:t>destas</a:t>
+            </a:r>
+            <a:r>
+              <a:rPr lang="en-US" sz="2400" dirty="0"/>
+              <a:t> </a:t>
+            </a:r>
+            <a:r>
+              <a:rPr lang="en-US" sz="2400" dirty="0" err="1"/>
+              <a:t>vulnerabilidades</a:t>
+            </a:r>
+            <a:endParaRPr lang="en-US" sz="2400" dirty="0"/>
           </a:p>
           <a:p>
             <a:pPr lvl="1"/>
             <a:r>
-              <a:rPr lang="en-US" dirty="0"/>
-              <a:t>User input pasted into SQL commands +</a:t>
+              <a:rPr lang="en-US" sz="2000" dirty="0"/>
+              <a:t>Input do </a:t>
+            </a:r>
+            <a:r>
+              <a:rPr lang="en-US" sz="2000" dirty="0" err="1"/>
+              <a:t>usuário</a:t>
+            </a:r>
+            <a:r>
+              <a:rPr lang="en-US" sz="2000" dirty="0"/>
+              <a:t> </a:t>
+            </a:r>
+            <a:r>
+              <a:rPr lang="en-US" sz="2000" dirty="0" err="1"/>
+              <a:t>injectado</a:t>
+            </a:r>
+            <a:r>
+              <a:rPr lang="en-US" sz="2000" dirty="0"/>
+              <a:t> no </a:t>
+            </a:r>
+            <a:r>
+              <a:rPr lang="en-US" sz="2000" dirty="0" err="1"/>
+              <a:t>meio</a:t>
+            </a:r>
+            <a:r>
+              <a:rPr lang="en-US" sz="2000" dirty="0"/>
+              <a:t> de </a:t>
+            </a:r>
+            <a:r>
+              <a:rPr lang="en-US" sz="2000" dirty="0" err="1"/>
+              <a:t>comandos</a:t>
+            </a:r>
+            <a:r>
+              <a:rPr lang="en-US" sz="2000" dirty="0"/>
+              <a:t> SQL +</a:t>
             </a:r>
           </a:p>
           <a:p>
             <a:pPr lvl="1"/>
             <a:r>
-              <a:rPr lang="en-US" dirty="0"/>
-              <a:t>SQL uses several </a:t>
-            </a:r>
-            <a:r>
-              <a:rPr lang="en-US" dirty="0" err="1"/>
-              <a:t>metacharacters</a:t>
-            </a:r>
-            <a:r>
-              <a:rPr lang="en-US" dirty="0"/>
-              <a:t> / metadata</a:t>
-            </a:r>
-          </a:p>
-          <a:p>
-            <a:r>
-              <a:rPr lang="en-US" dirty="0"/>
-              <a:t>Example </a:t>
+              <a:rPr lang="en-US" sz="2000" dirty="0"/>
+              <a:t>SQL </a:t>
+            </a:r>
+            <a:r>
+              <a:rPr lang="en-US" sz="2000" dirty="0" err="1"/>
+              <a:t>usa</a:t>
+            </a:r>
+            <a:r>
+              <a:rPr lang="en-US" sz="2000" dirty="0"/>
+              <a:t> </a:t>
+            </a:r>
+            <a:r>
+              <a:rPr lang="en-US" sz="2000" dirty="0" err="1"/>
+              <a:t>vários</a:t>
+            </a:r>
+            <a:r>
+              <a:rPr lang="en-US" sz="2000" dirty="0"/>
+              <a:t> meta-</a:t>
+            </a:r>
+            <a:r>
+              <a:rPr lang="en-US" sz="2000" dirty="0" err="1"/>
+              <a:t>caracteres</a:t>
+            </a:r>
+            <a:r>
+              <a:rPr lang="en-US" sz="2000" dirty="0"/>
+              <a:t> / </a:t>
+            </a:r>
+            <a:r>
+              <a:rPr lang="en-US" sz="2000" dirty="0" err="1"/>
+              <a:t>metadados</a:t>
+            </a:r>
+            <a:endParaRPr lang="en-US" sz="2000" dirty="0"/>
+          </a:p>
+          <a:p>
+            <a:pPr lvl="1"/>
+            <a:endParaRPr lang="en-US" sz="2000" dirty="0"/>
+          </a:p>
+          <a:p>
+            <a:r>
+              <a:rPr lang="en-US" sz="2400" dirty="0" err="1"/>
+              <a:t>Exemplo</a:t>
             </a:r>
             <a:r>
               <a:rPr lang="en-US" sz="2400" dirty="0"/>
-              <a:t>(PHP/</a:t>
-            </a:r>
-            <a:r>
-              <a:rPr lang="en-US" sz="2400" dirty="0" err="1"/>
-              <a:t>MySQL</a:t>
+              <a:t> </a:t>
+            </a:r>
+            <a:r>
+              <a:rPr lang="en-US" sz="2000" dirty="0"/>
+              <a:t>(PHP/MySQL)</a:t>
             </a:r>
             <a:r>
               <a:rPr lang="en-US" sz="2400" dirty="0"/>
-              <a:t>)</a:t>
-            </a:r>
-            <a:r>
-              <a:rPr lang="en-US" dirty="0"/>
               <a:t>:</a:t>
             </a:r>
           </a:p>
@@ -9424,19 +10137,27 @@
               <a:buNone/>
             </a:pPr>
             <a:r>
-              <a:rPr lang="en-US" dirty="0"/>
+              <a:rPr lang="en-US" sz="1800" dirty="0">
+                <a:latin typeface="Consolas" panose="020B0609020204030204" pitchFamily="49" charset="0"/>
+                <a:cs typeface="Consolas" panose="020B0609020204030204" pitchFamily="49" charset="0"/>
+              </a:rPr>
               <a:t>$username = $HTTP_POST_VARS[‘</a:t>
             </a:r>
             <a:r>
-              <a:rPr lang="en-US" dirty="0">
+              <a:rPr lang="en-US" sz="1800" dirty="0">
                 <a:solidFill>
                   <a:srgbClr val="CC0000"/>
                 </a:solidFill>
+                <a:latin typeface="Consolas" panose="020B0609020204030204" pitchFamily="49" charset="0"/>
+                <a:cs typeface="Consolas" panose="020B0609020204030204" pitchFamily="49" charset="0"/>
               </a:rPr>
               <a:t>username</a:t>
             </a:r>
             <a:r>
-              <a:rPr lang="en-US" dirty="0"/>
+              <a:rPr lang="en-US" sz="1800" dirty="0">
+                <a:latin typeface="Consolas" panose="020B0609020204030204" pitchFamily="49" charset="0"/>
+                <a:cs typeface="Consolas" panose="020B0609020204030204" pitchFamily="49" charset="0"/>
+              </a:rPr>
               <a:t>’];</a:t>
             </a:r>
           </a:p>
@@ -9446,19 +10167,27 @@
               <a:buNone/>
             </a:pPr>
             <a:r>
-              <a:rPr lang="en-US" dirty="0"/>
+              <a:rPr lang="en-US" sz="1800" dirty="0">
+                <a:latin typeface="Consolas" panose="020B0609020204030204" pitchFamily="49" charset="0"/>
+                <a:cs typeface="Consolas" panose="020B0609020204030204" pitchFamily="49" charset="0"/>
+              </a:rPr>
               <a:t>$password = $HTTP_POST_VARS[‘</a:t>
             </a:r>
             <a:r>
-              <a:rPr lang="en-US" dirty="0" err="1">
+              <a:rPr lang="en-US" sz="1800" dirty="0" err="1">
                 <a:solidFill>
                   <a:srgbClr val="CC0000"/>
                 </a:solidFill>
+                <a:latin typeface="Consolas" panose="020B0609020204030204" pitchFamily="49" charset="0"/>
+                <a:cs typeface="Consolas" panose="020B0609020204030204" pitchFamily="49" charset="0"/>
               </a:rPr>
               <a:t>passwd</a:t>
             </a:r>
             <a:r>
-              <a:rPr lang="en-US" dirty="0"/>
+              <a:rPr lang="en-US" sz="1800" dirty="0">
+                <a:latin typeface="Consolas" panose="020B0609020204030204" pitchFamily="49" charset="0"/>
+                <a:cs typeface="Consolas" panose="020B0609020204030204" pitchFamily="49" charset="0"/>
+              </a:rPr>
               <a:t>’];</a:t>
             </a:r>
           </a:p>
@@ -9468,26 +10197,32 @@
               <a:buNone/>
             </a:pPr>
             <a:r>
-              <a:rPr lang="en-US" dirty="0">
+              <a:rPr lang="en-US" sz="1800" dirty="0">
                 <a:solidFill>
                   <a:srgbClr val="CC0000"/>
                 </a:solidFill>
+                <a:latin typeface="Consolas" panose="020B0609020204030204" pitchFamily="49" charset="0"/>
+                <a:cs typeface="Consolas" panose="020B0609020204030204" pitchFamily="49" charset="0"/>
               </a:rPr>
               <a:t>$query = “SELECT * FROM </a:t>
             </a:r>
             <a:r>
-              <a:rPr lang="en-US" dirty="0" err="1">
+              <a:rPr lang="en-US" sz="1800" dirty="0" err="1">
                 <a:solidFill>
                   <a:srgbClr val="CC0000"/>
                 </a:solidFill>
+                <a:latin typeface="Consolas" panose="020B0609020204030204" pitchFamily="49" charset="0"/>
+                <a:cs typeface="Consolas" panose="020B0609020204030204" pitchFamily="49" charset="0"/>
               </a:rPr>
               <a:t>logintable</a:t>
             </a:r>
             <a:r>
-              <a:rPr lang="en-US" dirty="0">
+              <a:rPr lang="en-US" sz="1800" dirty="0">
                 <a:solidFill>
                   <a:srgbClr val="CC0000"/>
                 </a:solidFill>
+                <a:latin typeface="Consolas" panose="020B0609020204030204" pitchFamily="49" charset="0"/>
+                <a:cs typeface="Consolas" panose="020B0609020204030204" pitchFamily="49" charset="0"/>
               </a:rPr>
               <a:t> WHERE user = ‘” . $username . “’ AND pass = ‘” . $password . “’”;</a:t>
             </a:r>
@@ -9498,19 +10233,27 @@
               <a:buNone/>
             </a:pPr>
             <a:r>
-              <a:rPr lang="en-US" dirty="0"/>
+              <a:rPr lang="en-US" sz="1800" dirty="0">
+                <a:latin typeface="Consolas" panose="020B0609020204030204" pitchFamily="49" charset="0"/>
+                <a:cs typeface="Consolas" panose="020B0609020204030204" pitchFamily="49" charset="0"/>
+              </a:rPr>
               <a:t>$result = </a:t>
             </a:r>
             <a:r>
-              <a:rPr lang="en-US" dirty="0" err="1">
+              <a:rPr lang="en-US" sz="1800" dirty="0" err="1">
                 <a:solidFill>
                   <a:srgbClr val="CC6600"/>
                 </a:solidFill>
+                <a:latin typeface="Consolas" panose="020B0609020204030204" pitchFamily="49" charset="0"/>
+                <a:cs typeface="Consolas" panose="020B0609020204030204" pitchFamily="49" charset="0"/>
               </a:rPr>
               <a:t>mysql_query</a:t>
             </a:r>
             <a:r>
-              <a:rPr lang="en-US" dirty="0"/>
+              <a:rPr lang="en-US" sz="1800" dirty="0">
+                <a:latin typeface="Consolas" panose="020B0609020204030204" pitchFamily="49" charset="0"/>
+                <a:cs typeface="Consolas" panose="020B0609020204030204" pitchFamily="49" charset="0"/>
+              </a:rPr>
               <a:t>($query);</a:t>
             </a:r>
           </a:p>
@@ -9520,20 +10263,29 @@
               <a:buNone/>
             </a:pPr>
             <a:r>
-              <a:rPr lang="en-US" dirty="0"/>
+              <a:rPr lang="en-US" sz="1800" dirty="0">
+                <a:latin typeface="Consolas" panose="020B0609020204030204" pitchFamily="49" charset="0"/>
+                <a:cs typeface="Consolas" panose="020B0609020204030204" pitchFamily="49" charset="0"/>
+              </a:rPr>
               <a:t>if(!$result) </a:t>
             </a:r>
             <a:r>
-              <a:rPr lang="en-US" dirty="0" err="1"/>
+              <a:rPr lang="en-US" sz="1800" dirty="0" err="1">
+                <a:latin typeface="Consolas" panose="020B0609020204030204" pitchFamily="49" charset="0"/>
+                <a:cs typeface="Consolas" panose="020B0609020204030204" pitchFamily="49" charset="0"/>
+              </a:rPr>
               <a:t>die_bad_login</a:t>
             </a:r>
             <a:r>
-              <a:rPr lang="en-US" dirty="0"/>
+              <a:rPr lang="en-US" sz="1800" dirty="0">
+                <a:latin typeface="Consolas" panose="020B0609020204030204" pitchFamily="49" charset="0"/>
+                <a:cs typeface="Consolas" panose="020B0609020204030204" pitchFamily="49" charset="0"/>
+              </a:rPr>
               <a:t>();</a:t>
             </a:r>
           </a:p>
           <a:p>
-            <a:endParaRPr lang="en-US" dirty="0"/>
+            <a:endParaRPr lang="en-US" sz="2400" dirty="0"/>
           </a:p>
         </p:txBody>
       </p:sp>
@@ -9547,81 +10299,6 @@
   <p:clrMapOvr>
     <a:masterClrMapping/>
   </p:clrMapOvr>
-  <p:timing>
-    <p:tnLst>
-      <p:par>
-        <p:cTn id="1" dur="indefinite" restart="never" nodeType="tmRoot">
-          <p:childTnLst>
-            <p:seq concurrent="1" nextAc="seek">
-              <p:cTn id="2" dur="indefinite" nodeType="mainSeq">
-                <p:childTnLst>
-                  <p:par>
-                    <p:cTn id="3" fill="hold">
-                      <p:stCondLst>
-                        <p:cond delay="indefinite"/>
-                      </p:stCondLst>
-                      <p:childTnLst>
-                        <p:par>
-                          <p:cTn id="4" fill="hold">
-                            <p:stCondLst>
-                              <p:cond delay="0"/>
-                            </p:stCondLst>
-                            <p:childTnLst>
-                              <p:par>
-                                <p:cTn id="5" presetID="1" presetClass="entr" presetSubtype="0" fill="hold" nodeType="clickEffect">
-                                  <p:stCondLst>
-                                    <p:cond delay="0"/>
-                                  </p:stCondLst>
-                                  <p:childTnLst>
-                                    <p:set>
-                                      <p:cBhvr>
-                                        <p:cTn id="6" dur="1" fill="hold">
-                                          <p:stCondLst>
-                                            <p:cond delay="0"/>
-                                          </p:stCondLst>
-                                        </p:cTn>
-                                        <p:tgtEl>
-                                          <p:spTgt spid="2"/>
-                                        </p:tgtEl>
-                                        <p:attrNameLst>
-                                          <p:attrName>style.visibility</p:attrName>
-                                        </p:attrNameLst>
-                                      </p:cBhvr>
-                                      <p:to>
-                                        <p:strVal val="visible"/>
-                                      </p:to>
-                                    </p:set>
-                                  </p:childTnLst>
-                                </p:cTn>
-                              </p:par>
-                            </p:childTnLst>
-                          </p:cTn>
-                        </p:par>
-                      </p:childTnLst>
-                    </p:cTn>
-                  </p:par>
-                </p:childTnLst>
-              </p:cTn>
-              <p:prevCondLst>
-                <p:cond evt="onPrev" delay="0">
-                  <p:tgtEl>
-                    <p:sldTgt/>
-                  </p:tgtEl>
-                </p:cond>
-              </p:prevCondLst>
-              <p:nextCondLst>
-                <p:cond evt="onNext" delay="0">
-                  <p:tgtEl>
-                    <p:sldTgt/>
-                  </p:tgtEl>
-                </p:cond>
-              </p:nextCondLst>
-            </p:seq>
-          </p:childTnLst>
-        </p:cTn>
-      </p:par>
-    </p:tnLst>
-  </p:timing>
 </p:sld>
 </file>
 
@@ -9773,53 +10450,315 @@
             <p:ph sz="quarter" idx="1"/>
           </p:nvPr>
         </p:nvSpPr>
-        <p:spPr/>
-        <p:txBody>
-          <a:bodyPr/>
+        <p:spPr>
+          <a:xfrm>
+            <a:off x="457200" y="1219200"/>
+            <a:ext cx="8534400" cy="4937760"/>
+          </a:xfrm>
+        </p:spPr>
+        <p:txBody>
+          <a:bodyPr>
+            <a:normAutofit/>
+          </a:bodyPr>
           <a:lstStyle/>
           <a:p>
             <a:r>
+              <a:rPr lang="en-US" dirty="0" err="1"/>
+              <a:t>Vulnerabilidade</a:t>
+            </a:r>
+            <a:r>
               <a:rPr lang="en-US" dirty="0"/>
-              <a:t>Widespread and pernicious web app security issue</a:t>
-            </a:r>
-          </a:p>
-          <a:p>
+              <a:t> </a:t>
+            </a:r>
+            <a:r>
+              <a:rPr lang="en-US" dirty="0" err="1"/>
+              <a:t>muito</a:t>
+            </a:r>
+            <a:r>
+              <a:rPr lang="en-US" dirty="0"/>
+              <a:t> </a:t>
+            </a:r>
+            <a:r>
+              <a:rPr lang="en-US" dirty="0" err="1"/>
+              <a:t>disseminada</a:t>
+            </a:r>
+            <a:r>
+              <a:rPr lang="en-US" dirty="0"/>
+              <a:t> e </a:t>
+            </a:r>
+            <a:r>
+              <a:rPr lang="en-US" dirty="0" err="1"/>
+              <a:t>perigosa</a:t>
+            </a:r>
             <a:endParaRPr lang="en-US" dirty="0"/>
           </a:p>
           <a:p>
+            <a:endParaRPr lang="en-US" dirty="0"/>
+          </a:p>
+          <a:p>
+            <a:r>
+              <a:rPr lang="en-US" dirty="0" err="1"/>
+              <a:t>Permite</a:t>
+            </a:r>
             <a:r>
               <a:rPr lang="en-US" dirty="0"/>
-              <a:t>Allows attacker to execute script in victim’s browser</a:t>
-            </a:r>
+              <a:t> a um </a:t>
+            </a:r>
+            <a:r>
+              <a:rPr lang="en-US" dirty="0" err="1"/>
+              <a:t>atacante</a:t>
+            </a:r>
+            <a:r>
+              <a:rPr lang="en-US" dirty="0"/>
+              <a:t> </a:t>
+            </a:r>
+            <a:r>
+              <a:rPr lang="en-US" dirty="0" err="1"/>
+              <a:t>executar</a:t>
+            </a:r>
+            <a:r>
+              <a:rPr lang="en-US" dirty="0"/>
+              <a:t> um </a:t>
+            </a:r>
+            <a:r>
+              <a:rPr lang="en-US" i="1" dirty="0"/>
+              <a:t>script</a:t>
+            </a:r>
+            <a:r>
+              <a:rPr lang="en-US" dirty="0"/>
+              <a:t> (um </a:t>
+            </a:r>
+            <a:r>
+              <a:rPr lang="en-US" dirty="0" err="1"/>
+              <a:t>programa</a:t>
+            </a:r>
+            <a:r>
+              <a:rPr lang="en-US" dirty="0"/>
+              <a:t>) no browser da </a:t>
+            </a:r>
+            <a:r>
+              <a:rPr lang="en-US" dirty="0" err="1"/>
+              <a:t>vítima</a:t>
+            </a:r>
+            <a:endParaRPr lang="en-US" dirty="0"/>
           </a:p>
           <a:p>
             <a:pPr lvl="1"/>
             <a:r>
+              <a:rPr lang="en-US" dirty="0" err="1"/>
+              <a:t>Linguagem</a:t>
+            </a:r>
+            <a:r>
               <a:rPr lang="en-US" dirty="0"/>
-              <a:t>Scripting language is typically </a:t>
+              <a:t> de scripting </a:t>
+            </a:r>
+            <a:r>
+              <a:rPr lang="en-US" dirty="0" err="1"/>
+              <a:t>é</a:t>
+            </a:r>
+            <a:r>
+              <a:rPr lang="en-US" dirty="0"/>
+              <a:t> </a:t>
+            </a:r>
+            <a:r>
+              <a:rPr lang="en-US" dirty="0" err="1"/>
+              <a:t>geralmente</a:t>
+            </a:r>
+            <a:r>
+              <a:rPr lang="en-US" dirty="0"/>
+              <a:t> o </a:t>
             </a:r>
             <a:r>
               <a:rPr lang="en-US" b="1" dirty="0"/>
               <a:t>JavaScript (JS)</a:t>
             </a:r>
+          </a:p>
+          <a:p>
+            <a:pPr lvl="1"/>
             <a:r>
               <a:rPr lang="en-US" dirty="0"/>
-              <a:t>, but others possible</a:t>
-            </a:r>
+              <a:t>Mas </a:t>
+            </a:r>
+            <a:r>
+              <a:rPr lang="en-US" dirty="0" err="1"/>
+              <a:t>é</a:t>
+            </a:r>
+            <a:r>
+              <a:rPr lang="en-US" dirty="0"/>
+              <a:t> </a:t>
+            </a:r>
+            <a:r>
+              <a:rPr lang="en-US" dirty="0" err="1"/>
+              <a:t>possível</a:t>
+            </a:r>
+            <a:r>
+              <a:rPr lang="en-US" dirty="0"/>
+              <a:t> com </a:t>
+            </a:r>
+            <a:r>
+              <a:rPr lang="en-US" dirty="0" err="1"/>
+              <a:t>outras</a:t>
+            </a:r>
+            <a:r>
+              <a:rPr lang="en-US" dirty="0"/>
+              <a:t> </a:t>
+            </a:r>
+            <a:r>
+              <a:rPr lang="en-US" dirty="0" err="1"/>
+              <a:t>linguagens</a:t>
+            </a:r>
+            <a:endParaRPr lang="en-US" dirty="0"/>
           </a:p>
           <a:p>
             <a:pPr lvl="1"/>
             <a:endParaRPr lang="en-US" dirty="0"/>
           </a:p>
           <a:p>
+            <a:r>
+              <a:rPr lang="en-US" dirty="0"/>
+              <a:t>Cross-site scripting (XSS)</a:t>
+            </a:r>
+          </a:p>
+          <a:p>
+            <a:pPr lvl="1"/>
+            <a:r>
+              <a:rPr lang="en-US" sz="2000" dirty="0"/>
+              <a:t>O </a:t>
+            </a:r>
+            <a:r>
+              <a:rPr lang="en-US" sz="2000" dirty="0" err="1"/>
+              <a:t>utilizador</a:t>
+            </a:r>
+            <a:r>
+              <a:rPr lang="en-US" sz="2000" dirty="0"/>
+              <a:t> </a:t>
+            </a:r>
+            <a:r>
+              <a:rPr lang="en-US" sz="2000" dirty="0" err="1"/>
+              <a:t>confia</a:t>
+            </a:r>
+            <a:r>
+              <a:rPr lang="en-US" sz="2000" dirty="0"/>
+              <a:t> no site </a:t>
+            </a:r>
+            <a:r>
+              <a:rPr lang="en-US" sz="2000" dirty="0" err="1"/>
+              <a:t>vulnerável</a:t>
+            </a:r>
+            <a:endParaRPr lang="en-US" sz="2000" dirty="0"/>
+          </a:p>
+          <a:p>
+            <a:pPr lvl="1"/>
+            <a:r>
+              <a:rPr lang="en-US" sz="2000" dirty="0"/>
+              <a:t>A idea </a:t>
+            </a:r>
+            <a:r>
+              <a:rPr lang="en-US" sz="2000" dirty="0" err="1"/>
+              <a:t>é</a:t>
+            </a:r>
+            <a:r>
+              <a:rPr lang="en-US" sz="2000" dirty="0"/>
+              <a:t> </a:t>
+            </a:r>
+            <a:r>
+              <a:rPr lang="en-US" sz="2000" dirty="0" err="1"/>
+              <a:t>convencê</a:t>
+            </a:r>
+            <a:r>
+              <a:rPr lang="en-US" sz="2000" dirty="0"/>
+              <a:t>-lo a </a:t>
+            </a:r>
+            <a:r>
+              <a:rPr lang="en-US" sz="2000" dirty="0" err="1"/>
+              <a:t>confiar</a:t>
+            </a:r>
+            <a:r>
+              <a:rPr lang="en-US" sz="2000" dirty="0"/>
+              <a:t> </a:t>
+            </a:r>
+            <a:r>
+              <a:rPr lang="en-US" sz="2000" dirty="0" err="1"/>
+              <a:t>em</a:t>
+            </a:r>
+            <a:r>
+              <a:rPr lang="en-US" sz="2000" dirty="0"/>
+              <a:t> dados </a:t>
+            </a:r>
+            <a:r>
+              <a:rPr lang="en-US" sz="2000" dirty="0" err="1"/>
+              <a:t>maliciosos</a:t>
+            </a:r>
+            <a:r>
+              <a:rPr lang="en-US" sz="2000" dirty="0"/>
+              <a:t> </a:t>
+            </a:r>
+            <a:r>
+              <a:rPr lang="en-US" sz="2000" dirty="0" err="1"/>
+              <a:t>enviados</a:t>
+            </a:r>
+            <a:r>
+              <a:rPr lang="en-US" sz="2000" dirty="0"/>
+              <a:t> </a:t>
+            </a:r>
+            <a:r>
+              <a:rPr lang="en-US" sz="2000" dirty="0" err="1"/>
+              <a:t>pelo</a:t>
+            </a:r>
+            <a:r>
+              <a:rPr lang="en-US" sz="2000" dirty="0"/>
+              <a:t> </a:t>
+            </a:r>
+            <a:r>
+              <a:rPr lang="en-US" sz="2000" dirty="0" err="1"/>
+              <a:t>servidor</a:t>
+            </a:r>
+            <a:endParaRPr lang="en-US" sz="2000" dirty="0"/>
+          </a:p>
+          <a:p>
+            <a:pPr lvl="1"/>
+            <a:r>
+              <a:rPr lang="en-US" sz="2000" dirty="0" err="1"/>
+              <a:t>Bom</a:t>
+            </a:r>
+            <a:r>
+              <a:rPr lang="en-US" sz="2000" dirty="0"/>
+              <a:t> para </a:t>
+            </a:r>
+            <a:r>
+              <a:rPr lang="en-US" sz="2000" dirty="0" err="1"/>
+              <a:t>obter</a:t>
+            </a:r>
+            <a:r>
+              <a:rPr lang="en-US" sz="2000" dirty="0"/>
+              <a:t> cookies </a:t>
+            </a:r>
+            <a:r>
+              <a:rPr lang="en-US" sz="2000" dirty="0" err="1"/>
+              <a:t>ou</a:t>
+            </a:r>
+            <a:r>
+              <a:rPr lang="en-US" sz="2000" dirty="0"/>
+              <a:t> as </a:t>
+            </a:r>
+            <a:r>
+              <a:rPr lang="en-US" sz="2000" dirty="0" err="1"/>
+              <a:t>credenciais</a:t>
+            </a:r>
+            <a:r>
+              <a:rPr lang="en-US" sz="2000" dirty="0"/>
+              <a:t> (username / password)</a:t>
+            </a:r>
+          </a:p>
+          <a:p>
+            <a:endParaRPr lang="en-US" dirty="0"/>
+          </a:p>
+          <a:p>
             <a:pPr lvl="1"/>
             <a:endParaRPr lang="en-US" dirty="0"/>
           </a:p>
           <a:p>
-            <a:r>
-              <a:rPr lang="en-US" sz="2000" dirty="0"/>
-              <a:t>OWASP Top 10 2013: Broken Authentication and Session Management [A3] changed places with XSS [A2]. This is because the impact is higher, but there are more XSS vulnerabilities</a:t>
-            </a:r>
+            <a:pPr lvl="1"/>
             <a:endParaRPr lang="en-US" dirty="0"/>
           </a:p>
           <a:p>
@@ -9972,99 +10911,6 @@
           </a:p>
         </p:txBody>
       </p:sp>
-      <p:sp>
-        <p:nvSpPr>
-          <p:cNvPr id="6" name="Content Placeholder 5">
-            <a:extLst>
-              <a:ext uri="{FF2B5EF4-FFF2-40B4-BE49-F238E27FC236}">
-                <a16:creationId xmlns:a16="http://schemas.microsoft.com/office/drawing/2014/main" id="{353BB9BA-7568-1742-B10A-ECAD5178BDF7}"/>
-              </a:ext>
-            </a:extLst>
-          </p:cNvPr>
-          <p:cNvSpPr>
-            <a:spLocks noGrp="1"/>
-          </p:cNvSpPr>
-          <p:nvPr>
-            <p:ph sz="quarter" idx="1"/>
-          </p:nvPr>
-        </p:nvSpPr>
-        <p:spPr/>
-        <p:txBody>
-          <a:bodyPr/>
-          <a:lstStyle/>
-          <a:p>
-            <a:r>
-              <a:rPr lang="en-US" dirty="0"/>
-              <a:t>Cross-site scripting (XSS)</a:t>
-            </a:r>
-          </a:p>
-          <a:p>
-            <a:pPr lvl="1"/>
-            <a:r>
-              <a:rPr lang="en-US" sz="2000" dirty="0"/>
-              <a:t>User </a:t>
-            </a:r>
-            <a:r>
-              <a:rPr lang="en-US" sz="2000" u="sng" dirty="0"/>
-              <a:t>does not trust</a:t>
-            </a:r>
-            <a:r>
-              <a:rPr lang="en-US" sz="2000" dirty="0"/>
-              <a:t> email scripts but </a:t>
-            </a:r>
-            <a:r>
-              <a:rPr lang="en-US" sz="2000" u="sng" dirty="0"/>
-              <a:t>trusts</a:t>
-            </a:r>
-            <a:r>
-              <a:rPr lang="en-US" sz="2000" dirty="0"/>
-              <a:t> a (vulnerable) site</a:t>
-            </a:r>
-          </a:p>
-          <a:p>
-            <a:pPr lvl="1"/>
-            <a:r>
-              <a:rPr lang="en-US" sz="2000" dirty="0"/>
-              <a:t>The idea is to make a user trust untrustworthy data from server</a:t>
-            </a:r>
-          </a:p>
-          <a:p>
-            <a:pPr lvl="1"/>
-            <a:r>
-              <a:rPr lang="en-US" sz="2000" dirty="0" err="1"/>
-              <a:t>Bom</a:t>
-            </a:r>
-            <a:r>
-              <a:rPr lang="en-US" sz="2000" dirty="0"/>
-              <a:t> para </a:t>
-            </a:r>
-            <a:r>
-              <a:rPr lang="en-US" sz="2000" dirty="0" err="1"/>
-              <a:t>obter</a:t>
-            </a:r>
-            <a:r>
-              <a:rPr lang="en-US" sz="2000" dirty="0"/>
-              <a:t> </a:t>
-            </a:r>
-            <a:r>
-              <a:rPr lang="en-US" sz="2000" dirty="0" err="1"/>
-              <a:t>cookiesou</a:t>
-            </a:r>
-            <a:r>
-              <a:rPr lang="en-US" sz="2000" dirty="0"/>
-              <a:t> as </a:t>
-            </a:r>
-            <a:r>
-              <a:rPr lang="en-US" sz="2000" dirty="0" err="1"/>
-              <a:t>credenciais</a:t>
-            </a:r>
-            <a:r>
-              <a:rPr lang="en-US" sz="2000" dirty="0"/>
-              <a:t> (username / password)</a:t>
-            </a:r>
-          </a:p>
-        </p:txBody>
-      </p:sp>
       <p:grpSp>
         <p:nvGrpSpPr>
           <p:cNvPr id="7" name="Group 38">
@@ -10081,10 +10927,10 @@
         </p:nvGrpSpPr>
         <p:grpSpPr bwMode="auto">
           <a:xfrm>
-            <a:off x="152400" y="2514600"/>
-            <a:ext cx="9036051" cy="3532187"/>
+            <a:off x="133222" y="1600200"/>
+            <a:ext cx="8934454" cy="4648199"/>
             <a:chOff x="148" y="1807"/>
-            <a:chExt cx="5692" cy="2225"/>
+            <a:chExt cx="5628" cy="2928"/>
           </a:xfrm>
         </p:grpSpPr>
         <p:grpSp>
@@ -10104,9 +10950,9 @@
           <p:grpSpPr bwMode="auto">
             <a:xfrm>
               <a:off x="148" y="2193"/>
-              <a:ext cx="5426" cy="1839"/>
+              <a:ext cx="5286" cy="1879"/>
               <a:chOff x="526" y="1720"/>
-              <a:chExt cx="5426" cy="1839"/>
+              <a:chExt cx="5286" cy="1879"/>
             </a:xfrm>
           </p:grpSpPr>
           <p:pic>
@@ -10163,8 +11009,8 @@
             </p:nvSpPr>
             <p:spPr bwMode="auto">
               <a:xfrm>
-                <a:off x="810" y="1720"/>
-                <a:ext cx="554" cy="231"/>
+                <a:off x="807" y="1720"/>
+                <a:ext cx="561" cy="252"/>
               </a:xfrm>
               <a:prstGeom prst="rect">
                 <a:avLst/>
@@ -10185,13 +11031,13 @@
               <a:p>
                 <a:pPr algn="ctr"/>
                 <a:r>
-                  <a:rPr lang="pt-PT" sz="1800">
+                  <a:rPr lang="pt-PT" sz="2000" dirty="0">
                     <a:solidFill>
                       <a:srgbClr val="3366CC"/>
                     </a:solidFill>
-                    <a:latin typeface="Tahoma" pitchFamily="34" charset="0"/>
+                    <a:latin typeface="Tw Cen MT" panose="020B0602020104020603" pitchFamily="34" charset="77"/>
                   </a:rPr>
-                  <a:t>Victim:</a:t>
+                  <a:t>Vítima:</a:t>
                 </a:r>
               </a:p>
             </p:txBody>
@@ -10212,8 +11058,8 @@
             </p:nvSpPr>
             <p:spPr bwMode="auto">
               <a:xfrm>
-                <a:off x="790" y="2393"/>
-                <a:ext cx="749" cy="212"/>
+                <a:off x="697" y="2393"/>
+                <a:ext cx="842" cy="252"/>
               </a:xfrm>
               <a:prstGeom prst="rect">
                 <a:avLst/>
@@ -10234,11 +11080,11 @@
               <a:p>
                 <a:pPr algn="r"/>
                 <a:r>
-                  <a:rPr lang="pt-PT">
+                  <a:rPr lang="pt-PT" sz="2000">
                     <a:solidFill>
                       <a:srgbClr val="3366CC"/>
                     </a:solidFill>
-                    <a:latin typeface="Tahoma" pitchFamily="34" charset="0"/>
+                    <a:latin typeface="Tw Cen MT" panose="020B0602020104020603" pitchFamily="34" charset="77"/>
                   </a:rPr>
                   <a:t>“click here”</a:t>
                 </a:r>
@@ -10300,7 +11146,7 @@
             <p:spPr bwMode="auto">
               <a:xfrm>
                 <a:off x="3391" y="2138"/>
-                <a:ext cx="2561" cy="407"/>
+                <a:ext cx="2421" cy="446"/>
               </a:xfrm>
               <a:prstGeom prst="rect">
                 <a:avLst/>
@@ -10320,135 +11166,31 @@
               <a:lstStyle/>
               <a:p>
                 <a:r>
-                  <a:rPr lang="pt-PT" dirty="0" err="1">
+                  <a:rPr lang="pt-PT" sz="2000" dirty="0">
                     <a:solidFill>
                       <a:srgbClr val="3366CC"/>
                     </a:solidFill>
-                    <a:latin typeface="Tahoma" pitchFamily="34" charset="0"/>
+                    <a:latin typeface="Tw Cen MT" panose="020B0602020104020603" pitchFamily="34" charset="77"/>
                   </a:rPr>
-                  <a:t>vulnerable</a:t>
+                  <a:t>Aplicação web vulnerável</a:t>
                 </a:r>
+              </a:p>
+              <a:p>
                 <a:r>
-                  <a:rPr lang="pt-PT" dirty="0">
+                  <a:rPr lang="pt-PT" sz="2000" i="1" dirty="0">
                     <a:solidFill>
                       <a:srgbClr val="3366CC"/>
                     </a:solidFill>
-                    <a:latin typeface="Tahoma" pitchFamily="34" charset="0"/>
+                    <a:latin typeface="Tw Cen MT" panose="020B0602020104020603" pitchFamily="34" charset="77"/>
+                    <a:sym typeface="Wingdings" pitchFamily="2" charset="2"/>
                   </a:rPr>
-                  <a:t> web </a:t>
+                  <a:t> mostra script enviado pela vítima!</a:t>
                 </a:r>
-                <a:r>
-                  <a:rPr lang="pt-PT" dirty="0" err="1">
-                    <a:solidFill>
-                      <a:srgbClr val="3366CC"/>
-                    </a:solidFill>
-                    <a:latin typeface="Tahoma" pitchFamily="34" charset="0"/>
-                  </a:rPr>
-                  <a:t>application</a:t>
-                </a:r>
-                <a:endParaRPr lang="pt-PT" dirty="0">
+                <a:endParaRPr lang="pt-PT" sz="2000" i="1" dirty="0">
                   <a:solidFill>
                     <a:srgbClr val="3366CC"/>
                   </a:solidFill>
-                  <a:latin typeface="Tahoma" pitchFamily="34" charset="0"/>
-                </a:endParaRPr>
-              </a:p>
-              <a:p>
-                <a:r>
-                  <a:rPr lang="pt-PT" i="1" dirty="0">
-                    <a:solidFill>
-                      <a:srgbClr val="3366CC"/>
-                    </a:solidFill>
-                    <a:latin typeface="Tahoma" pitchFamily="34" charset="0"/>
-                    <a:sym typeface="Wingdings" pitchFamily="2" charset="2"/>
-                  </a:rPr>
-                  <a:t> displays a script </a:t>
-                </a:r>
-                <a:r>
-                  <a:rPr lang="pt-PT" i="1" dirty="0" err="1">
-                    <a:solidFill>
-                      <a:srgbClr val="3366CC"/>
-                    </a:solidFill>
-                    <a:latin typeface="Tahoma" pitchFamily="34" charset="0"/>
-                    <a:sym typeface="Wingdings" pitchFamily="2" charset="2"/>
-                  </a:rPr>
-                  <a:t>sent</a:t>
-                </a:r>
-                <a:r>
-                  <a:rPr lang="pt-PT" i="1" dirty="0">
-                    <a:solidFill>
-                      <a:srgbClr val="3366CC"/>
-                    </a:solidFill>
-                    <a:latin typeface="Tahoma" pitchFamily="34" charset="0"/>
-                    <a:sym typeface="Wingdings" pitchFamily="2" charset="2"/>
-                  </a:rPr>
-                  <a:t> </a:t>
-                </a:r>
-                <a:r>
-                  <a:rPr lang="pt-PT" i="1" dirty="0" err="1">
-                    <a:solidFill>
-                      <a:srgbClr val="3366CC"/>
-                    </a:solidFill>
-                    <a:latin typeface="Tahoma" pitchFamily="34" charset="0"/>
-                    <a:sym typeface="Wingdings" pitchFamily="2" charset="2"/>
-                  </a:rPr>
-                  <a:t>by</a:t>
-                </a:r>
-                <a:r>
-                  <a:rPr lang="pt-PT" i="1" dirty="0">
-                    <a:solidFill>
-                      <a:srgbClr val="3366CC"/>
-                    </a:solidFill>
-                    <a:latin typeface="Tahoma" pitchFamily="34" charset="0"/>
-                    <a:sym typeface="Wingdings" pitchFamily="2" charset="2"/>
-                  </a:rPr>
-                  <a:t> </a:t>
-                </a:r>
-                <a:r>
-                  <a:rPr lang="pt-PT" i="1" dirty="0" err="1">
-                    <a:solidFill>
-                      <a:srgbClr val="3366CC"/>
-                    </a:solidFill>
-                    <a:latin typeface="Tahoma" pitchFamily="34" charset="0"/>
-                    <a:sym typeface="Wingdings" pitchFamily="2" charset="2"/>
-                  </a:rPr>
-                  <a:t>the</a:t>
-                </a:r>
-                <a:r>
-                  <a:rPr lang="pt-PT" i="1" dirty="0">
-                    <a:solidFill>
-                      <a:srgbClr val="3366CC"/>
-                    </a:solidFill>
-                    <a:latin typeface="Tahoma" pitchFamily="34" charset="0"/>
-                    <a:sym typeface="Wingdings" pitchFamily="2" charset="2"/>
-                  </a:rPr>
-                  <a:t> </a:t>
-                </a:r>
-                <a:r>
-                  <a:rPr lang="pt-PT" i="1" dirty="0" err="1">
-                    <a:solidFill>
-                      <a:srgbClr val="3366CC"/>
-                    </a:solidFill>
-                    <a:latin typeface="Tahoma" pitchFamily="34" charset="0"/>
-                    <a:sym typeface="Wingdings" pitchFamily="2" charset="2"/>
-                  </a:rPr>
-                  <a:t>victim</a:t>
-                </a:r>
-                <a:r>
-                  <a:rPr lang="pt-PT" i="1" dirty="0">
-                    <a:solidFill>
-                      <a:srgbClr val="3366CC"/>
-                    </a:solidFill>
-                    <a:latin typeface="Tahoma" pitchFamily="34" charset="0"/>
-                    <a:sym typeface="Wingdings" pitchFamily="2" charset="2"/>
-                  </a:rPr>
-                  <a:t>!</a:t>
-                </a:r>
-                <a:endParaRPr lang="pt-PT" i="1" dirty="0">
-                  <a:solidFill>
-                    <a:srgbClr val="3366CC"/>
-                  </a:solidFill>
-                  <a:latin typeface="Tahoma" pitchFamily="34" charset="0"/>
+                  <a:latin typeface="Tw Cen MT" panose="020B0602020104020603" pitchFamily="34" charset="77"/>
                 </a:endParaRPr>
               </a:p>
             </p:txBody>
@@ -10489,7 +11231,9 @@
               <a:bodyPr/>
               <a:lstStyle/>
               <a:p>
-                <a:endParaRPr lang="pt-PT"/>
+                <a:endParaRPr lang="pt-PT" sz="2000">
+                  <a:latin typeface="Tw Cen MT" panose="020B0602020104020603" pitchFamily="34" charset="77"/>
+                </a:endParaRPr>
               </a:p>
             </p:txBody>
           </p:sp>
@@ -10510,7 +11254,7 @@
             <p:spPr bwMode="auto">
               <a:xfrm>
                 <a:off x="1626" y="2024"/>
-                <a:ext cx="1236" cy="233"/>
+                <a:ext cx="1194" cy="252"/>
               </a:xfrm>
               <a:prstGeom prst="rect">
                 <a:avLst/>
@@ -10530,29 +11274,29 @@
               <a:lstStyle/>
               <a:p>
                 <a:r>
-                  <a:rPr lang="pt-PT" dirty="0">
+                  <a:rPr lang="pt-PT" sz="2000" dirty="0">
                     <a:solidFill>
                       <a:srgbClr val="CC0000"/>
                     </a:solidFill>
-                    <a:latin typeface="Tahoma" pitchFamily="34" charset="0"/>
+                    <a:latin typeface="Tw Cen MT" panose="020B0602020104020603" pitchFamily="34" charset="77"/>
                   </a:rPr>
-                  <a:t>URL w/ </a:t>
+                  <a:t>URL c/ </a:t>
                 </a:r>
                 <a:r>
-                  <a:rPr lang="pt-PT" dirty="0" err="1">
+                  <a:rPr lang="pt-PT" sz="2000" dirty="0" err="1">
                     <a:solidFill>
                       <a:srgbClr val="CC0000"/>
                     </a:solidFill>
-                    <a:latin typeface="Tahoma" pitchFamily="34" charset="0"/>
+                    <a:latin typeface="Tw Cen MT" panose="020B0602020104020603" pitchFamily="34" charset="77"/>
                   </a:rPr>
                   <a:t>evil</a:t>
                 </a:r>
                 <a:r>
-                  <a:rPr lang="pt-PT" dirty="0">
+                  <a:rPr lang="pt-PT" sz="2000" dirty="0">
                     <a:solidFill>
                       <a:srgbClr val="CC0000"/>
                     </a:solidFill>
-                    <a:latin typeface="Tahoma" pitchFamily="34" charset="0"/>
+                    <a:latin typeface="Tw Cen MT" panose="020B0602020104020603" pitchFamily="34" charset="77"/>
                   </a:rPr>
                   <a:t> script</a:t>
                 </a:r>
@@ -10595,7 +11339,9 @@
               <a:bodyPr/>
               <a:lstStyle/>
               <a:p>
-                <a:endParaRPr lang="pt-PT"/>
+                <a:endParaRPr lang="pt-PT" sz="2000">
+                  <a:latin typeface="Tw Cen MT" panose="020B0602020104020603" pitchFamily="34" charset="77"/>
+                </a:endParaRPr>
               </a:p>
             </p:txBody>
           </p:sp>
@@ -10615,8 +11361,8 @@
             </p:nvSpPr>
             <p:spPr bwMode="auto">
               <a:xfrm>
-                <a:off x="1762" y="2783"/>
-                <a:ext cx="1065" cy="407"/>
+                <a:off x="1836" y="2783"/>
+                <a:ext cx="1246" cy="446"/>
               </a:xfrm>
               <a:prstGeom prst="rect">
                 <a:avLst/>
@@ -10637,81 +11383,63 @@
               <a:p>
                 <a:pPr algn="ctr"/>
                 <a:r>
-                  <a:rPr lang="pt-PT" dirty="0">
+                  <a:rPr lang="pt-PT" sz="2000" dirty="0">
                     <a:solidFill>
                       <a:srgbClr val="CC0000"/>
                     </a:solidFill>
-                    <a:latin typeface="Tahoma" pitchFamily="34" charset="0"/>
+                    <a:latin typeface="Tw Cen MT" panose="020B0602020104020603" pitchFamily="34" charset="77"/>
                   </a:rPr>
-                  <a:t> </a:t>
+                  <a:t> página w/</a:t>
                 </a:r>
                 <a:r>
-                  <a:rPr lang="pt-PT" dirty="0" err="1">
+                  <a:rPr lang="pt-PT" sz="2000" dirty="0" err="1">
                     <a:solidFill>
                       <a:srgbClr val="CC0000"/>
                     </a:solidFill>
-                    <a:latin typeface="Tahoma" pitchFamily="34" charset="0"/>
-                  </a:rPr>
-                  <a:t>page</a:t>
-                </a:r>
-                <a:r>
-                  <a:rPr lang="pt-PT" dirty="0">
-                    <a:solidFill>
-                      <a:srgbClr val="CC0000"/>
-                    </a:solidFill>
-                    <a:latin typeface="Tahoma" pitchFamily="34" charset="0"/>
-                  </a:rPr>
-                  <a:t> w/</a:t>
-                </a:r>
-                <a:r>
-                  <a:rPr lang="pt-PT" dirty="0" err="1">
-                    <a:solidFill>
-                      <a:srgbClr val="CC0000"/>
-                    </a:solidFill>
-                    <a:latin typeface="Tahoma" pitchFamily="34" charset="0"/>
+                    <a:latin typeface="Tw Cen MT" panose="020B0602020104020603" pitchFamily="34" charset="77"/>
                   </a:rPr>
                   <a:t>evil</a:t>
                 </a:r>
                 <a:r>
-                  <a:rPr lang="pt-PT" dirty="0">
+                  <a:rPr lang="pt-PT" sz="2000" dirty="0">
                     <a:solidFill>
                       <a:srgbClr val="CC0000"/>
                     </a:solidFill>
-                    <a:latin typeface="Tahoma" pitchFamily="34" charset="0"/>
+                    <a:latin typeface="Tw Cen MT" panose="020B0602020104020603" pitchFamily="34" charset="77"/>
                   </a:rPr>
                   <a:t> </a:t>
                 </a:r>
                 <a:br>
-                  <a:rPr lang="pt-PT" dirty="0">
+                  <a:rPr lang="pt-PT" sz="2000" dirty="0">
                     <a:solidFill>
                       <a:srgbClr val="CC0000"/>
                     </a:solidFill>
-                    <a:latin typeface="Tahoma" pitchFamily="34" charset="0"/>
+                    <a:latin typeface="Tw Cen MT" panose="020B0602020104020603" pitchFamily="34" charset="77"/>
                   </a:rPr>
                 </a:br>
                 <a:r>
-                  <a:rPr lang="pt-PT" dirty="0">
+                  <a:rPr lang="pt-PT" sz="2000" dirty="0">
                     <a:solidFill>
                       <a:srgbClr val="CC0000"/>
                     </a:solidFill>
-                    <a:latin typeface="Tahoma" pitchFamily="34" charset="0"/>
+                    <a:latin typeface="Tw Cen MT" panose="020B0602020104020603" pitchFamily="34" charset="77"/>
                   </a:rPr>
-                  <a:t>script </a:t>
+                  <a:t>script é </a:t>
                 </a:r>
                 <a:r>
-                  <a:rPr lang="pt-PT" dirty="0" err="1">
+                  <a:rPr lang="pt-PT" sz="2000" dirty="0" err="1">
                     <a:solidFill>
                       <a:srgbClr val="CC0000"/>
                     </a:solidFill>
-                    <a:latin typeface="Tahoma" pitchFamily="34" charset="0"/>
+                    <a:latin typeface="Tw Cen MT" panose="020B0602020104020603" pitchFamily="34" charset="77"/>
                   </a:rPr>
-                  <a:t>reflected</a:t>
+                  <a:t>reflectida</a:t>
                 </a:r>
-                <a:endParaRPr lang="pt-PT" dirty="0">
+                <a:endParaRPr lang="pt-PT" sz="2000" dirty="0">
                   <a:solidFill>
                     <a:srgbClr val="CC0000"/>
                   </a:solidFill>
-                  <a:latin typeface="Tahoma" pitchFamily="34" charset="0"/>
+                  <a:latin typeface="Tw Cen MT" panose="020B0602020104020603" pitchFamily="34" charset="77"/>
                 </a:endParaRPr>
               </a:p>
             </p:txBody>
@@ -10733,7 +11461,7 @@
             <p:spPr bwMode="auto">
               <a:xfrm>
                 <a:off x="526" y="3347"/>
-                <a:ext cx="1427" cy="212"/>
+                <a:ext cx="1651" cy="252"/>
               </a:xfrm>
               <a:prstGeom prst="rect">
                 <a:avLst/>
@@ -10753,13 +11481,31 @@
               <a:lstStyle/>
               <a:p>
                 <a:r>
-                  <a:rPr lang="pt-PT">
+                  <a:rPr lang="pt-PT" sz="2000" dirty="0">
                     <a:solidFill>
                       <a:srgbClr val="3366CC"/>
                     </a:solidFill>
-                    <a:latin typeface="Tahoma" pitchFamily="34" charset="0"/>
+                    <a:latin typeface="Tw Cen MT" panose="020B0602020104020603" pitchFamily="34" charset="77"/>
                   </a:rPr>
-                  <a:t>browser runs evil script</a:t>
+                  <a:t>browser corre </a:t>
+                </a:r>
+                <a:r>
+                  <a:rPr lang="pt-PT" sz="2000" dirty="0" err="1">
+                    <a:solidFill>
+                      <a:srgbClr val="3366CC"/>
+                    </a:solidFill>
+                    <a:latin typeface="Tw Cen MT" panose="020B0602020104020603" pitchFamily="34" charset="77"/>
+                  </a:rPr>
+                  <a:t>evil</a:t>
+                </a:r>
+                <a:r>
+                  <a:rPr lang="pt-PT" sz="2000" dirty="0">
+                    <a:solidFill>
+                      <a:srgbClr val="3366CC"/>
+                    </a:solidFill>
+                    <a:latin typeface="Tw Cen MT" panose="020B0602020104020603" pitchFamily="34" charset="77"/>
+                  </a:rPr>
+                  <a:t> script</a:t>
                 </a:r>
               </a:p>
             </p:txBody>
@@ -10819,10 +11565,10 @@
           </p:nvGrpSpPr>
           <p:grpSpPr bwMode="auto">
             <a:xfrm>
-              <a:off x="2142" y="3168"/>
-              <a:ext cx="3698" cy="855"/>
-              <a:chOff x="2202" y="3288"/>
-              <a:chExt cx="3698" cy="855"/>
+              <a:off x="1597" y="3859"/>
+              <a:ext cx="4179" cy="876"/>
+              <a:chOff x="1657" y="3979"/>
+              <a:chExt cx="4179" cy="876"/>
             </a:xfrm>
           </p:grpSpPr>
           <p:sp>
@@ -10841,8 +11587,8 @@
             </p:nvSpPr>
             <p:spPr bwMode="auto">
               <a:xfrm>
-                <a:off x="2508" y="3288"/>
-                <a:ext cx="3392" cy="523"/>
+                <a:off x="1963" y="3979"/>
+                <a:ext cx="3873" cy="504"/>
               </a:xfrm>
               <a:prstGeom prst="rect">
                 <a:avLst/>
@@ -10862,147 +11608,163 @@
               <a:lstStyle/>
               <a:p>
                 <a:r>
-                  <a:rPr lang="pt-PT" sz="1600" dirty="0" err="1">
-                    <a:latin typeface="Tahoma" pitchFamily="34" charset="0"/>
+                  <a:rPr lang="pt-PT" dirty="0">
+                    <a:latin typeface="Tw Cen MT" panose="020B0602020104020603" pitchFamily="34" charset="77"/>
                   </a:rPr>
-                  <a:t>example</a:t>
-                </a:r>
-                <a:r>
-                  <a:rPr lang="pt-PT" sz="1600" dirty="0">
-                    <a:latin typeface="Tahoma" pitchFamily="34" charset="0"/>
-                  </a:rPr>
-                  <a:t> link:</a:t>
+                  <a:t>Exemplo de link</a:t>
                 </a:r>
               </a:p>
               <a:p>
                 <a:r>
-                  <a:rPr lang="pt-PT" sz="1600" dirty="0">
-                    <a:latin typeface="Tahoma" pitchFamily="34" charset="0"/>
+                  <a:rPr lang="pt-PT" sz="1400" dirty="0">
+                    <a:latin typeface="Consolas" panose="020B0609020204030204" pitchFamily="49" charset="0"/>
+                    <a:cs typeface="Consolas" panose="020B0609020204030204" pitchFamily="49" charset="0"/>
                   </a:rPr>
                   <a:t>&lt;a </a:t>
                 </a:r>
                 <a:r>
-                  <a:rPr lang="pt-PT" sz="1600" dirty="0" err="1">
-                    <a:latin typeface="Tahoma" pitchFamily="34" charset="0"/>
+                  <a:rPr lang="pt-PT" sz="1400" dirty="0" err="1">
+                    <a:latin typeface="Consolas" panose="020B0609020204030204" pitchFamily="49" charset="0"/>
+                    <a:cs typeface="Consolas" panose="020B0609020204030204" pitchFamily="49" charset="0"/>
                   </a:rPr>
                   <a:t>href=“trusted.site.com</a:t>
                 </a:r>
                 <a:r>
-                  <a:rPr lang="pt-PT" sz="1600" dirty="0">
-                    <a:latin typeface="Tahoma" pitchFamily="34" charset="0"/>
+                  <a:rPr lang="pt-PT" sz="1400" dirty="0">
+                    <a:latin typeface="Consolas" panose="020B0609020204030204" pitchFamily="49" charset="0"/>
+                    <a:cs typeface="Consolas" panose="020B0609020204030204" pitchFamily="49" charset="0"/>
                   </a:rPr>
                   <a:t>/</a:t>
                 </a:r>
                 <a:r>
-                  <a:rPr lang="pt-PT" sz="1600" dirty="0" err="1">
-                    <a:latin typeface="Tahoma" pitchFamily="34" charset="0"/>
+                  <a:rPr lang="pt-PT" sz="1400" dirty="0" err="1">
+                    <a:latin typeface="Consolas" panose="020B0609020204030204" pitchFamily="49" charset="0"/>
+                    <a:cs typeface="Consolas" panose="020B0609020204030204" pitchFamily="49" charset="0"/>
                   </a:rPr>
                   <a:t>cgi-bin</a:t>
                 </a:r>
                 <a:r>
-                  <a:rPr lang="pt-PT" sz="1600" dirty="0">
-                    <a:latin typeface="Tahoma" pitchFamily="34" charset="0"/>
+                  <a:rPr lang="pt-PT" sz="1400" dirty="0">
+                    <a:latin typeface="Consolas" panose="020B0609020204030204" pitchFamily="49" charset="0"/>
+                    <a:cs typeface="Consolas" panose="020B0609020204030204" pitchFamily="49" charset="0"/>
                   </a:rPr>
                   <a:t>/</a:t>
                 </a:r>
                 <a:r>
-                  <a:rPr lang="pt-PT" sz="1600" dirty="0" err="1">
-                    <a:latin typeface="Tahoma" pitchFamily="34" charset="0"/>
+                  <a:rPr lang="pt-PT" sz="1400" dirty="0" err="1">
+                    <a:latin typeface="Consolas" panose="020B0609020204030204" pitchFamily="49" charset="0"/>
+                    <a:cs typeface="Consolas" panose="020B0609020204030204" pitchFamily="49" charset="0"/>
                   </a:rPr>
                   <a:t>post_message.pl</a:t>
                 </a:r>
                 <a:r>
-                  <a:rPr lang="pt-PT" sz="1600" dirty="0">
-                    <a:latin typeface="Tahoma" pitchFamily="34" charset="0"/>
+                  <a:rPr lang="pt-PT" sz="1400" dirty="0">
+                    <a:latin typeface="Consolas" panose="020B0609020204030204" pitchFamily="49" charset="0"/>
+                    <a:cs typeface="Consolas" panose="020B0609020204030204" pitchFamily="49" charset="0"/>
                   </a:rPr>
                   <a:t>?</a:t>
                 </a:r>
                 <a:br>
-                  <a:rPr lang="pt-PT" sz="1600" u="sng" dirty="0">
-                    <a:latin typeface="Tahoma" pitchFamily="34" charset="0"/>
+                  <a:rPr lang="pt-PT" sz="1400" u="sng" dirty="0">
+                    <a:latin typeface="Consolas" panose="020B0609020204030204" pitchFamily="49" charset="0"/>
+                    <a:cs typeface="Consolas" panose="020B0609020204030204" pitchFamily="49" charset="0"/>
                   </a:rPr>
                 </a:br>
                 <a:r>
-                  <a:rPr lang="pt-PT" sz="1600" u="sng" dirty="0">
-                    <a:latin typeface="Tahoma" pitchFamily="34" charset="0"/>
+                  <a:rPr lang="pt-PT" sz="1400" u="sng" dirty="0">
+                    <a:latin typeface="Consolas" panose="020B0609020204030204" pitchFamily="49" charset="0"/>
+                    <a:cs typeface="Consolas" panose="020B0609020204030204" pitchFamily="49" charset="0"/>
                   </a:rPr>
                   <a:t>&amp;</a:t>
                 </a:r>
                 <a:r>
-                  <a:rPr lang="pt-PT" sz="1600" u="sng" dirty="0" err="1">
-                    <a:latin typeface="Tahoma" pitchFamily="34" charset="0"/>
+                  <a:rPr lang="pt-PT" sz="1400" u="sng" dirty="0" err="1">
+                    <a:latin typeface="Consolas" panose="020B0609020204030204" pitchFamily="49" charset="0"/>
+                    <a:cs typeface="Consolas" panose="020B0609020204030204" pitchFamily="49" charset="0"/>
                   </a:rPr>
                   <a:t>lt;script&amp;gt;alert</a:t>
                 </a:r>
                 <a:r>
-                  <a:rPr lang="pt-PT" sz="1600" u="sng" dirty="0">
-                    <a:latin typeface="Tahoma" pitchFamily="34" charset="0"/>
+                  <a:rPr lang="pt-PT" sz="1400" u="sng" dirty="0">
+                    <a:latin typeface="Consolas" panose="020B0609020204030204" pitchFamily="49" charset="0"/>
+                    <a:cs typeface="Consolas" panose="020B0609020204030204" pitchFamily="49" charset="0"/>
                   </a:rPr>
                   <a:t>(‘</a:t>
                 </a:r>
                 <a:r>
-                  <a:rPr lang="pt-PT" sz="1600" u="sng" dirty="0" err="1">
-                    <a:latin typeface="Tahoma" pitchFamily="34" charset="0"/>
+                  <a:rPr lang="pt-PT" sz="1400" u="sng" dirty="0" err="1">
+                    <a:latin typeface="Consolas" panose="020B0609020204030204" pitchFamily="49" charset="0"/>
+                    <a:cs typeface="Consolas" panose="020B0609020204030204" pitchFamily="49" charset="0"/>
                   </a:rPr>
                   <a:t>hello</a:t>
                 </a:r>
                 <a:r>
-                  <a:rPr lang="pt-PT" sz="1600" u="sng" dirty="0">
-                    <a:latin typeface="Tahoma" pitchFamily="34" charset="0"/>
+                  <a:rPr lang="pt-PT" sz="1400" u="sng" dirty="0">
+                    <a:latin typeface="Consolas" panose="020B0609020204030204" pitchFamily="49" charset="0"/>
+                    <a:cs typeface="Consolas" panose="020B0609020204030204" pitchFamily="49" charset="0"/>
                   </a:rPr>
                   <a:t>!’)&amp;</a:t>
                 </a:r>
                 <a:r>
-                  <a:rPr lang="pt-PT" sz="1600" u="sng" dirty="0" err="1">
-                    <a:latin typeface="Tahoma" pitchFamily="34" charset="0"/>
+                  <a:rPr lang="pt-PT" sz="1400" u="sng" dirty="0" err="1">
+                    <a:latin typeface="Consolas" panose="020B0609020204030204" pitchFamily="49" charset="0"/>
+                    <a:cs typeface="Consolas" panose="020B0609020204030204" pitchFamily="49" charset="0"/>
                   </a:rPr>
                   <a:t>lt</a:t>
                 </a:r>
                 <a:r>
-                  <a:rPr lang="pt-PT" sz="1600" u="sng" dirty="0">
-                    <a:latin typeface="Tahoma" pitchFamily="34" charset="0"/>
+                  <a:rPr lang="pt-PT" sz="1400" u="sng" dirty="0">
+                    <a:latin typeface="Consolas" panose="020B0609020204030204" pitchFamily="49" charset="0"/>
+                    <a:cs typeface="Consolas" panose="020B0609020204030204" pitchFamily="49" charset="0"/>
                   </a:rPr>
                   <a:t>;/</a:t>
                 </a:r>
                 <a:r>
-                  <a:rPr lang="pt-PT" sz="1600" u="sng" dirty="0" err="1">
-                    <a:latin typeface="Tahoma" pitchFamily="34" charset="0"/>
+                  <a:rPr lang="pt-PT" sz="1400" u="sng" dirty="0" err="1">
+                    <a:latin typeface="Consolas" panose="020B0609020204030204" pitchFamily="49" charset="0"/>
+                    <a:cs typeface="Consolas" panose="020B0609020204030204" pitchFamily="49" charset="0"/>
                   </a:rPr>
                   <a:t>script&amp;gt</a:t>
                 </a:r>
                 <a:r>
-                  <a:rPr lang="pt-PT" sz="1600" u="sng" dirty="0">
-                    <a:latin typeface="Tahoma" pitchFamily="34" charset="0"/>
+                  <a:rPr lang="pt-PT" sz="1400" u="sng" dirty="0">
+                    <a:latin typeface="Consolas" panose="020B0609020204030204" pitchFamily="49" charset="0"/>
+                    <a:cs typeface="Consolas" panose="020B0609020204030204" pitchFamily="49" charset="0"/>
                   </a:rPr>
                   <a:t>;</a:t>
                 </a:r>
                 <a:r>
-                  <a:rPr lang="pt-PT" sz="1600" dirty="0">
-                    <a:latin typeface="Tahoma" pitchFamily="34" charset="0"/>
+                  <a:rPr lang="pt-PT" sz="1400" dirty="0">
+                    <a:latin typeface="Consolas" panose="020B0609020204030204" pitchFamily="49" charset="0"/>
+                    <a:cs typeface="Consolas" panose="020B0609020204030204" pitchFamily="49" charset="0"/>
                   </a:rPr>
                   <a:t>”&gt;</a:t>
                 </a:r>
                 <a:r>
-                  <a:rPr lang="pt-PT" sz="1600" dirty="0" err="1">
-                    <a:latin typeface="Tahoma" pitchFamily="34" charset="0"/>
+                  <a:rPr lang="pt-PT" sz="1400" dirty="0" err="1">
+                    <a:latin typeface="Consolas" panose="020B0609020204030204" pitchFamily="49" charset="0"/>
+                    <a:cs typeface="Consolas" panose="020B0609020204030204" pitchFamily="49" charset="0"/>
                   </a:rPr>
                   <a:t>click</a:t>
                 </a:r>
                 <a:r>
-                  <a:rPr lang="pt-PT" sz="1600" dirty="0">
-                    <a:latin typeface="Tahoma" pitchFamily="34" charset="0"/>
+                  <a:rPr lang="pt-PT" sz="1400" dirty="0">
+                    <a:latin typeface="Consolas" panose="020B0609020204030204" pitchFamily="49" charset="0"/>
+                    <a:cs typeface="Consolas" panose="020B0609020204030204" pitchFamily="49" charset="0"/>
                   </a:rPr>
                   <a:t> </a:t>
                 </a:r>
                 <a:r>
-                  <a:rPr lang="pt-PT" sz="1600" dirty="0" err="1">
-                    <a:latin typeface="Tahoma" pitchFamily="34" charset="0"/>
+                  <a:rPr lang="pt-PT" sz="1400" dirty="0" err="1">
+                    <a:latin typeface="Consolas" panose="020B0609020204030204" pitchFamily="49" charset="0"/>
+                    <a:cs typeface="Consolas" panose="020B0609020204030204" pitchFamily="49" charset="0"/>
                   </a:rPr>
                   <a:t>here</a:t>
                 </a:r>
                 <a:r>
-                  <a:rPr lang="pt-PT" sz="1600" dirty="0">
-                    <a:latin typeface="Tahoma" pitchFamily="34" charset="0"/>
+                  <a:rPr lang="pt-PT" sz="1400" dirty="0">
+                    <a:latin typeface="Consolas" panose="020B0609020204030204" pitchFamily="49" charset="0"/>
+                    <a:cs typeface="Consolas" panose="020B0609020204030204" pitchFamily="49" charset="0"/>
                   </a:rPr>
                   <a:t>&lt;/a&gt;</a:t>
                 </a:r>
@@ -11025,8 +11787,8 @@
             </p:nvSpPr>
             <p:spPr bwMode="auto">
               <a:xfrm>
-                <a:off x="2466" y="3931"/>
-                <a:ext cx="2833" cy="212"/>
+                <a:off x="1921" y="4622"/>
+                <a:ext cx="3562" cy="233"/>
               </a:xfrm>
               <a:prstGeom prst="rect">
                 <a:avLst/>
@@ -11046,86 +11808,11 @@
               <a:lstStyle/>
               <a:p>
                 <a:r>
-                  <a:rPr lang="pt-PT" sz="1600" dirty="0" err="1">
-                    <a:latin typeface="Tahoma" pitchFamily="34" charset="0"/>
+                  <a:rPr lang="pt-PT" dirty="0">
+                    <a:latin typeface="Tw Cen MT" panose="020B0602020104020603" pitchFamily="34" charset="77"/>
                   </a:rPr>
-                  <a:t>message</a:t>
+                  <a:t>Mensagem na realidade é um script que mostra uma janela</a:t>
                 </a:r>
-                <a:r>
-                  <a:rPr lang="pt-PT" sz="1600" dirty="0">
-                    <a:latin typeface="Tahoma" pitchFamily="34" charset="0"/>
-                  </a:rPr>
-                  <a:t> </a:t>
-                </a:r>
-                <a:r>
-                  <a:rPr lang="pt-PT" sz="1600" dirty="0" err="1">
-                    <a:latin typeface="Tahoma" pitchFamily="34" charset="0"/>
-                  </a:rPr>
-                  <a:t>posted</a:t>
-                </a:r>
-                <a:r>
-                  <a:rPr lang="pt-PT" sz="1600" dirty="0">
-                    <a:latin typeface="Tahoma" pitchFamily="34" charset="0"/>
-                  </a:rPr>
-                  <a:t> </a:t>
-                </a:r>
-                <a:r>
-                  <a:rPr lang="pt-PT" sz="1600" dirty="0" err="1">
-                    <a:latin typeface="Tahoma" pitchFamily="34" charset="0"/>
-                  </a:rPr>
-                  <a:t>is</a:t>
-                </a:r>
-                <a:r>
-                  <a:rPr lang="pt-PT" sz="1600" dirty="0">
-                    <a:latin typeface="Tahoma" pitchFamily="34" charset="0"/>
-                  </a:rPr>
-                  <a:t> a script </a:t>
-                </a:r>
-                <a:r>
-                  <a:rPr lang="pt-PT" sz="1600" dirty="0" err="1">
-                    <a:latin typeface="Tahoma" pitchFamily="34" charset="0"/>
-                  </a:rPr>
-                  <a:t>that</a:t>
-                </a:r>
-                <a:r>
-                  <a:rPr lang="pt-PT" sz="1600" dirty="0">
-                    <a:latin typeface="Tahoma" pitchFamily="34" charset="0"/>
-                  </a:rPr>
-                  <a:t> </a:t>
-                </a:r>
-                <a:r>
-                  <a:rPr lang="pt-PT" sz="1600" dirty="0" err="1">
-                    <a:latin typeface="Tahoma" pitchFamily="34" charset="0"/>
-                  </a:rPr>
-                  <a:t>pops</a:t>
-                </a:r>
-                <a:r>
-                  <a:rPr lang="pt-PT" sz="1600" dirty="0">
-                    <a:latin typeface="Tahoma" pitchFamily="34" charset="0"/>
-                  </a:rPr>
-                  <a:t> </a:t>
-                </a:r>
-                <a:r>
-                  <a:rPr lang="pt-PT" sz="1600" dirty="0" err="1">
-                    <a:latin typeface="Tahoma" pitchFamily="34" charset="0"/>
-                  </a:rPr>
-                  <a:t>up</a:t>
-                </a:r>
-                <a:r>
-                  <a:rPr lang="pt-PT" sz="1600" dirty="0">
-                    <a:latin typeface="Tahoma" pitchFamily="34" charset="0"/>
-                  </a:rPr>
-                  <a:t> </a:t>
-                </a:r>
-                <a:r>
-                  <a:rPr lang="pt-PT" sz="1600" dirty="0" err="1">
-                    <a:latin typeface="Tahoma" pitchFamily="34" charset="0"/>
-                  </a:rPr>
-                  <a:t>window</a:t>
-                </a:r>
-                <a:endParaRPr lang="pt-PT" sz="1600" dirty="0">
-                  <a:latin typeface="Tahoma" pitchFamily="34" charset="0"/>
-                </a:endParaRPr>
               </a:p>
             </p:txBody>
           </p:sp>
@@ -11145,7 +11832,7 @@
             </p:nvSpPr>
             <p:spPr bwMode="auto">
               <a:xfrm>
-                <a:off x="2202" y="3718"/>
+                <a:off x="1657" y="4409"/>
                 <a:ext cx="360" cy="324"/>
               </a:xfrm>
               <a:custGeom>
@@ -11210,7 +11897,9 @@
               <a:bodyPr/>
               <a:lstStyle/>
               <a:p>
-                <a:endParaRPr lang="pt-PT" sz="1600"/>
+                <a:endParaRPr lang="pt-PT">
+                  <a:latin typeface="Tw Cen MT" panose="020B0602020104020603" pitchFamily="34" charset="77"/>
+                </a:endParaRPr>
               </a:p>
             </p:txBody>
           </p:sp>
@@ -11231,8 +11920,8 @@
           </p:nvSpPr>
           <p:spPr bwMode="auto">
             <a:xfrm>
-              <a:off x="2617" y="1984"/>
-              <a:ext cx="640" cy="231"/>
+              <a:off x="2591" y="1984"/>
+              <a:ext cx="693" cy="252"/>
             </a:xfrm>
             <a:prstGeom prst="rect">
               <a:avLst/>
@@ -11253,13 +11942,13 @@
             <a:p>
               <a:pPr algn="ctr"/>
               <a:r>
-                <a:rPr lang="pt-PT" sz="1800">
+                <a:rPr lang="pt-PT" sz="2000" dirty="0">
                   <a:solidFill>
                     <a:srgbClr val="CC0000"/>
                   </a:solidFill>
-                  <a:latin typeface="Tahoma" pitchFamily="34" charset="0"/>
+                  <a:latin typeface="Tw Cen MT" panose="020B0602020104020603" pitchFamily="34" charset="77"/>
                 </a:rPr>
-                <a:t>Attacker</a:t>
+                <a:t>Atacante</a:t>
               </a:r>
             </a:p>
           </p:txBody>
@@ -11338,7 +12027,9 @@
             <a:bodyPr/>
             <a:lstStyle/>
             <a:p>
-              <a:endParaRPr lang="pt-PT"/>
+              <a:endParaRPr lang="pt-PT" sz="2000">
+                <a:latin typeface="Tw Cen MT" panose="020B0602020104020603" pitchFamily="34" charset="77"/>
+              </a:endParaRPr>
             </a:p>
           </p:txBody>
         </p:sp>
@@ -11358,8 +12049,8 @@
           </p:nvSpPr>
           <p:spPr bwMode="auto">
             <a:xfrm>
-              <a:off x="1286" y="2032"/>
-              <a:ext cx="455" cy="231"/>
+              <a:off x="1281" y="2032"/>
+              <a:ext cx="465" cy="252"/>
             </a:xfrm>
             <a:prstGeom prst="rect">
               <a:avLst/>
@@ -11380,11 +12071,11 @@
             <a:p>
               <a:pPr algn="ctr"/>
               <a:r>
-                <a:rPr lang="pt-PT" sz="1800">
+                <a:rPr lang="pt-PT" sz="2000">
                   <a:solidFill>
                     <a:srgbClr val="CC0000"/>
                   </a:solidFill>
-                  <a:latin typeface="Tahoma" pitchFamily="34" charset="0"/>
+                  <a:latin typeface="Tw Cen MT" panose="020B0602020104020603" pitchFamily="34" charset="77"/>
                 </a:rPr>
                 <a:t>email</a:t>
               </a:r>
@@ -11589,7 +12280,39 @@
           <a:p>
             <a:r>
               <a:rPr lang="en-US" dirty="0"/>
-              <a:t>Scripts can be similar to the previous ones</a:t>
+              <a:t>Scripts </a:t>
+            </a:r>
+            <a:r>
+              <a:rPr lang="en-US" dirty="0" err="1"/>
+              <a:t>podem</a:t>
+            </a:r>
+            <a:r>
+              <a:rPr lang="en-US" dirty="0"/>
+              <a:t> </a:t>
+            </a:r>
+            <a:r>
+              <a:rPr lang="en-US" dirty="0" err="1"/>
+              <a:t>ser</a:t>
+            </a:r>
+            <a:r>
+              <a:rPr lang="en-US" dirty="0"/>
+              <a:t> </a:t>
+            </a:r>
+            <a:r>
+              <a:rPr lang="en-US" dirty="0" err="1"/>
+              <a:t>semelhantes</a:t>
+            </a:r>
+            <a:r>
+              <a:rPr lang="en-US" dirty="0"/>
+              <a:t> </a:t>
+            </a:r>
+            <a:r>
+              <a:rPr lang="en-US" dirty="0" err="1"/>
+              <a:t>ao</a:t>
+            </a:r>
+            <a:r>
+              <a:rPr lang="en-US" dirty="0"/>
+              <a:t> anterior</a:t>
             </a:r>
           </a:p>
           <a:p>
@@ -11613,10 +12336,10 @@
         </p:nvGrpSpPr>
         <p:grpSpPr bwMode="auto">
           <a:xfrm>
-            <a:off x="838200" y="2028825"/>
-            <a:ext cx="7594600" cy="3030538"/>
+            <a:off x="838200" y="1676400"/>
+            <a:ext cx="7848608" cy="3063876"/>
             <a:chOff x="571" y="1278"/>
-            <a:chExt cx="4784" cy="1909"/>
+            <a:chExt cx="4944" cy="1930"/>
           </a:xfrm>
         </p:grpSpPr>
         <p:sp>
@@ -11635,8 +12358,8 @@
           </p:nvSpPr>
           <p:spPr bwMode="auto">
             <a:xfrm>
-              <a:off x="811" y="1278"/>
-              <a:ext cx="640" cy="231"/>
+              <a:off x="812" y="1278"/>
+              <a:ext cx="634" cy="233"/>
             </a:xfrm>
             <a:prstGeom prst="rect">
               <a:avLst/>
@@ -11657,13 +12380,13 @@
             <a:p>
               <a:pPr algn="ctr"/>
               <a:r>
-                <a:rPr lang="pt-PT" sz="1800">
+                <a:rPr lang="pt-PT" sz="1800" dirty="0">
                   <a:solidFill>
                     <a:srgbClr val="CC0000"/>
                   </a:solidFill>
-                  <a:latin typeface="Tahoma" pitchFamily="34" charset="0"/>
+                  <a:latin typeface="Tw Cen MT" panose="020B0602020104020603" pitchFamily="34" charset="77"/>
                 </a:rPr>
-                <a:t>Attacker</a:t>
+                <a:t>Atacante</a:t>
               </a:r>
             </a:p>
           </p:txBody>
@@ -11723,7 +12446,7 @@
           <p:spPr bwMode="auto">
             <a:xfrm>
               <a:off x="3436" y="1766"/>
-              <a:ext cx="1919" cy="520"/>
+              <a:ext cx="2079" cy="756"/>
             </a:xfrm>
             <a:prstGeom prst="rect">
               <a:avLst/>
@@ -11737,19 +12460,19 @@
             </a:ln>
           </p:spPr>
           <p:txBody>
-            <a:bodyPr wrap="none">
+            <a:bodyPr wrap="square">
               <a:spAutoFit/>
             </a:bodyPr>
             <a:lstStyle/>
             <a:p>
               <a:r>
-                <a:rPr lang="pt-PT">
+                <a:rPr lang="pt-PT" dirty="0">
                   <a:solidFill>
                     <a:srgbClr val="3366CC"/>
                   </a:solidFill>
-                  <a:latin typeface="Tahoma" pitchFamily="34" charset="0"/>
+                  <a:latin typeface="Tw Cen MT" panose="020B0602020104020603" pitchFamily="34" charset="77"/>
                 </a:rPr>
-                <a:t>vulnerable web application</a:t>
+                <a:t>Aplicação web vulnerável</a:t>
               </a:r>
             </a:p>
             <a:p>
@@ -11758,56 +12481,40 @@
                 <a:buChar char="à"/>
               </a:pPr>
               <a:r>
-                <a:rPr lang="pt-PT" i="1">
+                <a:rPr lang="pt-PT" i="1" dirty="0">
                   <a:solidFill>
                     <a:srgbClr val="3366CC"/>
                   </a:solidFill>
-                  <a:latin typeface="Tahoma" pitchFamily="34" charset="0"/>
+                  <a:latin typeface="Tw Cen MT" panose="020B0602020104020603" pitchFamily="34" charset="77"/>
                   <a:sym typeface="Wingdings" pitchFamily="2" charset="2"/>
                 </a:rPr>
-                <a:t>stores and </a:t>
+                <a:t>Armazena o script e </a:t>
               </a:r>
               <a:r>
-                <a:rPr lang="pt-PT" b="1" i="1" u="sng">
+                <a:rPr lang="pt-PT" b="1" i="1" u="sng" dirty="0">
                   <a:solidFill>
                     <a:srgbClr val="3366CC"/>
                   </a:solidFill>
-                  <a:latin typeface="Tahoma" pitchFamily="34" charset="0"/>
+                  <a:latin typeface="Tw Cen MT" panose="020B0602020104020603" pitchFamily="34" charset="77"/>
                   <a:sym typeface="Wingdings" pitchFamily="2" charset="2"/>
                 </a:rPr>
-                <a:t>later</a:t>
+                <a:t>depois</a:t>
               </a:r>
               <a:r>
-                <a:rPr lang="pt-PT" i="1">
+                <a:rPr lang="pt-PT" i="1" dirty="0">
                   <a:solidFill>
                     <a:srgbClr val="3366CC"/>
                   </a:solidFill>
-                  <a:latin typeface="Tahoma" pitchFamily="34" charset="0"/>
+                  <a:latin typeface="Tw Cen MT" panose="020B0602020104020603" pitchFamily="34" charset="77"/>
                   <a:sym typeface="Wingdings" pitchFamily="2" charset="2"/>
                 </a:rPr>
-                <a:t> sends script </a:t>
+                <a:t> envia o script enviado pelo atacante</a:t>
               </a:r>
-            </a:p>
-            <a:p>
-              <a:pPr>
-                <a:buFont typeface="Wingdings" pitchFamily="2" charset="2"/>
-                <a:buNone/>
-              </a:pPr>
-              <a:r>
-                <a:rPr lang="pt-PT" i="1">
-                  <a:solidFill>
-                    <a:srgbClr val="3366CC"/>
-                  </a:solidFill>
-                  <a:latin typeface="Tahoma" pitchFamily="34" charset="0"/>
-                  <a:sym typeface="Wingdings" pitchFamily="2" charset="2"/>
-                </a:rPr>
-                <a:t>   send by the attacker</a:t>
-              </a:r>
-              <a:endParaRPr lang="pt-PT" i="1">
+              <a:endParaRPr lang="pt-PT" i="1" dirty="0">
                 <a:solidFill>
                   <a:srgbClr val="3366CC"/>
                 </a:solidFill>
-                <a:latin typeface="Tahoma" pitchFamily="34" charset="0"/>
+                <a:latin typeface="Tw Cen MT" panose="020B0602020104020603" pitchFamily="34" charset="77"/>
               </a:endParaRPr>
             </a:p>
           </p:txBody>
@@ -11848,7 +12555,9 @@
             <a:bodyPr/>
             <a:lstStyle/>
             <a:p>
-              <a:endParaRPr lang="pt-PT"/>
+              <a:endParaRPr lang="pt-PT">
+                <a:latin typeface="Tw Cen MT" panose="020B0602020104020603" pitchFamily="34" charset="77"/>
+              </a:endParaRPr>
             </a:p>
           </p:txBody>
         </p:sp>
@@ -11869,7 +12578,7 @@
           <p:spPr bwMode="auto">
             <a:xfrm>
               <a:off x="1934" y="1652"/>
-              <a:ext cx="650" cy="212"/>
+              <a:ext cx="662" cy="233"/>
             </a:xfrm>
             <a:prstGeom prst="rect">
               <a:avLst/>
@@ -11893,7 +12602,7 @@
                   <a:solidFill>
                     <a:srgbClr val="CC0000"/>
                   </a:solidFill>
-                  <a:latin typeface="Tahoma" pitchFamily="34" charset="0"/>
+                  <a:latin typeface="Tw Cen MT" panose="020B0602020104020603" pitchFamily="34" charset="77"/>
                 </a:rPr>
                 <a:t>evil script</a:t>
               </a:r>
@@ -11936,7 +12645,9 @@
             <a:bodyPr/>
             <a:lstStyle/>
             <a:p>
-              <a:endParaRPr lang="pt-PT"/>
+              <a:endParaRPr lang="pt-PT">
+                <a:latin typeface="Tw Cen MT" panose="020B0602020104020603" pitchFamily="34" charset="77"/>
+              </a:endParaRPr>
             </a:p>
           </p:txBody>
         </p:sp>
@@ -11956,8 +12667,8 @@
           </p:nvSpPr>
           <p:spPr bwMode="auto">
             <a:xfrm>
-              <a:off x="1933" y="2447"/>
-              <a:ext cx="1379" cy="212"/>
+              <a:off x="1971" y="2447"/>
+              <a:ext cx="1301" cy="233"/>
             </a:xfrm>
             <a:prstGeom prst="rect">
               <a:avLst/>
@@ -11982,7 +12693,7 @@
                   <a:solidFill>
                     <a:srgbClr val="CC0000"/>
                   </a:solidFill>
-                  <a:latin typeface="Tahoma" pitchFamily="34" charset="0"/>
+                  <a:latin typeface="Tw Cen MT" panose="020B0602020104020603" pitchFamily="34" charset="77"/>
                 </a:rPr>
                 <a:t>evil</a:t>
               </a:r>
@@ -11991,61 +12702,10 @@
                   <a:solidFill>
                     <a:srgbClr val="CC0000"/>
                   </a:solidFill>
-                  <a:latin typeface="Tahoma" pitchFamily="34" charset="0"/>
+                  <a:latin typeface="Tw Cen MT" panose="020B0602020104020603" pitchFamily="34" charset="77"/>
                 </a:rPr>
-                <a:t> script </a:t>
+                <a:t> script na página</a:t>
               </a:r>
-              <a:r>
-                <a:rPr lang="pt-PT" dirty="0" err="1">
-                  <a:solidFill>
-                    <a:srgbClr val="CC0000"/>
-                  </a:solidFill>
-                  <a:latin typeface="Tahoma" pitchFamily="34" charset="0"/>
-                </a:rPr>
-                <a:t>in</a:t>
-              </a:r>
-              <a:r>
-                <a:rPr lang="pt-PT" dirty="0">
-                  <a:solidFill>
-                    <a:srgbClr val="CC0000"/>
-                  </a:solidFill>
-                  <a:latin typeface="Tahoma" pitchFamily="34" charset="0"/>
-                </a:rPr>
-                <a:t> </a:t>
-              </a:r>
-              <a:r>
-                <a:rPr lang="pt-PT" dirty="0" err="1">
-                  <a:solidFill>
-                    <a:srgbClr val="CC0000"/>
-                  </a:solidFill>
-                  <a:latin typeface="Tahoma" pitchFamily="34" charset="0"/>
-                </a:rPr>
-                <a:t>web</a:t>
-              </a:r>
-              <a:r>
-                <a:rPr lang="pt-PT" dirty="0">
-                  <a:solidFill>
-                    <a:srgbClr val="CC0000"/>
-                  </a:solidFill>
-                  <a:latin typeface="Tahoma" pitchFamily="34" charset="0"/>
-                </a:rPr>
-                <a:t> </a:t>
-              </a:r>
-              <a:r>
-                <a:rPr lang="pt-PT" dirty="0" err="1">
-                  <a:solidFill>
-                    <a:srgbClr val="CC0000"/>
-                  </a:solidFill>
-                  <a:latin typeface="Tahoma" pitchFamily="34" charset="0"/>
-                </a:rPr>
-                <a:t>page</a:t>
-              </a:r>
-              <a:endParaRPr lang="pt-PT" dirty="0">
-                <a:solidFill>
-                  <a:srgbClr val="CC0000"/>
-                </a:solidFill>
-                <a:latin typeface="Tahoma" pitchFamily="34" charset="0"/>
-              </a:endParaRPr>
             </a:p>
           </p:txBody>
         </p:sp>
@@ -12066,7 +12726,7 @@
           <p:spPr bwMode="auto">
             <a:xfrm>
               <a:off x="571" y="2975"/>
-              <a:ext cx="1427" cy="212"/>
+              <a:ext cx="1614" cy="233"/>
             </a:xfrm>
             <a:prstGeom prst="rect">
               <a:avLst/>
@@ -12086,13 +12746,31 @@
             <a:lstStyle/>
             <a:p>
               <a:r>
-                <a:rPr lang="pt-PT">
+                <a:rPr lang="pt-PT" dirty="0">
                   <a:solidFill>
                     <a:srgbClr val="3366CC"/>
                   </a:solidFill>
-                  <a:latin typeface="Tahoma" pitchFamily="34" charset="0"/>
+                  <a:latin typeface="Tw Cen MT" panose="020B0602020104020603" pitchFamily="34" charset="77"/>
                 </a:rPr>
-                <a:t>browser runs evil script</a:t>
+                <a:t>browser corre o </a:t>
+              </a:r>
+              <a:r>
+                <a:rPr lang="pt-PT" dirty="0" err="1">
+                  <a:solidFill>
+                    <a:srgbClr val="3366CC"/>
+                  </a:solidFill>
+                  <a:latin typeface="Tw Cen MT" panose="020B0602020104020603" pitchFamily="34" charset="77"/>
+                </a:rPr>
+                <a:t>evil</a:t>
+              </a:r>
+              <a:r>
+                <a:rPr lang="pt-PT" dirty="0">
+                  <a:solidFill>
+                    <a:srgbClr val="3366CC"/>
+                  </a:solidFill>
+                  <a:latin typeface="Tw Cen MT" panose="020B0602020104020603" pitchFamily="34" charset="77"/>
+                </a:rPr>
+                <a:t> script</a:t>
               </a:r>
             </a:p>
           </p:txBody>
@@ -12625,35 +13303,228 @@
         </p:nvSpPr>
         <p:spPr/>
         <p:txBody>
-          <a:bodyPr/>
+          <a:bodyPr>
+            <a:normAutofit lnSpcReduction="10000"/>
+          </a:bodyPr>
           <a:lstStyle/>
           <a:p>
             <a:r>
               <a:rPr lang="en-US" dirty="0"/>
-              <a:t>A3 – Broken authentication and session management</a:t>
-            </a:r>
+              <a:t>A3 – </a:t>
+            </a:r>
+            <a:r>
+              <a:rPr lang="en-US" dirty="0" err="1"/>
+              <a:t>Quebra</a:t>
+            </a:r>
+            <a:r>
+              <a:rPr lang="en-US" dirty="0"/>
+              <a:t> de </a:t>
+            </a:r>
+            <a:r>
+              <a:rPr lang="en-US" dirty="0" err="1"/>
+              <a:t>autenticação</a:t>
+            </a:r>
+            <a:r>
+              <a:rPr lang="en-US" dirty="0"/>
+              <a:t> e de </a:t>
+            </a:r>
+            <a:r>
+              <a:rPr lang="en-US" dirty="0" err="1"/>
+              <a:t>sessões</a:t>
+            </a:r>
+            <a:endParaRPr lang="en-US" dirty="0"/>
           </a:p>
           <a:p>
             <a:pPr lvl="1"/>
             <a:r>
               <a:rPr lang="en-US" dirty="0"/>
-              <a:t>Ex: session hijacking - Attacker discovers an open session ID and sends commands to that session</a:t>
-            </a:r>
-          </a:p>
-          <a:p>
+              <a:t>Ex: session hijacking – </a:t>
+            </a:r>
+            <a:r>
+              <a:rPr lang="en-US" dirty="0" err="1"/>
+              <a:t>atacante</a:t>
+            </a:r>
+            <a:r>
+              <a:rPr lang="en-US" dirty="0"/>
+              <a:t> </a:t>
+            </a:r>
+            <a:r>
+              <a:rPr lang="en-US" dirty="0" err="1"/>
+              <a:t>descobre</a:t>
+            </a:r>
+            <a:r>
+              <a:rPr lang="en-US" dirty="0"/>
+              <a:t> um ID de </a:t>
+            </a:r>
+            <a:r>
+              <a:rPr lang="en-US" dirty="0" err="1"/>
+              <a:t>sessão</a:t>
+            </a:r>
+            <a:r>
+              <a:rPr lang="en-US" dirty="0"/>
+              <a:t> </a:t>
+            </a:r>
+            <a:r>
+              <a:rPr lang="en-US" dirty="0" err="1"/>
+              <a:t>aberta</a:t>
+            </a:r>
+            <a:r>
+              <a:rPr lang="en-US" dirty="0"/>
+              <a:t> e </a:t>
+            </a:r>
+            <a:r>
+              <a:rPr lang="en-US" dirty="0" err="1"/>
+              <a:t>envia</a:t>
+            </a:r>
+            <a:r>
+              <a:rPr lang="en-US" dirty="0"/>
+              <a:t> commandos para </a:t>
+            </a:r>
+            <a:r>
+              <a:rPr lang="en-US" dirty="0" err="1"/>
+              <a:t>essa</a:t>
+            </a:r>
+            <a:r>
+              <a:rPr lang="en-US" dirty="0"/>
+              <a:t> </a:t>
+            </a:r>
+            <a:r>
+              <a:rPr lang="en-US" dirty="0" err="1"/>
+              <a:t>sessão</a:t>
+            </a:r>
             <a:endParaRPr lang="en-US" dirty="0"/>
           </a:p>
           <a:p>
+            <a:endParaRPr lang="en-US" dirty="0"/>
+          </a:p>
+          <a:p>
             <a:r>
               <a:rPr lang="en-US" dirty="0"/>
-              <a:t>A4 – Direct object reference</a:t>
-            </a:r>
+              <a:t>A4 – </a:t>
+            </a:r>
+            <a:r>
+              <a:rPr lang="en-US" dirty="0" err="1"/>
+              <a:t>Referência</a:t>
+            </a:r>
+            <a:r>
+              <a:rPr lang="en-US" dirty="0"/>
+              <a:t> directa de </a:t>
+            </a:r>
+            <a:r>
+              <a:rPr lang="en-US" dirty="0" err="1"/>
+              <a:t>objectos</a:t>
+            </a:r>
+            <a:endParaRPr lang="en-US" dirty="0"/>
           </a:p>
           <a:p>
             <a:pPr lvl="1"/>
             <a:r>
               <a:rPr lang="en-US" dirty="0"/>
-              <a:t>Site exposes a reference to an internal implementation object and no proper access control, e.g., photos, etc.</a:t>
+              <a:t>O site </a:t>
+            </a:r>
+            <a:r>
+              <a:rPr lang="en-US" dirty="0" err="1"/>
+              <a:t>expõe</a:t>
+            </a:r>
+            <a:r>
+              <a:rPr lang="en-US" dirty="0"/>
+              <a:t> a </a:t>
+            </a:r>
+            <a:r>
+              <a:rPr lang="en-US" dirty="0" err="1"/>
+              <a:t>referência</a:t>
+            </a:r>
+            <a:r>
+              <a:rPr lang="en-US" dirty="0"/>
+              <a:t> para </a:t>
+            </a:r>
+            <a:r>
+              <a:rPr lang="en-US" dirty="0" err="1"/>
+              <a:t>uma</a:t>
+            </a:r>
+            <a:r>
+              <a:rPr lang="en-US" dirty="0"/>
+              <a:t> </a:t>
+            </a:r>
+            <a:r>
+              <a:rPr lang="en-US" dirty="0" err="1"/>
+              <a:t>implementação</a:t>
+            </a:r>
+            <a:r>
+              <a:rPr lang="en-US" dirty="0"/>
+              <a:t> </a:t>
+            </a:r>
+            <a:r>
+              <a:rPr lang="en-US" dirty="0" err="1"/>
+              <a:t>interna</a:t>
+            </a:r>
+            <a:r>
+              <a:rPr lang="en-US" dirty="0"/>
+              <a:t> de um objecto </a:t>
+            </a:r>
+            <a:r>
+              <a:rPr lang="en-US" dirty="0" err="1"/>
+              <a:t>sem</a:t>
+            </a:r>
+            <a:r>
+              <a:rPr lang="en-US" dirty="0"/>
+              <a:t> </a:t>
+            </a:r>
+            <a:r>
+              <a:rPr lang="en-US" dirty="0" err="1"/>
+              <a:t>controlo</a:t>
+            </a:r>
+            <a:r>
+              <a:rPr lang="en-US" dirty="0"/>
+              <a:t> de </a:t>
+            </a:r>
+            <a:r>
+              <a:rPr lang="en-US" dirty="0" err="1"/>
+              <a:t>acesso</a:t>
+            </a:r>
+            <a:r>
+              <a:rPr lang="en-US" dirty="0"/>
+              <a:t> </a:t>
+            </a:r>
+            <a:r>
+              <a:rPr lang="en-US" dirty="0" err="1"/>
+              <a:t>apropriado</a:t>
+            </a:r>
+            <a:r>
+              <a:rPr lang="en-US" dirty="0"/>
+              <a:t>, ex., </a:t>
+            </a:r>
+            <a:r>
+              <a:rPr lang="en-US" dirty="0" err="1"/>
+              <a:t>fotografias</a:t>
+            </a:r>
+            <a:r>
+              <a:rPr lang="en-US" dirty="0"/>
+              <a:t> </a:t>
+            </a:r>
+            <a:r>
+              <a:rPr lang="en-US" dirty="0" err="1"/>
+              <a:t>acessíveis</a:t>
+            </a:r>
+            <a:r>
+              <a:rPr lang="en-US" dirty="0"/>
+              <a:t> </a:t>
+            </a:r>
+            <a:r>
+              <a:rPr lang="en-US" dirty="0" err="1"/>
+              <a:t>directamente</a:t>
+            </a:r>
+            <a:r>
+              <a:rPr lang="en-US" dirty="0"/>
+              <a:t> </a:t>
+            </a:r>
+            <a:r>
+              <a:rPr lang="en-US" dirty="0" err="1"/>
+              <a:t>por</a:t>
+            </a:r>
+            <a:r>
+              <a:rPr lang="en-US" dirty="0"/>
+              <a:t> URL, etc.</a:t>
             </a:r>
           </a:p>
           <a:p>
@@ -12668,12 +13539,89 @@
           <a:p>
             <a:pPr lvl="1"/>
             <a:r>
+              <a:rPr lang="en-US" dirty="0" err="1"/>
+              <a:t>Força</a:t>
+            </a:r>
+            <a:r>
               <a:rPr lang="en-US" dirty="0"/>
-              <a:t>Force user to execute unwanted actions in a vulnerable site in which he/she is authenticated</a:t>
-            </a:r>
-          </a:p>
-          <a:p>
-            <a:pPr lvl="1"/>
+              <a:t> o </a:t>
+            </a:r>
+            <a:r>
+              <a:rPr lang="en-US" dirty="0" err="1"/>
+              <a:t>utilizador</a:t>
+            </a:r>
+            <a:r>
+              <a:rPr lang="en-US" dirty="0"/>
+              <a:t> a </a:t>
+            </a:r>
+            <a:r>
+              <a:rPr lang="en-US" dirty="0" err="1"/>
+              <a:t>executar</a:t>
+            </a:r>
+            <a:r>
+              <a:rPr lang="en-US" dirty="0"/>
+              <a:t> </a:t>
+            </a:r>
+            <a:r>
+              <a:rPr lang="en-US" dirty="0" err="1"/>
+              <a:t>acções</a:t>
+            </a:r>
+            <a:r>
+              <a:rPr lang="en-US" dirty="0"/>
+              <a:t> </a:t>
+            </a:r>
+            <a:r>
+              <a:rPr lang="en-US" dirty="0" err="1"/>
+              <a:t>não</a:t>
+            </a:r>
+            <a:r>
+              <a:rPr lang="en-US" dirty="0"/>
+              <a:t> </a:t>
+            </a:r>
+            <a:r>
+              <a:rPr lang="en-US" dirty="0" err="1"/>
+              <a:t>desejadas</a:t>
+            </a:r>
+            <a:r>
+              <a:rPr lang="en-US" dirty="0"/>
+              <a:t> </a:t>
+            </a:r>
+            <a:r>
+              <a:rPr lang="en-US" dirty="0" err="1"/>
+              <a:t>num</a:t>
+            </a:r>
+            <a:r>
+              <a:rPr lang="en-US" dirty="0"/>
+              <a:t> site no </a:t>
+            </a:r>
+            <a:r>
+              <a:rPr lang="en-US" dirty="0" err="1"/>
+              <a:t>qual</a:t>
+            </a:r>
+            <a:r>
+              <a:rPr lang="en-US" dirty="0"/>
+              <a:t> a </a:t>
+            </a:r>
+            <a:r>
+              <a:rPr lang="en-US" dirty="0" err="1"/>
+              <a:t>pessoa</a:t>
+            </a:r>
+            <a:r>
+              <a:rPr lang="en-US" dirty="0"/>
+              <a:t> se </a:t>
+            </a:r>
+            <a:r>
+              <a:rPr lang="en-US" dirty="0" err="1"/>
+              <a:t>encontra</a:t>
+            </a:r>
+            <a:r>
+              <a:rPr lang="en-US" dirty="0"/>
+              <a:t> </a:t>
+            </a:r>
+            <a:r>
+              <a:rPr lang="en-US" dirty="0" err="1"/>
+              <a:t>autenticada</a:t>
+            </a:r>
             <a:endParaRPr lang="en-US" dirty="0"/>
           </a:p>
         </p:txBody>
@@ -12847,9 +13795,86 @@
           </a:bodyPr>
           <a:lstStyle/>
           <a:p>
+            <a:endParaRPr lang="en-US" sz="2400" dirty="0"/>
+          </a:p>
+          <a:p>
             <a:r>
               <a:rPr lang="en-US" sz="2400" dirty="0"/>
-              <a:t>Corridas </a:t>
+              <a:t>As </a:t>
+            </a:r>
+            <a:r>
+              <a:rPr lang="en-US" sz="2400" dirty="0" err="1"/>
+              <a:t>aplicações</a:t>
+            </a:r>
+            <a:r>
+              <a:rPr lang="en-US" sz="2400" dirty="0"/>
+              <a:t> Web </a:t>
+            </a:r>
+            <a:r>
+              <a:rPr lang="en-US" sz="2400" dirty="0" err="1"/>
+              <a:t>reúnem</a:t>
+            </a:r>
+            <a:r>
+              <a:rPr lang="en-US" sz="2400" dirty="0"/>
+              <a:t> </a:t>
+            </a:r>
+            <a:r>
+              <a:rPr lang="en-US" sz="2400" dirty="0" err="1"/>
+              <a:t>todos</a:t>
+            </a:r>
+            <a:r>
+              <a:rPr lang="en-US" sz="2400" dirty="0"/>
+              <a:t> </a:t>
+            </a:r>
+            <a:r>
+              <a:rPr lang="en-US" sz="2400" dirty="0" err="1"/>
+              <a:t>os</a:t>
+            </a:r>
+            <a:r>
+              <a:rPr lang="en-US" sz="2400" dirty="0"/>
+              <a:t> </a:t>
+            </a:r>
+            <a:r>
+              <a:rPr lang="en-US" sz="2400" dirty="0" err="1"/>
+              <a:t>ingredientes</a:t>
+            </a:r>
+            <a:r>
+              <a:rPr lang="en-US" sz="2400" dirty="0"/>
+              <a:t> para </a:t>
+            </a:r>
+            <a:r>
+              <a:rPr lang="en-US" sz="2400" dirty="0" err="1"/>
+              <a:t>sofrerem</a:t>
+            </a:r>
+            <a:r>
+              <a:rPr lang="en-US" sz="2400" dirty="0"/>
+              <a:t> </a:t>
+            </a:r>
+            <a:r>
+              <a:rPr lang="en-US" sz="2400" dirty="0" err="1"/>
+              <a:t>vulnerabilidades</a:t>
+            </a:r>
+            <a:endParaRPr lang="en-US" sz="2400" dirty="0"/>
+          </a:p>
+          <a:p>
+            <a:endParaRPr lang="en-US" sz="2400" dirty="0"/>
+          </a:p>
+          <a:p>
+            <a:r>
+              <a:rPr lang="en-US" sz="2400" dirty="0" err="1"/>
+              <a:t>Essas</a:t>
+            </a:r>
+            <a:r>
+              <a:rPr lang="en-US" sz="2400" dirty="0"/>
+              <a:t> </a:t>
+            </a:r>
+            <a:r>
+              <a:rPr lang="en-US" sz="2400" dirty="0" err="1"/>
+              <a:t>vulnerabilidades</a:t>
+            </a:r>
+            <a:r>
+              <a:rPr lang="en-US" sz="2400" dirty="0"/>
+              <a:t> </a:t>
             </a:r>
             <a:r>
               <a:rPr lang="en-US" sz="2400" dirty="0" err="1"/>
@@ -12861,23 +13886,7 @@
             </a:r>
             <a:r>
               <a:rPr lang="en-US" sz="2400" dirty="0" err="1"/>
-              <a:t>violações</a:t>
-            </a:r>
-            <a:r>
-              <a:rPr lang="en-US" sz="2400" dirty="0"/>
-              <a:t> das </a:t>
-            </a:r>
-            <a:r>
-              <a:rPr lang="en-US" sz="2400" dirty="0" err="1"/>
-              <a:t>espectativas</a:t>
-            </a:r>
-            <a:r>
-              <a:rPr lang="en-US" sz="2400" dirty="0"/>
-              <a:t> do </a:t>
-            </a:r>
-            <a:r>
-              <a:rPr lang="en-US" sz="2400" dirty="0" err="1"/>
-              <a:t>programador</a:t>
+              <a:t>muito</a:t>
             </a:r>
             <a:r>
               <a:rPr lang="en-US" sz="2400" dirty="0"/>
@@ -12885,23 +13894,15 @@
             </a:r>
             <a:r>
               <a:rPr lang="en-US" sz="2400" dirty="0" err="1"/>
-              <a:t>sobre</a:t>
+              <a:t>frequentes</a:t>
             </a:r>
             <a:r>
               <a:rPr lang="en-US" sz="2400" dirty="0"/>
-              <a:t> a </a:t>
+              <a:t>, </a:t>
             </a:r>
             <a:r>
               <a:rPr lang="en-US" sz="2400" dirty="0" err="1"/>
-              <a:t>atomicidade</a:t>
-            </a:r>
-            <a:r>
-              <a:rPr lang="en-US" sz="2400" dirty="0"/>
-              <a:t> de um </a:t>
-            </a:r>
-            <a:r>
-              <a:rPr lang="en-US" sz="2400" dirty="0" err="1"/>
-              <a:t>programa</a:t>
+              <a:t>muito</a:t>
             </a:r>
             <a:r>
               <a:rPr lang="en-US" sz="2400" dirty="0"/>
@@ -12909,7 +13910,7 @@
             </a:r>
             <a:r>
               <a:rPr lang="en-US" sz="2400" dirty="0" err="1"/>
-              <a:t>durante</a:t>
+              <a:t>abusadas</a:t>
             </a:r>
             <a:r>
               <a:rPr lang="en-US" sz="2400" dirty="0"/>
@@ -12917,7 +13918,7 @@
             </a:r>
             <a:r>
               <a:rPr lang="en-US" sz="2400" dirty="0" err="1"/>
-              <a:t>uma</a:t>
+              <a:t>actualmente</a:t>
             </a:r>
             <a:r>
               <a:rPr lang="en-US" sz="2400" dirty="0"/>
@@ -12925,7 +13926,23 @@
             </a:r>
             <a:r>
               <a:rPr lang="en-US" sz="2400" dirty="0" err="1"/>
-              <a:t>janela</a:t>
+              <a:t>por</a:t>
+            </a:r>
+            <a:r>
+              <a:rPr lang="en-US" sz="2400" dirty="0"/>
+              <a:t> </a:t>
+            </a:r>
+            <a:r>
+              <a:rPr lang="en-US" sz="2400" dirty="0" err="1"/>
+              <a:t>atacantes</a:t>
+            </a:r>
+            <a:r>
+              <a:rPr lang="en-US" sz="2400" dirty="0"/>
+              <a:t>, e com </a:t>
+            </a:r>
+            <a:r>
+              <a:rPr lang="en-US" sz="2400" dirty="0" err="1"/>
+              <a:t>consequências</a:t>
             </a:r>
             <a:r>
               <a:rPr lang="en-US" sz="2400" dirty="0"/>
@@ -12933,17 +13950,7 @@
             </a:r>
             <a:r>
               <a:rPr lang="en-US" sz="2400" dirty="0" err="1"/>
-              <a:t>vulnerabilidade</a:t>
-            </a:r>
-            <a:endParaRPr lang="en-US" sz="2400" dirty="0"/>
-          </a:p>
-          <a:p>
-            <a:endParaRPr lang="en-US" sz="2400" dirty="0"/>
-          </a:p>
-          <a:p>
-            <a:r>
-              <a:rPr lang="en-US" sz="2400" dirty="0" err="1"/>
-              <a:t>Os</a:t>
+              <a:t>grande</a:t>
             </a:r>
             <a:r>
               <a:rPr lang="en-US" sz="2400" dirty="0"/>
@@ -12951,7 +13958,17 @@
             </a:r>
             <a:r>
               <a:rPr lang="en-US" sz="2400" dirty="0" err="1"/>
-              <a:t>principais</a:t>
+              <a:t>gravidade</a:t>
+            </a:r>
+            <a:endParaRPr lang="en-US" sz="2400" dirty="0"/>
+          </a:p>
+          <a:p>
+            <a:endParaRPr lang="en-US" sz="2400" i="1" dirty="0"/>
+          </a:p>
+          <a:p>
+            <a:r>
+              <a:rPr lang="en-US" sz="2400" dirty="0" err="1"/>
+              <a:t>Desses</a:t>
             </a:r>
             <a:r>
               <a:rPr lang="en-US" sz="2400" dirty="0"/>
@@ -12959,7 +13976,63 @@
             </a:r>
             <a:r>
               <a:rPr lang="en-US" sz="2400" dirty="0" err="1"/>
-              <a:t>objectivos</a:t>
+              <a:t>ataques</a:t>
+            </a:r>
+            <a:r>
+              <a:rPr lang="en-US" sz="2400" dirty="0"/>
+              <a:t>, </a:t>
+            </a:r>
+            <a:r>
+              <a:rPr lang="en-US" sz="2400" dirty="0" err="1"/>
+              <a:t>são</a:t>
+            </a:r>
+            <a:r>
+              <a:rPr lang="en-US" sz="2400" dirty="0"/>
+              <a:t> </a:t>
+            </a:r>
+            <a:r>
+              <a:rPr lang="en-US" sz="2400" dirty="0" err="1"/>
+              <a:t>particularmente</a:t>
+            </a:r>
+            <a:r>
+              <a:rPr lang="en-US" sz="2400" dirty="0"/>
+              <a:t> </a:t>
+            </a:r>
+            <a:r>
+              <a:rPr lang="en-US" sz="2400" dirty="0" err="1"/>
+              <a:t>comuns</a:t>
+            </a:r>
+            <a:r>
+              <a:rPr lang="en-US" sz="2400" dirty="0"/>
+              <a:t> e graves, </a:t>
+            </a:r>
+            <a:r>
+              <a:rPr lang="en-US" sz="2400" dirty="0" err="1"/>
+              <a:t>os</a:t>
+            </a:r>
+            <a:r>
+              <a:rPr lang="en-US" sz="2400" dirty="0"/>
+              <a:t> </a:t>
+            </a:r>
+            <a:r>
+              <a:rPr lang="en-US" sz="2400" dirty="0" err="1"/>
+              <a:t>ataques</a:t>
+            </a:r>
+            <a:r>
+              <a:rPr lang="en-US" sz="2400" dirty="0"/>
+              <a:t> </a:t>
+            </a:r>
+            <a:r>
+              <a:rPr lang="en-US" sz="2400" dirty="0" err="1"/>
+              <a:t>por</a:t>
+            </a:r>
+            <a:r>
+              <a:rPr lang="en-US" sz="2400" dirty="0"/>
+              <a:t> </a:t>
+            </a:r>
+            <a:r>
+              <a:rPr lang="en-US" sz="2400" dirty="0" err="1"/>
+              <a:t>injecção</a:t>
             </a:r>
             <a:r>
               <a:rPr lang="en-US" sz="2400" dirty="0"/>
@@ -12967,217 +14040,11 @@
             </a:r>
             <a:r>
               <a:rPr lang="en-US" sz="2400" dirty="0" err="1"/>
-              <a:t>explorar</a:t>
+              <a:t>código</a:t>
             </a:r>
             <a:r>
               <a:rPr lang="en-US" sz="2400" dirty="0"/>
-              <a:t> </a:t>
-            </a:r>
-            <a:r>
-              <a:rPr lang="en-US" sz="2400" dirty="0" err="1"/>
-              <a:t>essas</a:t>
-            </a:r>
-            <a:r>
-              <a:rPr lang="en-US" sz="2400" dirty="0"/>
-              <a:t> </a:t>
-            </a:r>
-            <a:r>
-              <a:rPr lang="en-US" sz="2400" dirty="0" err="1"/>
-              <a:t>vulnerabilidades</a:t>
-            </a:r>
-            <a:r>
-              <a:rPr lang="en-US" sz="2400" dirty="0"/>
-              <a:t> </a:t>
-            </a:r>
-            <a:r>
-              <a:rPr lang="en-US" sz="2400" dirty="0" err="1"/>
-              <a:t>são</a:t>
-            </a:r>
-            <a:r>
-              <a:rPr lang="en-US" sz="2400" dirty="0"/>
-              <a:t> </a:t>
-            </a:r>
-            <a:r>
-              <a:rPr lang="en-US" sz="2400" dirty="0" err="1"/>
-              <a:t>escalar</a:t>
-            </a:r>
-            <a:r>
-              <a:rPr lang="en-US" sz="2400" dirty="0"/>
-              <a:t> </a:t>
-            </a:r>
-            <a:r>
-              <a:rPr lang="en-US" sz="2400" dirty="0" err="1"/>
-              <a:t>privilégios</a:t>
-            </a:r>
-            <a:r>
-              <a:rPr lang="en-US" sz="2400" dirty="0"/>
-              <a:t> e as </a:t>
-            </a:r>
-            <a:r>
-              <a:rPr lang="en-US" sz="2400" dirty="0" err="1"/>
-              <a:t>mais</a:t>
-            </a:r>
-            <a:r>
-              <a:rPr lang="en-US" sz="2400" dirty="0"/>
-              <a:t> </a:t>
-            </a:r>
-            <a:r>
-              <a:rPr lang="en-US" sz="2400" dirty="0" err="1"/>
-              <a:t>comuns</a:t>
-            </a:r>
-            <a:r>
-              <a:rPr lang="en-US" sz="2400" dirty="0"/>
-              <a:t> </a:t>
-            </a:r>
-            <a:r>
-              <a:rPr lang="en-US" sz="2400" dirty="0" err="1"/>
-              <a:t>são</a:t>
-            </a:r>
-            <a:r>
-              <a:rPr lang="en-US" sz="2400" dirty="0"/>
-              <a:t>: TOCTOU, </a:t>
-            </a:r>
-            <a:r>
-              <a:rPr lang="en-US" sz="2400" dirty="0" err="1"/>
-              <a:t>ficheiros</a:t>
-            </a:r>
-            <a:r>
-              <a:rPr lang="en-US" sz="2400" dirty="0"/>
-              <a:t> </a:t>
-            </a:r>
-            <a:r>
-              <a:rPr lang="en-US" sz="2400" dirty="0" err="1"/>
-              <a:t>temporários</a:t>
-            </a:r>
-            <a:r>
-              <a:rPr lang="en-US" sz="2400" dirty="0"/>
-              <a:t>, e </a:t>
-            </a:r>
-            <a:r>
-              <a:rPr lang="en-US" sz="2400" dirty="0" err="1"/>
-              <a:t>concorrência</a:t>
-            </a:r>
-            <a:endParaRPr lang="en-US" sz="2400" dirty="0"/>
-          </a:p>
-          <a:p>
-            <a:endParaRPr lang="en-US" sz="2400" i="1" dirty="0"/>
-          </a:p>
-          <a:p>
-            <a:r>
-              <a:rPr lang="en-US" sz="2400" dirty="0" err="1"/>
-              <a:t>Outra</a:t>
-            </a:r>
-            <a:r>
-              <a:rPr lang="en-US" sz="2400" dirty="0"/>
-              <a:t> </a:t>
-            </a:r>
-            <a:r>
-              <a:rPr lang="en-US" sz="2400" dirty="0" err="1"/>
-              <a:t>classe</a:t>
-            </a:r>
-            <a:r>
-              <a:rPr lang="en-US" sz="2400" dirty="0"/>
-              <a:t> de </a:t>
-            </a:r>
-            <a:r>
-              <a:rPr lang="en-US" sz="2400" dirty="0" err="1"/>
-              <a:t>vulnerabilidades</a:t>
-            </a:r>
-            <a:r>
-              <a:rPr lang="en-US" sz="2400" dirty="0"/>
-              <a:t> </a:t>
-            </a:r>
-            <a:r>
-              <a:rPr lang="en-US" sz="2400" dirty="0" err="1"/>
-              <a:t>é</a:t>
-            </a:r>
-            <a:r>
-              <a:rPr lang="en-US" sz="2400" dirty="0"/>
-              <a:t> </a:t>
-            </a:r>
-            <a:r>
-              <a:rPr lang="en-US" sz="2400" dirty="0" err="1"/>
-              <a:t>deficiente</a:t>
-            </a:r>
-            <a:r>
-              <a:rPr lang="en-US" sz="2400" dirty="0"/>
-              <a:t> </a:t>
-            </a:r>
-            <a:r>
-              <a:rPr lang="en-US" sz="2400" dirty="0" err="1"/>
-              <a:t>validação</a:t>
-            </a:r>
-            <a:r>
-              <a:rPr lang="en-US" sz="2400" dirty="0"/>
-              <a:t> de entradas, que </a:t>
-            </a:r>
-            <a:r>
-              <a:rPr lang="en-US" sz="2400" dirty="0" err="1"/>
-              <a:t>permite</a:t>
-            </a:r>
-            <a:r>
-              <a:rPr lang="en-US" sz="2400" dirty="0"/>
-              <a:t> </a:t>
-            </a:r>
-            <a:r>
-              <a:rPr lang="en-US" sz="2400" dirty="0" err="1"/>
-              <a:t>ao</a:t>
-            </a:r>
-            <a:r>
-              <a:rPr lang="en-US" sz="2400" dirty="0"/>
-              <a:t> </a:t>
-            </a:r>
-            <a:r>
-              <a:rPr lang="en-US" sz="2400" dirty="0" err="1"/>
-              <a:t>atancante</a:t>
-            </a:r>
-            <a:r>
-              <a:rPr lang="en-US" sz="2400" dirty="0"/>
-              <a:t> </a:t>
-            </a:r>
-            <a:r>
-              <a:rPr lang="en-US" sz="2400" dirty="0" err="1"/>
-              <a:t>injectar</a:t>
-            </a:r>
-            <a:r>
-              <a:rPr lang="en-US" sz="2400" dirty="0"/>
-              <a:t> dados que </a:t>
-            </a:r>
-            <a:r>
-              <a:rPr lang="en-US" sz="2400" dirty="0" err="1"/>
-              <a:t>resultem</a:t>
-            </a:r>
-            <a:r>
-              <a:rPr lang="en-US" sz="2400" dirty="0"/>
-              <a:t> </a:t>
-            </a:r>
-            <a:r>
-              <a:rPr lang="en-US" sz="2400" dirty="0" err="1"/>
-              <a:t>num</a:t>
-            </a:r>
-            <a:r>
-              <a:rPr lang="en-US" sz="2400" dirty="0"/>
-              <a:t> </a:t>
-            </a:r>
-            <a:r>
-              <a:rPr lang="en-US" sz="2400" dirty="0" err="1"/>
-              <a:t>desvio</a:t>
-            </a:r>
-            <a:r>
-              <a:rPr lang="en-US" sz="2400" dirty="0"/>
-              <a:t> do </a:t>
-            </a:r>
-            <a:r>
-              <a:rPr lang="en-US" sz="2400" dirty="0" err="1"/>
-              <a:t>comportamento</a:t>
-            </a:r>
-            <a:r>
-              <a:rPr lang="en-US" sz="2400" dirty="0"/>
-              <a:t> normal do </a:t>
-            </a:r>
-            <a:r>
-              <a:rPr lang="en-US" sz="2400" dirty="0" err="1"/>
-              <a:t>programa</a:t>
+              <a:t> e XSS</a:t>
             </a:r>
             <a:endParaRPr lang="en-US" sz="2000" dirty="0"/>
           </a:p>
@@ -13329,7 +14196,7 @@
             </a:r>
             <a:r>
               <a:rPr lang="en-US" dirty="0"/>
-              <a:t> 6 e 7</a:t>
+              <a:t> 8 e 9</a:t>
             </a:r>
           </a:p>
           <a:p>
@@ -13348,28 +14215,8 @@
           <a:p>
             <a:pPr lvl="1"/>
             <a:r>
-              <a:rPr lang="en-US" dirty="0" err="1"/>
-              <a:t>Vulnerabilidades</a:t>
-            </a:r>
-            <a:r>
               <a:rPr lang="en-US" dirty="0"/>
-              <a:t> </a:t>
-            </a:r>
-            <a:r>
-              <a:rPr lang="en-US" dirty="0" err="1"/>
-              <a:t>na</a:t>
-            </a:r>
-            <a:r>
-              <a:rPr lang="en-US" dirty="0"/>
-              <a:t> Web e </a:t>
-            </a:r>
-            <a:r>
-              <a:rPr lang="en-US" dirty="0" err="1"/>
-              <a:t>em</a:t>
-            </a:r>
-            <a:r>
-              <a:rPr lang="en-US" dirty="0"/>
-              <a:t> bases de dados</a:t>
+              <a:t>Auditoria e teste de software</a:t>
             </a:r>
           </a:p>
           <a:p>
@@ -13690,7 +14537,7 @@
         <p:spPr/>
         <p:txBody>
           <a:bodyPr>
-            <a:normAutofit fontScale="90000"/>
+            <a:normAutofit/>
           </a:bodyPr>
           <a:lstStyle/>
           <a:p>
@@ -13700,7 +14547,7 @@
             </a:r>
             <a:r>
               <a:rPr lang="en-US" dirty="0" err="1"/>
-              <a:t>encontramos</a:t>
+              <a:t>existem</a:t>
             </a:r>
             <a:r>
               <a:rPr lang="en-US" dirty="0"/>
@@ -13837,7 +14684,39 @@
             </a:pPr>
             <a:r>
               <a:rPr lang="en-US" dirty="0"/>
-              <a:t>The web suffers heavily from all the 3 causes of trouble: </a:t>
+              <a:t>A web </a:t>
+            </a:r>
+            <a:r>
+              <a:rPr lang="en-US" dirty="0" err="1"/>
+              <a:t>sofre</a:t>
+            </a:r>
+            <a:r>
+              <a:rPr lang="en-US" dirty="0"/>
+              <a:t> </a:t>
+            </a:r>
+            <a:r>
+              <a:rPr lang="en-US" dirty="0" err="1"/>
+              <a:t>imensamente</a:t>
+            </a:r>
+            <a:r>
+              <a:rPr lang="en-US" dirty="0"/>
+              <a:t> das 3 </a:t>
+            </a:r>
+            <a:r>
+              <a:rPr lang="en-US" dirty="0" err="1"/>
+              <a:t>fontes</a:t>
+            </a:r>
+            <a:r>
+              <a:rPr lang="en-US" dirty="0"/>
+              <a:t> de </a:t>
+            </a:r>
+            <a:r>
+              <a:rPr lang="en-US" dirty="0" err="1"/>
+              <a:t>problemas</a:t>
+            </a:r>
+            <a:r>
+              <a:rPr lang="en-US" dirty="0"/>
+              <a:t>: </a:t>
             </a:r>
           </a:p>
           <a:p>
@@ -13847,9 +14726,34 @@
               </a:lnSpc>
             </a:pPr>
             <a:r>
+              <a:rPr lang="en-US" dirty="0" err="1"/>
+              <a:t>complexidade</a:t>
+            </a:r>
+            <a:r>
               <a:rPr lang="en-US" dirty="0"/>
-              <a:t>complexity, extensibility, connectivity</a:t>
-            </a:r>
+              <a:t>, </a:t>
+            </a:r>
+            <a:r>
+              <a:rPr lang="en-US" dirty="0" err="1"/>
+              <a:t>extensibilidade</a:t>
+            </a:r>
+            <a:r>
+              <a:rPr lang="en-US" dirty="0"/>
+              <a:t>, </a:t>
+            </a:r>
+            <a:r>
+              <a:rPr lang="en-US" dirty="0" err="1"/>
+              <a:t>conectividade</a:t>
+            </a:r>
+            <a:endParaRPr lang="en-US" dirty="0"/>
+          </a:p>
+          <a:p>
+            <a:pPr lvl="1">
+              <a:lnSpc>
+                <a:spcPct val="90000"/>
+              </a:lnSpc>
+            </a:pPr>
+            <a:endParaRPr lang="en-US" dirty="0"/>
           </a:p>
           <a:p>
             <a:pPr>
@@ -13857,6 +14761,53 @@
                 <a:spcPct val="90000"/>
               </a:lnSpc>
             </a:pPr>
+            <a:r>
+              <a:rPr lang="en-US" dirty="0" err="1"/>
+              <a:t>Não</a:t>
+            </a:r>
+            <a:r>
+              <a:rPr lang="en-US" dirty="0"/>
+              <a:t> </a:t>
+            </a:r>
+            <a:r>
+              <a:rPr lang="en-US" dirty="0" err="1"/>
+              <a:t>uma</a:t>
+            </a:r>
+            <a:r>
+              <a:rPr lang="en-US" dirty="0"/>
+              <a:t> </a:t>
+            </a:r>
+            <a:r>
+              <a:rPr lang="en-US" dirty="0" err="1"/>
+              <a:t>tecnologia</a:t>
+            </a:r>
+            <a:r>
+              <a:rPr lang="en-US" dirty="0"/>
+              <a:t>, mas um “monte” de </a:t>
+            </a:r>
+            <a:r>
+              <a:rPr lang="en-US" dirty="0" err="1"/>
+              <a:t>tecnologias</a:t>
+            </a:r>
+            <a:endParaRPr lang="en-US" dirty="0"/>
+          </a:p>
+          <a:p>
+            <a:pPr lvl="1">
+              <a:lnSpc>
+                <a:spcPct val="90000"/>
+              </a:lnSpc>
+            </a:pPr>
+            <a:r>
+              <a:rPr lang="en-US" dirty="0"/>
+              <a:t>HTTP, HTTPS, HTML, XML, PHP, Java, ASP.NET, PHP, cookies, SQL, web services, Flash, Silverlight, frameworks,…</a:t>
+            </a:r>
+          </a:p>
+          <a:p>
+            <a:pPr lvl="1">
+              <a:lnSpc>
+                <a:spcPct val="90000"/>
+              </a:lnSpc>
+            </a:pPr>
             <a:endParaRPr lang="en-US" dirty="0"/>
           </a:p>
           <a:p>
@@ -13866,9 +14817,34 @@
               </a:lnSpc>
             </a:pPr>
             <a:r>
+              <a:rPr lang="en-US" dirty="0" err="1"/>
+              <a:t>Muitas</a:t>
+            </a:r>
+            <a:r>
               <a:rPr lang="en-US" dirty="0"/>
-              <a:t>Not 1 technology but a “blob” of technologies</a:t>
-            </a:r>
+              <a:t> </a:t>
+            </a:r>
+            <a:r>
+              <a:rPr lang="en-US" dirty="0" err="1"/>
+              <a:t>vulnerabilidades</a:t>
+            </a:r>
+            <a:r>
+              <a:rPr lang="en-US" dirty="0"/>
+              <a:t> </a:t>
+            </a:r>
+            <a:r>
+              <a:rPr lang="en-US" dirty="0" err="1"/>
+              <a:t>reportadas</a:t>
+            </a:r>
+            <a:r>
+              <a:rPr lang="en-US" dirty="0"/>
+              <a:t> e </a:t>
+            </a:r>
+            <a:r>
+              <a:rPr lang="en-US" dirty="0" err="1"/>
+              <a:t>abusadas</a:t>
+            </a:r>
+            <a:endParaRPr lang="en-US" dirty="0"/>
           </a:p>
           <a:p>
             <a:pPr lvl="1">
@@ -13878,37 +14854,35 @@
             </a:pPr>
             <a:r>
               <a:rPr lang="en-US" dirty="0"/>
-              <a:t>HTTP, HTTPS, HTML, XML, PHP, Java, ASP.NET, PHP, cookies, SQL, web services, Flash, Silverlight, frameworks,…</a:t>
-            </a:r>
-          </a:p>
-          <a:p>
-            <a:pPr>
+              <a:t>OWASP Project Top 10 Vulnerabilities</a:t>
+            </a:r>
+          </a:p>
+          <a:p>
+            <a:pPr lvl="2">
               <a:lnSpc>
                 <a:spcPct val="90000"/>
               </a:lnSpc>
             </a:pPr>
-            <a:endParaRPr lang="en-US" dirty="0"/>
-          </a:p>
-          <a:p>
-            <a:pPr>
+            <a:r>
+              <a:rPr lang="en-US" dirty="0"/>
+              <a:t>The Open Web Application Security Project (OWASP)</a:t>
+            </a:r>
+          </a:p>
+          <a:p>
+            <a:pPr lvl="2">
               <a:lnSpc>
                 <a:spcPct val="90000"/>
               </a:lnSpc>
             </a:pPr>
             <a:r>
+              <a:rPr lang="en-US" dirty="0">
+                <a:hlinkClick r:id="rId2"/>
+              </a:rPr>
+              <a:t>https://www.owasp.org</a:t>
+            </a:r>
+            <a:r>
               <a:rPr lang="en-US" dirty="0"/>
-              <a:t>Many vulnerabilities reported and exploited</a:t>
-            </a:r>
-          </a:p>
-          <a:p>
-            <a:pPr lvl="1">
-              <a:lnSpc>
-                <a:spcPct val="90000"/>
-              </a:lnSpc>
-            </a:pPr>
-            <a:r>
-              <a:rPr lang="en-US" dirty="0"/>
-              <a:t>OWASP Project Top 10 Vulnerabilities 2010 </a:t>
+              <a:t> </a:t>
             </a:r>
           </a:p>
           <a:p>
@@ -13916,6 +14890,36 @@
           </a:p>
         </p:txBody>
       </p:sp>
+      <p:pic>
+        <p:nvPicPr>
+          <p:cNvPr id="7" name="Picture 6">
+            <a:extLst>
+              <a:ext uri="{FF2B5EF4-FFF2-40B4-BE49-F238E27FC236}">
+                <a16:creationId xmlns:a16="http://schemas.microsoft.com/office/drawing/2014/main" id="{55D46808-AA9B-0544-9AE1-3476347F8F0F}"/>
+              </a:ext>
+            </a:extLst>
+          </p:cNvPr>
+          <p:cNvPicPr>
+            <a:picLocks noChangeAspect="1"/>
+          </p:cNvPicPr>
+          <p:nvPr/>
+        </p:nvPicPr>
+        <p:blipFill>
+          <a:blip r:embed="rId3"/>
+          <a:stretch>
+            <a:fillRect/>
+          </a:stretch>
+        </p:blipFill>
+        <p:spPr>
+          <a:xfrm>
+            <a:off x="6438900" y="5418455"/>
+            <a:ext cx="2400300" cy="838200"/>
+          </a:xfrm>
+          <a:prstGeom prst="rect">
+            <a:avLst/>
+          </a:prstGeom>
+        </p:spPr>
+      </p:pic>
     </p:spTree>
     <p:extLst>
       <p:ext uri="{BB962C8B-B14F-4D97-AF65-F5344CB8AC3E}">
@@ -14493,7 +15497,7 @@
         </p:nvSpPr>
         <p:spPr>
           <a:xfrm>
-            <a:off x="265113" y="3568700"/>
+            <a:off x="265113" y="3997325"/>
             <a:ext cx="3835400" cy="2713037"/>
           </a:xfrm>
           <a:prstGeom prst="rect">
@@ -14694,11 +15698,7 @@
               </a:lnSpc>
             </a:pPr>
             <a:r>
-              <a:rPr lang="pt-PT" sz="1800">
-                <a:solidFill>
-                  <a:srgbClr val="3366CC"/>
-                </a:solidFill>
-              </a:rPr>
+              <a:rPr lang="pt-PT" sz="1800"/>
               <a:t>HTML(5) / pics / audio / video </a:t>
             </a:r>
           </a:p>
@@ -14709,11 +15709,7 @@
               </a:lnSpc>
             </a:pPr>
             <a:r>
-              <a:rPr lang="pt-PT" sz="1800">
-                <a:solidFill>
-                  <a:srgbClr val="3366CC"/>
-                </a:solidFill>
-              </a:rPr>
+              <a:rPr lang="pt-PT" sz="1800"/>
               <a:t>JavaScript, VBScript,…</a:t>
             </a:r>
           </a:p>
@@ -14724,18 +15720,10 @@
               </a:lnSpc>
             </a:pPr>
             <a:r>
-              <a:rPr lang="pt-PT" sz="1800">
-                <a:solidFill>
-                  <a:srgbClr val="3366CC"/>
-                </a:solidFill>
-              </a:rPr>
+              <a:rPr lang="pt-PT" sz="1800"/>
               <a:t>ActiveX / Java / Flash / …</a:t>
             </a:r>
-            <a:endParaRPr lang="en-US" sz="1800" dirty="0">
-              <a:solidFill>
-                <a:srgbClr val="3366CC"/>
-              </a:solidFill>
-            </a:endParaRPr>
+            <a:endParaRPr lang="en-US" sz="1800" dirty="0"/>
           </a:p>
         </p:txBody>
       </p:sp>
@@ -14755,7 +15743,7 @@
         </p:nvSpPr>
         <p:spPr>
           <a:xfrm>
-            <a:off x="3567113" y="3457575"/>
+            <a:off x="3567113" y="3886200"/>
             <a:ext cx="4052887" cy="3095625"/>
           </a:xfrm>
           <a:prstGeom prst="rect">
@@ -14957,82 +15945,42 @@
               </a:spcBef>
             </a:pPr>
             <a:r>
-              <a:rPr lang="pt-PT" sz="1600" i="1" dirty="0" err="1">
-                <a:solidFill>
-                  <a:srgbClr val="339933"/>
-                </a:solidFill>
-              </a:rPr>
+              <a:rPr lang="pt-PT" sz="1600" i="1" dirty="0" err="1"/>
               <a:t>Static</a:t>
             </a:r>
             <a:r>
-              <a:rPr lang="pt-PT" sz="1600" i="1" dirty="0">
-                <a:solidFill>
-                  <a:srgbClr val="339933"/>
-                </a:solidFill>
-              </a:rPr>
+              <a:rPr lang="pt-PT" sz="1600" i="1" dirty="0"/>
               <a:t> </a:t>
             </a:r>
             <a:r>
-              <a:rPr lang="pt-PT" sz="1600" i="1" dirty="0" err="1">
-                <a:solidFill>
-                  <a:srgbClr val="339933"/>
-                </a:solidFill>
-              </a:rPr>
+              <a:rPr lang="pt-PT" sz="1600" i="1" dirty="0" err="1"/>
               <a:t>content</a:t>
             </a:r>
             <a:r>
-              <a:rPr lang="pt-PT" sz="1600" dirty="0">
-                <a:solidFill>
-                  <a:srgbClr val="339933"/>
-                </a:solidFill>
-              </a:rPr>
+              <a:rPr lang="pt-PT" sz="1600" dirty="0"/>
               <a:t>: HTML, </a:t>
             </a:r>
             <a:r>
-              <a:rPr lang="pt-PT" sz="1600" dirty="0" err="1">
-                <a:solidFill>
-                  <a:srgbClr val="339933"/>
-                </a:solidFill>
-              </a:rPr>
+              <a:rPr lang="pt-PT" sz="1600" dirty="0" err="1"/>
               <a:t>pics</a:t>
             </a:r>
             <a:r>
-              <a:rPr lang="pt-PT" sz="1600" dirty="0">
-                <a:solidFill>
-                  <a:srgbClr val="339933"/>
-                </a:solidFill>
-              </a:rPr>
+              <a:rPr lang="pt-PT" sz="1600" dirty="0"/>
               <a:t>, </a:t>
             </a:r>
             <a:r>
-              <a:rPr lang="pt-PT" sz="1600" dirty="0" err="1">
-                <a:solidFill>
-                  <a:srgbClr val="339933"/>
-                </a:solidFill>
-              </a:rPr>
+              <a:rPr lang="pt-PT" sz="1600" dirty="0" err="1"/>
               <a:t>audio</a:t>
             </a:r>
             <a:r>
-              <a:rPr lang="pt-PT" sz="1600" dirty="0">
-                <a:solidFill>
-                  <a:srgbClr val="339933"/>
-                </a:solidFill>
-              </a:rPr>
+              <a:rPr lang="pt-PT" sz="1600" dirty="0"/>
               <a:t>, </a:t>
             </a:r>
             <a:r>
-              <a:rPr lang="pt-PT" sz="1600" dirty="0" err="1">
-                <a:solidFill>
-                  <a:srgbClr val="339933"/>
-                </a:solidFill>
-              </a:rPr>
+              <a:rPr lang="pt-PT" sz="1600" dirty="0" err="1"/>
               <a:t>vid</a:t>
             </a:r>
-            <a:endParaRPr lang="pt-PT" sz="1600" dirty="0">
-              <a:solidFill>
-                <a:srgbClr val="339933"/>
-              </a:solidFill>
-            </a:endParaRPr>
+            <a:endParaRPr lang="pt-PT" sz="1600" dirty="0"/>
           </a:p>
           <a:p>
             <a:pPr defTabSz="914400">
@@ -15043,11 +15991,7 @@
                 <a:spcPct val="15000"/>
               </a:spcBef>
             </a:pPr>
-            <a:endParaRPr lang="pt-PT" sz="1600" i="1" dirty="0">
-              <a:solidFill>
-                <a:srgbClr val="FF9900"/>
-              </a:solidFill>
-            </a:endParaRPr>
+            <a:endParaRPr lang="pt-PT" sz="1600" i="1" dirty="0"/>
           </a:p>
           <a:p>
             <a:pPr defTabSz="914400">
@@ -15059,35 +16003,19 @@
               </a:spcBef>
             </a:pPr>
             <a:r>
-              <a:rPr lang="pt-PT" sz="1600" i="1" dirty="0" err="1">
-                <a:solidFill>
-                  <a:srgbClr val="FF9900"/>
-                </a:solidFill>
-              </a:rPr>
+              <a:rPr lang="pt-PT" sz="1600" i="1" dirty="0" err="1"/>
               <a:t>Dynamic</a:t>
             </a:r>
             <a:r>
-              <a:rPr lang="pt-PT" sz="1600" i="1" dirty="0">
-                <a:solidFill>
-                  <a:srgbClr val="FF9900"/>
-                </a:solidFill>
-              </a:rPr>
+              <a:rPr lang="pt-PT" sz="1600" i="1" dirty="0"/>
               <a:t> </a:t>
             </a:r>
             <a:r>
-              <a:rPr lang="pt-PT" sz="1600" i="1" dirty="0" err="1">
-                <a:solidFill>
-                  <a:srgbClr val="FF9900"/>
-                </a:solidFill>
-              </a:rPr>
+              <a:rPr lang="pt-PT" sz="1600" i="1" dirty="0" err="1"/>
               <a:t>content</a:t>
             </a:r>
             <a:r>
-              <a:rPr lang="pt-PT" sz="1600" i="1" dirty="0">
-                <a:solidFill>
-                  <a:srgbClr val="FF9900"/>
-                </a:solidFill>
-              </a:rPr>
+              <a:rPr lang="pt-PT" sz="1600" i="1" dirty="0"/>
               <a:t>: </a:t>
             </a:r>
           </a:p>
@@ -15101,91 +16029,47 @@
               </a:spcBef>
             </a:pPr>
             <a:r>
-              <a:rPr lang="pt-PT" sz="1600" dirty="0">
-                <a:solidFill>
-                  <a:srgbClr val="FF9900"/>
-                </a:solidFill>
-              </a:rPr>
+              <a:rPr lang="pt-PT" sz="1600" dirty="0"/>
               <a:t>CGI, Server-Side </a:t>
             </a:r>
             <a:r>
-              <a:rPr lang="pt-PT" sz="1600" dirty="0" err="1">
-                <a:solidFill>
-                  <a:srgbClr val="FF9900"/>
-                </a:solidFill>
-              </a:rPr>
+              <a:rPr lang="pt-PT" sz="1600" dirty="0" err="1"/>
               <a:t>Includes</a:t>
             </a:r>
             <a:r>
-              <a:rPr lang="pt-PT" sz="1600" dirty="0">
-                <a:solidFill>
-                  <a:srgbClr val="FF9900"/>
-                </a:solidFill>
-              </a:rPr>
+              <a:rPr lang="pt-PT" sz="1600" dirty="0"/>
               <a:t> (SSI), </a:t>
             </a:r>
             <a:r>
-              <a:rPr lang="pt-PT" sz="1600" dirty="0" err="1">
-                <a:solidFill>
-                  <a:srgbClr val="FF9900"/>
-                </a:solidFill>
-              </a:rPr>
+              <a:rPr lang="pt-PT" sz="1600" dirty="0" err="1"/>
               <a:t>Extensible</a:t>
             </a:r>
             <a:r>
-              <a:rPr lang="pt-PT" sz="1600" dirty="0">
-                <a:solidFill>
-                  <a:srgbClr val="FF9900"/>
-                </a:solidFill>
-              </a:rPr>
+              <a:rPr lang="pt-PT" sz="1600" dirty="0"/>
               <a:t> </a:t>
             </a:r>
             <a:r>
-              <a:rPr lang="pt-PT" sz="1600" dirty="0" err="1">
-                <a:solidFill>
-                  <a:srgbClr val="FF9900"/>
-                </a:solidFill>
-              </a:rPr>
+              <a:rPr lang="pt-PT" sz="1600" dirty="0" err="1"/>
               <a:t>Stylesheet</a:t>
             </a:r>
             <a:r>
-              <a:rPr lang="pt-PT" sz="1600" dirty="0">
-                <a:solidFill>
-                  <a:srgbClr val="FF9900"/>
-                </a:solidFill>
-              </a:rPr>
+              <a:rPr lang="pt-PT" sz="1600" dirty="0"/>
               <a:t> </a:t>
             </a:r>
             <a:r>
-              <a:rPr lang="pt-PT" sz="1600" dirty="0" err="1">
-                <a:solidFill>
-                  <a:srgbClr val="FF9900"/>
-                </a:solidFill>
-              </a:rPr>
+              <a:rPr lang="pt-PT" sz="1600" dirty="0" err="1"/>
               <a:t>Language</a:t>
             </a:r>
             <a:r>
-              <a:rPr lang="pt-PT" sz="1600" dirty="0">
-                <a:solidFill>
-                  <a:srgbClr val="FF9900"/>
-                </a:solidFill>
-              </a:rPr>
+              <a:rPr lang="pt-PT" sz="1600" dirty="0"/>
               <a:t> </a:t>
             </a:r>
             <a:r>
-              <a:rPr lang="pt-PT" sz="1600" dirty="0" err="1">
-                <a:solidFill>
-                  <a:srgbClr val="FF9900"/>
-                </a:solidFill>
-              </a:rPr>
+              <a:rPr lang="pt-PT" sz="1600" dirty="0" err="1"/>
               <a:t>Transformation</a:t>
             </a:r>
             <a:r>
-              <a:rPr lang="pt-PT" sz="1600" dirty="0">
-                <a:solidFill>
-                  <a:srgbClr val="FF9900"/>
-                </a:solidFill>
-              </a:rPr>
+              <a:rPr lang="pt-PT" sz="1600" dirty="0"/>
               <a:t> (XSLT)</a:t>
             </a:r>
           </a:p>
@@ -15199,91 +16083,47 @@
               </a:spcBef>
             </a:pPr>
             <a:r>
-              <a:rPr lang="pt-PT" sz="1600" dirty="0">
-                <a:solidFill>
-                  <a:srgbClr val="FF9900"/>
-                </a:solidFill>
-              </a:rPr>
+              <a:rPr lang="pt-PT" sz="1600" dirty="0"/>
               <a:t>Server-</a:t>
             </a:r>
             <a:r>
-              <a:rPr lang="pt-PT" sz="1600" dirty="0" err="1">
-                <a:solidFill>
-                  <a:srgbClr val="FF9900"/>
-                </a:solidFill>
-              </a:rPr>
+              <a:rPr lang="pt-PT" sz="1600" dirty="0" err="1"/>
               <a:t>side</a:t>
             </a:r>
             <a:r>
-              <a:rPr lang="pt-PT" sz="1600" dirty="0">
-                <a:solidFill>
-                  <a:srgbClr val="FF9900"/>
-                </a:solidFill>
-              </a:rPr>
+              <a:rPr lang="pt-PT" sz="1600" dirty="0"/>
               <a:t> </a:t>
             </a:r>
             <a:r>
-              <a:rPr lang="pt-PT" sz="1600" dirty="0" err="1">
-                <a:solidFill>
-                  <a:srgbClr val="FF9900"/>
-                </a:solidFill>
-              </a:rPr>
+              <a:rPr lang="pt-PT" sz="1600" dirty="0" err="1"/>
               <a:t>scripting</a:t>
             </a:r>
             <a:r>
-              <a:rPr lang="pt-PT" sz="1600" dirty="0">
-                <a:solidFill>
-                  <a:srgbClr val="FF9900"/>
-                </a:solidFill>
-              </a:rPr>
+              <a:rPr lang="pt-PT" sz="1600" dirty="0"/>
               <a:t> (PHP, ASP, CFML, JSP); </a:t>
             </a:r>
             <a:r>
-              <a:rPr lang="pt-PT" sz="1600" dirty="0" err="1">
-                <a:solidFill>
-                  <a:srgbClr val="FF9900"/>
-                </a:solidFill>
-              </a:rPr>
+              <a:rPr lang="pt-PT" sz="1600" dirty="0" err="1"/>
               <a:t>compiled</a:t>
             </a:r>
             <a:r>
-              <a:rPr lang="pt-PT" sz="1600" dirty="0">
-                <a:solidFill>
-                  <a:srgbClr val="FF9900"/>
-                </a:solidFill>
-              </a:rPr>
+              <a:rPr lang="pt-PT" sz="1600" dirty="0"/>
               <a:t> “scripts” (Java </a:t>
             </a:r>
             <a:r>
-              <a:rPr lang="pt-PT" sz="1600" dirty="0" err="1">
-                <a:solidFill>
-                  <a:srgbClr val="FF9900"/>
-                </a:solidFill>
-              </a:rPr>
+              <a:rPr lang="pt-PT" sz="1600" dirty="0" err="1"/>
               <a:t>servlets</a:t>
             </a:r>
             <a:r>
-              <a:rPr lang="pt-PT" sz="1600" dirty="0">
-                <a:solidFill>
-                  <a:srgbClr val="FF9900"/>
-                </a:solidFill>
-              </a:rPr>
+              <a:rPr lang="pt-PT" sz="1600" dirty="0"/>
               <a:t>, ASP.NET, </a:t>
             </a:r>
             <a:r>
-              <a:rPr lang="pt-PT" sz="1600" dirty="0" err="1">
-                <a:solidFill>
-                  <a:srgbClr val="FF9900"/>
-                </a:solidFill>
-              </a:rPr>
+              <a:rPr lang="pt-PT" sz="1600" dirty="0" err="1"/>
               <a:t>ColdFusion</a:t>
             </a:r>
             <a:r>
-              <a:rPr lang="pt-PT" sz="1600" dirty="0">
-                <a:solidFill>
-                  <a:srgbClr val="FF9900"/>
-                </a:solidFill>
-              </a:rPr>
+              <a:rPr lang="pt-PT" sz="1600" dirty="0"/>
               <a:t> MX) </a:t>
             </a:r>
           </a:p>
@@ -15297,51 +16137,27 @@
               </a:spcBef>
             </a:pPr>
             <a:r>
-              <a:rPr lang="pt-PT" sz="1600" dirty="0" err="1">
-                <a:solidFill>
-                  <a:srgbClr val="FF9900"/>
-                </a:solidFill>
-              </a:rPr>
+              <a:rPr lang="pt-PT" sz="1600" dirty="0" err="1"/>
               <a:t>Frameworks</a:t>
             </a:r>
             <a:r>
-              <a:rPr lang="pt-PT" sz="1600" dirty="0">
-                <a:solidFill>
-                  <a:srgbClr val="FF9900"/>
-                </a:solidFill>
-              </a:rPr>
+              <a:rPr lang="pt-PT" sz="1600" dirty="0"/>
               <a:t> (</a:t>
             </a:r>
             <a:r>
-              <a:rPr lang="pt-PT" sz="1600" dirty="0" err="1">
-                <a:solidFill>
-                  <a:srgbClr val="FF9900"/>
-                </a:solidFill>
-              </a:rPr>
+              <a:rPr lang="pt-PT" sz="1600" dirty="0" err="1"/>
               <a:t>Hibernate</a:t>
             </a:r>
             <a:r>
-              <a:rPr lang="pt-PT" sz="1600" dirty="0">
-                <a:solidFill>
-                  <a:srgbClr val="FF9900"/>
-                </a:solidFill>
-              </a:rPr>
+              <a:rPr lang="pt-PT" sz="1600" dirty="0"/>
               <a:t>, </a:t>
             </a:r>
             <a:r>
-              <a:rPr lang="pt-PT" sz="1600" dirty="0" err="1">
-                <a:solidFill>
-                  <a:srgbClr val="FF9900"/>
-                </a:solidFill>
-              </a:rPr>
+              <a:rPr lang="pt-PT" sz="1600" dirty="0" err="1"/>
               <a:t>Struts</a:t>
             </a:r>
             <a:r>
-              <a:rPr lang="pt-PT" sz="1600" dirty="0">
-                <a:solidFill>
-                  <a:srgbClr val="FF9900"/>
-                </a:solidFill>
-              </a:rPr>
+              <a:rPr lang="pt-PT" sz="1600" dirty="0"/>
               <a:t>, Spring,…)</a:t>
             </a:r>
             <a:endParaRPr lang="en-US" sz="1600" dirty="0"/>
@@ -15364,7 +16180,7 @@
         </p:nvGrpSpPr>
         <p:grpSpPr bwMode="auto">
           <a:xfrm>
-            <a:off x="442911" y="1446213"/>
+            <a:off x="304800" y="1752600"/>
             <a:ext cx="5348289" cy="1881187"/>
             <a:chOff x="581" y="911"/>
             <a:chExt cx="3369" cy="1185"/>
@@ -15668,7 +16484,7 @@
         </p:blipFill>
         <p:spPr>
           <a:xfrm>
-            <a:off x="8001000" y="1752600"/>
+            <a:off x="7862889" y="2058987"/>
             <a:ext cx="869156" cy="869156"/>
           </a:xfrm>
           <a:prstGeom prst="rect">
@@ -15692,7 +16508,7 @@
         </p:nvSpPr>
         <p:spPr bwMode="auto">
           <a:xfrm flipH="1" flipV="1">
-            <a:off x="5943600" y="2124073"/>
+            <a:off x="5805489" y="2430460"/>
             <a:ext cx="1752600" cy="1"/>
           </a:xfrm>
           <a:prstGeom prst="line">
@@ -15732,7 +16548,7 @@
         </p:nvSpPr>
         <p:spPr bwMode="auto">
           <a:xfrm>
-            <a:off x="6079323" y="2299493"/>
+            <a:off x="5941212" y="2605880"/>
             <a:ext cx="1689117" cy="646331"/>
           </a:xfrm>
           <a:prstGeom prst="rect">
@@ -15787,7 +16603,7 @@
         </p:nvSpPr>
         <p:spPr bwMode="auto">
           <a:xfrm>
-            <a:off x="7772400" y="2686050"/>
+            <a:off x="7634289" y="2992437"/>
             <a:ext cx="1375248" cy="369332"/>
           </a:xfrm>
           <a:prstGeom prst="rect">
@@ -15836,7 +16652,7 @@
         </p:nvSpPr>
         <p:spPr>
           <a:xfrm>
-            <a:off x="7427785" y="3467101"/>
+            <a:off x="7427785" y="3895726"/>
             <a:ext cx="1811465" cy="1409700"/>
           </a:xfrm>
           <a:prstGeom prst="rect">
@@ -16038,32 +16854,14 @@
               </a:spcBef>
             </a:pPr>
             <a:r>
-              <a:rPr lang="pt-PT" sz="1600" i="1" dirty="0">
-                <a:solidFill>
-                  <a:schemeClr val="accent5">
-                    <a:lumMod val="75000"/>
-                  </a:schemeClr>
-                </a:solidFill>
-              </a:rPr>
+              <a:rPr lang="pt-PT" sz="1600" i="1" dirty="0"/>
               <a:t>SQL </a:t>
             </a:r>
             <a:r>
-              <a:rPr lang="pt-PT" sz="1600" i="1" dirty="0" err="1">
-                <a:solidFill>
-                  <a:schemeClr val="accent5">
-                    <a:lumMod val="75000"/>
-                  </a:schemeClr>
-                </a:solidFill>
-              </a:rPr>
+              <a:rPr lang="pt-PT" sz="1600" i="1" dirty="0" err="1"/>
               <a:t>databases</a:t>
             </a:r>
-            <a:endParaRPr lang="pt-PT" sz="1600" i="1" dirty="0">
-              <a:solidFill>
-                <a:schemeClr val="accent5">
-                  <a:lumMod val="75000"/>
-                </a:schemeClr>
-              </a:solidFill>
-            </a:endParaRPr>
+            <a:endParaRPr lang="pt-PT" sz="1600" i="1" dirty="0"/>
           </a:p>
           <a:p>
             <a:pPr defTabSz="914400">
@@ -16075,13 +16873,7 @@
               </a:spcBef>
             </a:pPr>
             <a:r>
-              <a:rPr lang="pt-PT" sz="1600" i="1" dirty="0">
-                <a:solidFill>
-                  <a:schemeClr val="accent5">
-                    <a:lumMod val="75000"/>
-                  </a:schemeClr>
-                </a:solidFill>
-              </a:rPr>
+              <a:rPr lang="pt-PT" sz="1600" i="1" dirty="0"/>
               <a:t>XML files</a:t>
             </a:r>
           </a:p>
@@ -16095,32 +16887,14 @@
               </a:spcBef>
             </a:pPr>
             <a:r>
-              <a:rPr lang="pt-PT" sz="1600" i="1" dirty="0" err="1">
-                <a:solidFill>
-                  <a:schemeClr val="accent5">
-                    <a:lumMod val="75000"/>
-                  </a:schemeClr>
-                </a:solidFill>
-              </a:rPr>
+              <a:rPr lang="pt-PT" sz="1600" i="1" dirty="0" err="1"/>
               <a:t>Others</a:t>
             </a:r>
             <a:r>
-              <a:rPr lang="pt-PT" sz="1600" i="1" dirty="0">
-                <a:solidFill>
-                  <a:schemeClr val="accent5">
-                    <a:lumMod val="75000"/>
-                  </a:schemeClr>
-                </a:solidFill>
-              </a:rPr>
+              <a:rPr lang="pt-PT" sz="1600" i="1" dirty="0"/>
               <a:t>...</a:t>
             </a:r>
-            <a:endParaRPr lang="en-US" sz="1600" dirty="0">
-              <a:solidFill>
-                <a:schemeClr val="accent5">
-                  <a:lumMod val="75000"/>
-                </a:schemeClr>
-              </a:solidFill>
-            </a:endParaRPr>
+            <a:endParaRPr lang="en-US" sz="1600" dirty="0"/>
           </a:p>
         </p:txBody>
       </p:sp>
@@ -16295,8 +17069,28 @@
           <a:lstStyle/>
           <a:p>
             <a:r>
+              <a:rPr lang="en-US" sz="2400" dirty="0" err="1"/>
+              <a:t>Dois</a:t>
+            </a:r>
+            <a:r>
               <a:rPr lang="en-US" sz="2400" dirty="0"/>
-              <a:t>two types of HTTP messages: </a:t>
+              <a:t> </a:t>
+            </a:r>
+            <a:r>
+              <a:rPr lang="en-US" sz="2400" dirty="0" err="1"/>
+              <a:t>tipos</a:t>
+            </a:r>
+            <a:r>
+              <a:rPr lang="en-US" sz="2400" dirty="0"/>
+              <a:t> de </a:t>
+            </a:r>
+            <a:r>
+              <a:rPr lang="en-US" sz="2400" dirty="0" err="1"/>
+              <a:t>mensagens</a:t>
+            </a:r>
+            <a:r>
+              <a:rPr lang="en-US" sz="2400" dirty="0"/>
+              <a:t> HTTP: </a:t>
             </a:r>
             <a:r>
               <a:rPr lang="en-US" sz="2400" i="1" dirty="0">
@@ -16602,8 +17396,8 @@
         </p:nvSpPr>
         <p:spPr bwMode="auto">
           <a:xfrm>
-            <a:off x="1703388" y="3946525"/>
-            <a:ext cx="1011237" cy="701675"/>
+            <a:off x="1439917" y="3946525"/>
+            <a:ext cx="1274708" cy="707886"/>
           </a:xfrm>
           <a:prstGeom prst="rect">
             <a:avLst/>
@@ -16632,12 +17426,20 @@
               <a:buNone/>
             </a:pPr>
             <a:r>
-              <a:rPr lang="en-US" sz="2000">
+              <a:rPr lang="en-US" sz="2000" dirty="0" err="1">
                 <a:solidFill>
                   <a:srgbClr val="000099"/>
                 </a:solidFill>
               </a:rPr>
-              <a:t>header</a:t>
+              <a:t>linhas</a:t>
+            </a:r>
+            <a:r>
+              <a:rPr lang="en-US" sz="2000" dirty="0">
+                <a:solidFill>
+                  <a:srgbClr val="000099"/>
+                </a:solidFill>
+              </a:rPr>
+              <a:t> de</a:t>
             </a:r>
           </a:p>
           <a:p>
@@ -16651,14 +17453,22 @@
               <a:buNone/>
             </a:pPr>
             <a:r>
-              <a:rPr lang="en-US" sz="2000">
+              <a:rPr lang="en-US" sz="2000" dirty="0">
                 <a:solidFill>
                   <a:srgbClr val="000099"/>
                 </a:solidFill>
               </a:rPr>
-              <a:t> lines</a:t>
-            </a:r>
-            <a:endParaRPr lang="en-US">
+              <a:t> </a:t>
+            </a:r>
+            <a:r>
+              <a:rPr lang="en-US" sz="2000" dirty="0" err="1">
+                <a:solidFill>
+                  <a:srgbClr val="000099"/>
+                </a:solidFill>
+              </a:rPr>
+              <a:t>cabeçalho</a:t>
+            </a:r>
+            <a:endParaRPr lang="en-US" dirty="0">
               <a:solidFill>
                 <a:srgbClr val="000099"/>
               </a:solidFill>
@@ -16724,7 +17534,7 @@
         <p:spPr bwMode="auto">
           <a:xfrm>
             <a:off x="188913" y="4845050"/>
-            <a:ext cx="2462212" cy="1311275"/>
+            <a:ext cx="2177199" cy="1323439"/>
           </a:xfrm>
           <a:prstGeom prst="rect">
             <a:avLst/>
@@ -16777,8 +17587,21 @@
                   <a:srgbClr val="000099"/>
                 </a:solidFill>
               </a:rPr>
-              <a:t>line feed at start</a:t>
-            </a:r>
+              <a:t>line feed no </a:t>
+            </a:r>
+            <a:r>
+              <a:rPr lang="en-US" sz="2000" dirty="0" err="1">
+                <a:solidFill>
+                  <a:srgbClr val="000099"/>
+                </a:solidFill>
+              </a:rPr>
+              <a:t>início</a:t>
+            </a:r>
+            <a:endParaRPr lang="en-US" sz="2000" dirty="0">
+              <a:solidFill>
+                <a:srgbClr val="000099"/>
+              </a:solidFill>
+            </a:endParaRPr>
           </a:p>
           <a:p>
             <a:pPr>
@@ -16791,12 +17614,36 @@
               <a:buNone/>
             </a:pPr>
             <a:r>
+              <a:rPr lang="en-US" sz="2000" dirty="0" err="1">
+                <a:solidFill>
+                  <a:srgbClr val="000099"/>
+                </a:solidFill>
+              </a:rPr>
+              <a:t>indica</a:t>
+            </a:r>
+            <a:r>
               <a:rPr lang="en-US" sz="2000" dirty="0">
                 <a:solidFill>
                   <a:srgbClr val="000099"/>
                 </a:solidFill>
               </a:rPr>
-              <a:t>of line indicates</a:t>
+              <a:t> o </a:t>
+            </a:r>
+            <a:r>
+              <a:rPr lang="en-US" sz="2000" dirty="0" err="1">
+                <a:solidFill>
+                  <a:srgbClr val="000099"/>
+                </a:solidFill>
+              </a:rPr>
+              <a:t>fimal</a:t>
+            </a:r>
+            <a:r>
+              <a:rPr lang="en-US" sz="2000" dirty="0">
+                <a:solidFill>
+                  <a:srgbClr val="000099"/>
+                </a:solidFill>
+              </a:rPr>
+              <a:t> das</a:t>
             </a:r>
           </a:p>
           <a:p>
@@ -16810,12 +17657,28 @@
               <a:buNone/>
             </a:pPr>
             <a:r>
+              <a:rPr lang="en-US" sz="2000" dirty="0" err="1">
+                <a:solidFill>
+                  <a:srgbClr val="000099"/>
+                </a:solidFill>
+              </a:rPr>
+              <a:t>linhas</a:t>
+            </a:r>
+            <a:r>
               <a:rPr lang="en-US" sz="2000" dirty="0">
                 <a:solidFill>
                   <a:srgbClr val="000099"/>
                 </a:solidFill>
               </a:rPr>
-              <a:t>end of header lines</a:t>
+              <a:t> de </a:t>
+            </a:r>
+            <a:r>
+              <a:rPr lang="en-US" sz="2000" dirty="0" err="1">
+                <a:solidFill>
+                  <a:srgbClr val="000099"/>
+                </a:solidFill>
+              </a:rPr>
+              <a:t>cabeçalho</a:t>
             </a:r>
             <a:endParaRPr lang="en-US" dirty="0">
               <a:solidFill>
@@ -17196,7 +18059,7 @@
         <p:spPr bwMode="auto">
           <a:xfrm>
             <a:off x="3505200" y="5111889"/>
-            <a:ext cx="2865015" cy="707886"/>
+            <a:ext cx="3281668" cy="707886"/>
           </a:xfrm>
           <a:prstGeom prst="rect">
             <a:avLst/>
@@ -17225,13 +18088,66 @@
               <a:buNone/>
             </a:pPr>
             <a:r>
+              <a:rPr lang="en-US" sz="2000" dirty="0" err="1">
+                <a:solidFill>
+                  <a:srgbClr val="000099"/>
+                </a:solidFill>
+              </a:rPr>
+              <a:t>Corpo</a:t>
+            </a:r>
+            <a:r>
               <a:rPr lang="en-US" sz="2000" dirty="0">
                 <a:solidFill>
                   <a:srgbClr val="000099"/>
                 </a:solidFill>
               </a:rPr>
-              <a:t>optional body goes here </a:t>
-            </a:r>
+              <a:t> </a:t>
+            </a:r>
+            <a:r>
+              <a:rPr lang="en-US" sz="2000" dirty="0" err="1">
+                <a:solidFill>
+                  <a:srgbClr val="000099"/>
+                </a:solidFill>
+              </a:rPr>
+              <a:t>opcional</a:t>
+            </a:r>
+            <a:r>
+              <a:rPr lang="en-US" sz="2000" dirty="0">
+                <a:solidFill>
+                  <a:srgbClr val="000099"/>
+                </a:solidFill>
+              </a:rPr>
+              <a:t> </a:t>
+            </a:r>
+            <a:r>
+              <a:rPr lang="en-US" sz="2000" dirty="0" err="1">
+                <a:solidFill>
+                  <a:srgbClr val="000099"/>
+                </a:solidFill>
+              </a:rPr>
+              <a:t>vem</a:t>
+            </a:r>
+            <a:r>
+              <a:rPr lang="en-US" sz="2000" dirty="0">
+                <a:solidFill>
+                  <a:srgbClr val="000099"/>
+                </a:solidFill>
+              </a:rPr>
+              <a:t> </a:t>
+            </a:r>
+            <a:r>
+              <a:rPr lang="en-US" sz="2000" dirty="0" err="1">
+                <a:solidFill>
+                  <a:srgbClr val="000099"/>
+                </a:solidFill>
+              </a:rPr>
+              <a:t>aqui</a:t>
+            </a:r>
+            <a:endParaRPr lang="en-US" sz="2000" dirty="0">
+              <a:solidFill>
+                <a:srgbClr val="000099"/>
+              </a:solidFill>
+            </a:endParaRPr>
           </a:p>
           <a:p>
             <a:pPr>
@@ -17249,7 +18165,71 @@
                   <a:srgbClr val="000099"/>
                 </a:solidFill>
               </a:rPr>
-              <a:t>(no body in GET requests)</a:t>
+              <a:t>(</a:t>
+            </a:r>
+            <a:r>
+              <a:rPr lang="en-US" sz="2000" dirty="0" err="1">
+                <a:solidFill>
+                  <a:srgbClr val="000099"/>
+                </a:solidFill>
+              </a:rPr>
+              <a:t>sem</a:t>
+            </a:r>
+            <a:r>
+              <a:rPr lang="en-US" sz="2000" dirty="0">
+                <a:solidFill>
+                  <a:srgbClr val="000099"/>
+                </a:solidFill>
+              </a:rPr>
+              <a:t> </a:t>
+            </a:r>
+            <a:r>
+              <a:rPr lang="en-US" sz="2000" dirty="0" err="1">
+                <a:solidFill>
+                  <a:srgbClr val="000099"/>
+                </a:solidFill>
+              </a:rPr>
+              <a:t>corpo</a:t>
+            </a:r>
+            <a:r>
+              <a:rPr lang="en-US" sz="2000" dirty="0">
+                <a:solidFill>
+                  <a:srgbClr val="000099"/>
+                </a:solidFill>
+              </a:rPr>
+              <a:t> </a:t>
+            </a:r>
+            <a:r>
+              <a:rPr lang="en-US" sz="2000" dirty="0" err="1">
+                <a:solidFill>
+                  <a:srgbClr val="000099"/>
+                </a:solidFill>
+              </a:rPr>
+              <a:t>em</a:t>
+            </a:r>
+            <a:r>
+              <a:rPr lang="en-US" sz="2000" dirty="0">
+                <a:solidFill>
+                  <a:srgbClr val="000099"/>
+                </a:solidFill>
+              </a:rPr>
+              <a:t> </a:t>
+            </a:r>
+            <a:r>
+              <a:rPr lang="en-US" sz="2000" dirty="0" err="1">
+                <a:solidFill>
+                  <a:srgbClr val="000099"/>
+                </a:solidFill>
+              </a:rPr>
+              <a:t>pedidos</a:t>
+            </a:r>
+            <a:r>
+              <a:rPr lang="en-US" sz="2000" dirty="0">
+                <a:solidFill>
+                  <a:srgbClr val="000099"/>
+                </a:solidFill>
+              </a:rPr>
+              <a:t> GET)</a:t>
             </a:r>
             <a:endParaRPr lang="en-US" dirty="0">
               <a:solidFill>
@@ -17444,7 +18424,12 @@
             <p:ph sz="quarter" idx="1"/>
           </p:nvPr>
         </p:nvSpPr>
-        <p:spPr/>
+        <p:spPr>
+          <a:xfrm>
+            <a:off x="457200" y="1219200"/>
+            <a:ext cx="8458200" cy="4937760"/>
+          </a:xfrm>
+        </p:spPr>
         <p:txBody>
           <a:bodyPr>
             <a:normAutofit/>
@@ -17453,15 +18438,103 @@
           <a:p>
             <a:r>
               <a:rPr lang="en-US" sz="2400" dirty="0"/>
-              <a:t>web page often includes </a:t>
+              <a:t>Uma </a:t>
+            </a:r>
+            <a:r>
+              <a:rPr lang="en-US" sz="2400" dirty="0" err="1"/>
+              <a:t>página</a:t>
+            </a:r>
+            <a:r>
+              <a:rPr lang="en-US" sz="2400" dirty="0"/>
+              <a:t> </a:t>
+            </a:r>
+            <a:r>
+              <a:rPr lang="en-US" sz="2400" dirty="0" err="1"/>
+              <a:t>geralmente</a:t>
+            </a:r>
+            <a:r>
+              <a:rPr lang="en-US" sz="2400" dirty="0"/>
+              <a:t> </a:t>
+            </a:r>
+            <a:r>
+              <a:rPr lang="en-US" sz="2400" dirty="0" err="1"/>
+              <a:t>inclui</a:t>
+            </a:r>
+            <a:r>
+              <a:rPr lang="en-US" sz="2400" dirty="0"/>
+              <a:t> um </a:t>
             </a:r>
             <a:r>
               <a:rPr lang="en-US" sz="2400" i="1" dirty="0"/>
-              <a:t>form</a:t>
+              <a:t>form (</a:t>
+            </a:r>
+            <a:r>
+              <a:rPr lang="en-US" sz="2400" i="1" dirty="0" err="1"/>
+              <a:t>formulário</a:t>
+            </a:r>
+            <a:r>
+              <a:rPr lang="en-US" sz="2400" i="1" dirty="0"/>
+              <a:t>) </a:t>
             </a:r>
             <a:r>
               <a:rPr lang="en-US" sz="2400" dirty="0"/>
-              <a:t> input; how is it sent to the server?</a:t>
+              <a:t>para entradas </a:t>
+            </a:r>
+            <a:r>
+              <a:rPr lang="en-US" sz="2400" dirty="0" err="1"/>
+              <a:t>pelo</a:t>
+            </a:r>
+            <a:r>
+              <a:rPr lang="en-US" sz="2400" dirty="0"/>
+              <a:t> </a:t>
+            </a:r>
+            <a:r>
+              <a:rPr lang="en-US" sz="2400" dirty="0" err="1"/>
+              <a:t>utilizador</a:t>
+            </a:r>
+            <a:r>
+              <a:rPr lang="en-US" sz="2400" dirty="0"/>
+              <a:t>; </a:t>
+            </a:r>
+            <a:r>
+              <a:rPr lang="en-US" sz="2400" dirty="0" err="1"/>
+              <a:t>como</a:t>
+            </a:r>
+            <a:r>
+              <a:rPr lang="en-US" sz="2400" dirty="0"/>
+              <a:t> </a:t>
+            </a:r>
+            <a:r>
+              <a:rPr lang="en-US" sz="2400" dirty="0" err="1"/>
+              <a:t>é</a:t>
+            </a:r>
+            <a:r>
+              <a:rPr lang="en-US" sz="2400" dirty="0"/>
+              <a:t> que </a:t>
+            </a:r>
+            <a:r>
+              <a:rPr lang="en-US" sz="2400" dirty="0" err="1"/>
+              <a:t>é</a:t>
+            </a:r>
+            <a:r>
+              <a:rPr lang="en-US" sz="2400" dirty="0"/>
+              <a:t> </a:t>
+            </a:r>
+            <a:r>
+              <a:rPr lang="en-US" sz="2400" dirty="0" err="1"/>
+              <a:t>enviado</a:t>
+            </a:r>
+            <a:r>
+              <a:rPr lang="en-US" sz="2400" dirty="0"/>
+              <a:t> para o </a:t>
+            </a:r>
+            <a:r>
+              <a:rPr lang="en-US" sz="2400" dirty="0" err="1"/>
+              <a:t>servidor</a:t>
+            </a:r>
+            <a:r>
+              <a:rPr lang="en-US" sz="2400" dirty="0"/>
+              <a:t>?</a:t>
             </a:r>
           </a:p>
           <a:p>
@@ -17476,19 +18549,83 @@
               <a:buNone/>
             </a:pPr>
             <a:r>
+              <a:rPr lang="en-US" sz="2400" u="sng" dirty="0" err="1">
+                <a:solidFill>
+                  <a:srgbClr val="FF0000"/>
+                </a:solidFill>
+              </a:rPr>
+              <a:t>Usando</a:t>
+            </a:r>
+            <a:r>
               <a:rPr lang="en-US" sz="2400" u="sng" dirty="0">
                 <a:solidFill>
                   <a:srgbClr val="FF0000"/>
                 </a:solidFill>
               </a:rPr>
-              <a:t>Using the POST method:</a:t>
+              <a:t> o </a:t>
+            </a:r>
+            <a:r>
+              <a:rPr lang="en-US" sz="2400" u="sng" dirty="0" err="1">
+                <a:solidFill>
+                  <a:srgbClr val="FF0000"/>
+                </a:solidFill>
+              </a:rPr>
+              <a:t>método</a:t>
+            </a:r>
+            <a:r>
+              <a:rPr lang="en-US" sz="2400" u="sng" dirty="0">
+                <a:solidFill>
+                  <a:srgbClr val="FF0000"/>
+                </a:solidFill>
+              </a:rPr>
+              <a:t> POST:</a:t>
             </a:r>
             <a:endParaRPr lang="en-US" sz="2400" dirty="0"/>
           </a:p>
           <a:p>
             <a:r>
               <a:rPr lang="en-US" sz="2400" dirty="0"/>
-              <a:t>input is uploaded to server in entity body</a:t>
+              <a:t>O input </a:t>
+            </a:r>
+            <a:r>
+              <a:rPr lang="en-US" sz="2400" dirty="0" err="1"/>
+              <a:t>é</a:t>
+            </a:r>
+            <a:r>
+              <a:rPr lang="en-US" sz="2400" dirty="0"/>
+              <a:t> </a:t>
+            </a:r>
+            <a:r>
+              <a:rPr lang="en-US" sz="2400" dirty="0" err="1"/>
+              <a:t>carregado</a:t>
+            </a:r>
+            <a:r>
+              <a:rPr lang="en-US" sz="2400" dirty="0"/>
+              <a:t> para o </a:t>
+            </a:r>
+            <a:r>
+              <a:rPr lang="en-US" sz="2400" dirty="0" err="1"/>
+              <a:t>servidor</a:t>
+            </a:r>
+            <a:r>
+              <a:rPr lang="en-US" sz="2400" dirty="0"/>
+              <a:t> no </a:t>
+            </a:r>
+            <a:r>
+              <a:rPr lang="en-US" sz="2400" dirty="0" err="1"/>
+              <a:t>corpo</a:t>
+            </a:r>
+            <a:r>
+              <a:rPr lang="en-US" sz="2400" dirty="0"/>
+              <a:t> do </a:t>
+            </a:r>
+            <a:r>
+              <a:rPr lang="en-US" sz="2400" dirty="0" err="1"/>
+              <a:t>pedido</a:t>
+            </a:r>
+            <a:r>
+              <a:rPr lang="en-US" sz="2400" dirty="0"/>
+              <a:t> HTTP</a:t>
             </a:r>
           </a:p>
           <a:p>
@@ -17504,19 +18641,79 @@
                   <a:srgbClr val="FF0000"/>
                 </a:solidFill>
               </a:rPr>
-              <a:t>In the URL:</a:t>
-            </a:r>
-          </a:p>
-          <a:p>
+              <a:t>No </a:t>
+            </a:r>
+            <a:r>
+              <a:rPr lang="en-US" sz="2400" u="sng" dirty="0" err="1">
+                <a:solidFill>
+                  <a:srgbClr val="FF0000"/>
+                </a:solidFill>
+              </a:rPr>
+              <a:t>próprio</a:t>
+            </a:r>
+            <a:r>
+              <a:rPr lang="en-US" sz="2400" u="sng" dirty="0">
+                <a:solidFill>
+                  <a:srgbClr val="FF0000"/>
+                </a:solidFill>
+              </a:rPr>
+              <a:t> URL:</a:t>
+            </a:r>
+          </a:p>
+          <a:p>
+            <a:r>
+              <a:rPr lang="en-US" sz="2400" dirty="0" err="1"/>
+              <a:t>Usa</a:t>
+            </a:r>
             <a:r>
               <a:rPr lang="en-US" sz="2400" dirty="0"/>
-              <a:t>uses GET method</a:t>
-            </a:r>
-          </a:p>
-          <a:p>
+              <a:t> o </a:t>
+            </a:r>
+            <a:r>
+              <a:rPr lang="en-US" sz="2400" dirty="0" err="1"/>
+              <a:t>método</a:t>
+            </a:r>
             <a:r>
               <a:rPr lang="en-US" sz="2400" dirty="0"/>
-              <a:t>input is uploaded in URL field of request line:</a:t>
+              <a:t> GET</a:t>
+            </a:r>
+          </a:p>
+          <a:p>
+            <a:r>
+              <a:rPr lang="en-US" sz="2400" dirty="0"/>
+              <a:t>O input </a:t>
+            </a:r>
+            <a:r>
+              <a:rPr lang="en-US" sz="2400" dirty="0" err="1"/>
+              <a:t>é</a:t>
+            </a:r>
+            <a:r>
+              <a:rPr lang="en-US" sz="2400" dirty="0"/>
+              <a:t> </a:t>
+            </a:r>
+            <a:r>
+              <a:rPr lang="en-US" sz="2400" dirty="0" err="1"/>
+              <a:t>enviado</a:t>
+            </a:r>
+            <a:r>
+              <a:rPr lang="en-US" sz="2400" dirty="0"/>
+              <a:t> no campo URL da </a:t>
+            </a:r>
+            <a:r>
+              <a:rPr lang="en-US" sz="2400" dirty="0" err="1"/>
+              <a:t>linha</a:t>
+            </a:r>
+            <a:r>
+              <a:rPr lang="en-US" sz="2400" dirty="0"/>
+              <a:t> de </a:t>
+            </a:r>
+            <a:r>
+              <a:rPr lang="en-US" sz="2400" dirty="0" err="1"/>
+              <a:t>pedido</a:t>
+            </a:r>
+            <a:r>
+              <a:rPr lang="en-US" sz="2400" dirty="0"/>
+              <a:t>:</a:t>
             </a:r>
           </a:p>
           <a:p>
@@ -17530,38 +18727,63 @@
               <a:t>	</a:t>
             </a:r>
             <a:r>
-              <a:rPr lang="en-US" sz="2000" b="1" dirty="0" err="1">
-                <a:latin typeface="Courier New" pitchFamily="49" charset="0"/>
+              <a:rPr lang="en-US" sz="1900" b="1" dirty="0" err="1">
+                <a:latin typeface="Consolas" panose="020B0609020204030204" pitchFamily="49" charset="0"/>
+                <a:cs typeface="Consolas" panose="020B0609020204030204" pitchFamily="49" charset="0"/>
               </a:rPr>
               <a:t>www.somesite.com</a:t>
             </a:r>
             <a:r>
-              <a:rPr lang="en-US" sz="2000" b="1" dirty="0">
-                <a:latin typeface="Courier New" pitchFamily="49" charset="0"/>
+              <a:rPr lang="en-US" sz="1900" b="1" dirty="0">
+                <a:latin typeface="Consolas" panose="020B0609020204030204" pitchFamily="49" charset="0"/>
+                <a:cs typeface="Consolas" panose="020B0609020204030204" pitchFamily="49" charset="0"/>
               </a:rPr>
               <a:t>/</a:t>
             </a:r>
             <a:r>
-              <a:rPr lang="en-US" sz="2000" b="1" dirty="0" err="1">
-                <a:latin typeface="Courier New" pitchFamily="49" charset="0"/>
+              <a:rPr lang="en-US" sz="1900" b="1" dirty="0" err="1">
+                <a:latin typeface="Consolas" panose="020B0609020204030204" pitchFamily="49" charset="0"/>
+                <a:cs typeface="Consolas" panose="020B0609020204030204" pitchFamily="49" charset="0"/>
               </a:rPr>
-              <a:t>animalsearch.php?animal</a:t>
-            </a:r>
-            <a:r>
-              <a:rPr lang="en-US" sz="2000" b="1" dirty="0">
-                <a:latin typeface="Courier New" pitchFamily="49" charset="0"/>
+              <a:t>animalsearch.php</a:t>
+            </a:r>
+            <a:r>
+              <a:rPr lang="en-US" sz="1900" b="1" dirty="0" err="1">
+                <a:solidFill>
+                  <a:srgbClr val="163CFF"/>
+                </a:solidFill>
+                <a:latin typeface="Consolas" panose="020B0609020204030204" pitchFamily="49" charset="0"/>
+                <a:cs typeface="Consolas" panose="020B0609020204030204" pitchFamily="49" charset="0"/>
+              </a:rPr>
+              <a:t>?animal</a:t>
+            </a:r>
+            <a:r>
+              <a:rPr lang="en-US" sz="1900" b="1" dirty="0">
+                <a:solidFill>
+                  <a:srgbClr val="163CFF"/>
+                </a:solidFill>
+                <a:latin typeface="Consolas" panose="020B0609020204030204" pitchFamily="49" charset="0"/>
+                <a:cs typeface="Consolas" panose="020B0609020204030204" pitchFamily="49" charset="0"/>
               </a:rPr>
               <a:t>=</a:t>
             </a:r>
             <a:r>
-              <a:rPr lang="en-US" sz="2000" b="1" dirty="0" err="1">
-                <a:latin typeface="Courier New" pitchFamily="49" charset="0"/>
+              <a:rPr lang="en-US" sz="1900" b="1" dirty="0" err="1">
+                <a:solidFill>
+                  <a:srgbClr val="163CFF"/>
+                </a:solidFill>
+                <a:latin typeface="Consolas" panose="020B0609020204030204" pitchFamily="49" charset="0"/>
+                <a:cs typeface="Consolas" panose="020B0609020204030204" pitchFamily="49" charset="0"/>
               </a:rPr>
               <a:t>monkey&amp;food</a:t>
             </a:r>
             <a:r>
-              <a:rPr lang="en-US" sz="2000" b="1" dirty="0">
-                <a:latin typeface="Courier New" pitchFamily="49" charset="0"/>
+              <a:rPr lang="en-US" sz="1900" b="1" dirty="0">
+                <a:solidFill>
+                  <a:srgbClr val="163CFF"/>
+                </a:solidFill>
+                <a:latin typeface="Consolas" panose="020B0609020204030204" pitchFamily="49" charset="0"/>
+                <a:cs typeface="Consolas" panose="020B0609020204030204" pitchFamily="49" charset="0"/>
               </a:rPr>
               <a:t>=banana</a:t>
             </a:r>
@@ -17606,7 +18828,7 @@
         </p:blipFill>
         <p:spPr bwMode="auto">
           <a:xfrm>
-            <a:off x="4931664" y="1889780"/>
+            <a:off x="4931664" y="2118380"/>
             <a:ext cx="3822192" cy="926572"/>
           </a:xfrm>
           <a:prstGeom prst="rect">
@@ -17633,13 +18855,15 @@
               </a:ext>
             </a:extLst>
           </p:cNvPr>
-          <p:cNvCxnSpPr/>
+          <p:cNvCxnSpPr>
+            <a:cxnSpLocks/>
+          </p:cNvCxnSpPr>
           <p:nvPr/>
         </p:nvCxnSpPr>
         <p:spPr bwMode="auto">
           <a:xfrm>
-            <a:off x="4572000" y="1828800"/>
-            <a:ext cx="292608" cy="292608"/>
+            <a:off x="5105400" y="1600200"/>
+            <a:ext cx="381000" cy="518180"/>
           </a:xfrm>
           <a:prstGeom prst="straightConnector1">
             <a:avLst/>
